--- a/220810_Contrastive learning/22.08.10 - Contrastive Learning.pptx
+++ b/220810_Contrastive learning/22.08.10 - Contrastive Learning.pptx
@@ -5,24 +5,23 @@
     <p:sldMasterId id="2147483648" r:id="rId1"/>
   </p:sldMasterIdLst>
   <p:notesMasterIdLst>
-    <p:notesMasterId r:id="rId17"/>
+    <p:notesMasterId r:id="rId16"/>
   </p:notesMasterIdLst>
   <p:sldIdLst>
     <p:sldId id="256" r:id="rId2"/>
-    <p:sldId id="257" r:id="rId3"/>
-    <p:sldId id="258" r:id="rId4"/>
-    <p:sldId id="259" r:id="rId5"/>
-    <p:sldId id="262" r:id="rId6"/>
-    <p:sldId id="261" r:id="rId7"/>
-    <p:sldId id="264" r:id="rId8"/>
-    <p:sldId id="260" r:id="rId9"/>
+    <p:sldId id="272" r:id="rId3"/>
+    <p:sldId id="257" r:id="rId4"/>
+    <p:sldId id="273" r:id="rId5"/>
+    <p:sldId id="258" r:id="rId6"/>
+    <p:sldId id="259" r:id="rId7"/>
+    <p:sldId id="261" r:id="rId8"/>
+    <p:sldId id="264" r:id="rId9"/>
     <p:sldId id="263" r:id="rId10"/>
     <p:sldId id="265" r:id="rId11"/>
     <p:sldId id="267" r:id="rId12"/>
     <p:sldId id="268" r:id="rId13"/>
     <p:sldId id="266" r:id="rId14"/>
-    <p:sldId id="269" r:id="rId15"/>
-    <p:sldId id="270" r:id="rId16"/>
+    <p:sldId id="270" r:id="rId15"/>
   </p:sldIdLst>
   <p:sldSz cx="12192000" cy="6858000"/>
   <p:notesSz cx="6858000" cy="9144000"/>
@@ -134,7 +133,7 @@
             <a:srgbClr val="A4A3A4"/>
           </p15:clr>
         </p15:guide>
-        <p15:guide id="4" orient="horz" pos="663" userDrawn="1">
+        <p15:guide id="4" orient="horz" pos="686" userDrawn="1">
           <p15:clr>
             <a:srgbClr val="A4A3A4"/>
           </p15:clr>
@@ -145,8 +144,612 @@
 </p:presentation>
 </file>
 
+<file path=ppt/revisionInfo.xml><?xml version="1.0" encoding="utf-8"?>
+<p1510:revInfo xmlns:a="http://schemas.openxmlformats.org/drawingml/2006/main" xmlns:r="http://schemas.openxmlformats.org/officeDocument/2006/relationships" xmlns:p1510="http://schemas.microsoft.com/office/powerpoint/2015/10/main">
+  <p1510:revLst>
+    <p1510:client id="{F45EC2CE-CF99-45E9-8866-168541EC39DC}" v="485" dt="2022-08-09T06:27:40.035"/>
+  </p1510:revLst>
+</p1510:revInfo>
+</file>
+
 <file path=ppt/changesInfos/changesInfo1.xml><?xml version="1.0" encoding="utf-8"?>
 <pc:chgInfo xmlns:a="http://schemas.openxmlformats.org/drawingml/2006/main" xmlns:r="http://schemas.openxmlformats.org/officeDocument/2006/relationships" xmlns:ac="http://schemas.microsoft.com/office/drawing/2013/main/command" xmlns:pc="http://schemas.microsoft.com/office/powerpoint/2013/main/command">
+  <pc:docChgLst>
+    <pc:chgData name="김소희" userId="292a1162-0793-4577-a94d-2dae0dfa5995" providerId="ADAL" clId="{F45EC2CE-CF99-45E9-8866-168541EC39DC}"/>
+    <pc:docChg chg="undo custSel addSld delSld modSld sldOrd modMainMaster">
+      <pc:chgData name="김소희" userId="292a1162-0793-4577-a94d-2dae0dfa5995" providerId="ADAL" clId="{F45EC2CE-CF99-45E9-8866-168541EC39DC}" dt="2022-08-09T06:47:30.531" v="4367" actId="47"/>
+      <pc:docMkLst>
+        <pc:docMk/>
+      </pc:docMkLst>
+      <pc:sldChg chg="modSp mod">
+        <pc:chgData name="김소희" userId="292a1162-0793-4577-a94d-2dae0dfa5995" providerId="ADAL" clId="{F45EC2CE-CF99-45E9-8866-168541EC39DC}" dt="2022-08-09T03:51:02.102" v="2170"/>
+        <pc:sldMkLst>
+          <pc:docMk/>
+          <pc:sldMk cId="158654813" sldId="256"/>
+        </pc:sldMkLst>
+        <pc:spChg chg="mod">
+          <ac:chgData name="김소희" userId="292a1162-0793-4577-a94d-2dae0dfa5995" providerId="ADAL" clId="{F45EC2CE-CF99-45E9-8866-168541EC39DC}" dt="2022-08-09T03:51:02.102" v="2170"/>
+          <ac:spMkLst>
+            <pc:docMk/>
+            <pc:sldMk cId="158654813" sldId="256"/>
+            <ac:spMk id="3" creationId="{BB4F0E0A-8459-60AB-4DBF-FC43E9161C10}"/>
+          </ac:spMkLst>
+        </pc:spChg>
+      </pc:sldChg>
+      <pc:sldChg chg="addSp delSp modSp mod modNotesTx">
+        <pc:chgData name="김소희" userId="292a1162-0793-4577-a94d-2dae0dfa5995" providerId="ADAL" clId="{F45EC2CE-CF99-45E9-8866-168541EC39DC}" dt="2022-08-09T06:27:43.872" v="4294" actId="1076"/>
+        <pc:sldMkLst>
+          <pc:docMk/>
+          <pc:sldMk cId="1064256564" sldId="257"/>
+        </pc:sldMkLst>
+        <pc:spChg chg="mod">
+          <ac:chgData name="김소희" userId="292a1162-0793-4577-a94d-2dae0dfa5995" providerId="ADAL" clId="{F45EC2CE-CF99-45E9-8866-168541EC39DC}" dt="2022-08-09T03:07:44.974" v="868" actId="20577"/>
+          <ac:spMkLst>
+            <pc:docMk/>
+            <pc:sldMk cId="1064256564" sldId="257"/>
+            <ac:spMk id="2" creationId="{5C386871-B092-6B43-A8DA-B84A6CCCC7F5}"/>
+          </ac:spMkLst>
+        </pc:spChg>
+        <pc:spChg chg="del">
+          <ac:chgData name="김소희" userId="292a1162-0793-4577-a94d-2dae0dfa5995" providerId="ADAL" clId="{F45EC2CE-CF99-45E9-8866-168541EC39DC}" dt="2022-08-09T02:55:02.324" v="228" actId="478"/>
+          <ac:spMkLst>
+            <pc:docMk/>
+            <pc:sldMk cId="1064256564" sldId="257"/>
+            <ac:spMk id="4" creationId="{23D46D21-7D87-A5C5-3A16-F43F451EE6D6}"/>
+          </ac:spMkLst>
+        </pc:spChg>
+        <pc:spChg chg="mod">
+          <ac:chgData name="김소희" userId="292a1162-0793-4577-a94d-2dae0dfa5995" providerId="ADAL" clId="{F45EC2CE-CF99-45E9-8866-168541EC39DC}" dt="2022-08-09T06:27:00.507" v="4276" actId="1076"/>
+          <ac:spMkLst>
+            <pc:docMk/>
+            <pc:sldMk cId="1064256564" sldId="257"/>
+            <ac:spMk id="6" creationId="{2188782E-44BF-062E-224B-C021A5C826FC}"/>
+          </ac:spMkLst>
+        </pc:spChg>
+        <pc:spChg chg="add del mod">
+          <ac:chgData name="김소희" userId="292a1162-0793-4577-a94d-2dae0dfa5995" providerId="ADAL" clId="{F45EC2CE-CF99-45E9-8866-168541EC39DC}" dt="2022-08-09T04:53:00.491" v="2832" actId="478"/>
+          <ac:spMkLst>
+            <pc:docMk/>
+            <pc:sldMk cId="1064256564" sldId="257"/>
+            <ac:spMk id="7" creationId="{08081DF9-4766-186E-200F-B12C8B77349F}"/>
+          </ac:spMkLst>
+        </pc:spChg>
+        <pc:spChg chg="del">
+          <ac:chgData name="김소희" userId="292a1162-0793-4577-a94d-2dae0dfa5995" providerId="ADAL" clId="{F45EC2CE-CF99-45E9-8866-168541EC39DC}" dt="2022-08-09T05:05:59.709" v="3096" actId="478"/>
+          <ac:spMkLst>
+            <pc:docMk/>
+            <pc:sldMk cId="1064256564" sldId="257"/>
+            <ac:spMk id="9" creationId="{4E262F7D-1CD2-9678-413C-EB257F68A044}"/>
+          </ac:spMkLst>
+        </pc:spChg>
+        <pc:spChg chg="add del">
+          <ac:chgData name="김소희" userId="292a1162-0793-4577-a94d-2dae0dfa5995" providerId="ADAL" clId="{F45EC2CE-CF99-45E9-8866-168541EC39DC}" dt="2022-08-09T05:50:19.323" v="3459"/>
+          <ac:spMkLst>
+            <pc:docMk/>
+            <pc:sldMk cId="1064256564" sldId="257"/>
+            <ac:spMk id="10" creationId="{229FCC60-8F87-7CF5-AF59-45DD7D0B1D9C}"/>
+          </ac:spMkLst>
+        </pc:spChg>
+        <pc:spChg chg="add mod">
+          <ac:chgData name="김소희" userId="292a1162-0793-4577-a94d-2dae0dfa5995" providerId="ADAL" clId="{F45EC2CE-CF99-45E9-8866-168541EC39DC}" dt="2022-08-09T05:52:32.121" v="3478"/>
+          <ac:spMkLst>
+            <pc:docMk/>
+            <pc:sldMk cId="1064256564" sldId="257"/>
+            <ac:spMk id="11" creationId="{692A49CF-82F5-E5ED-BD24-87952A03F3BF}"/>
+          </ac:spMkLst>
+        </pc:spChg>
+        <pc:spChg chg="add del mod">
+          <ac:chgData name="김소희" userId="292a1162-0793-4577-a94d-2dae0dfa5995" providerId="ADAL" clId="{F45EC2CE-CF99-45E9-8866-168541EC39DC}" dt="2022-08-09T03:12:35.205" v="982" actId="21"/>
+          <ac:spMkLst>
+            <pc:docMk/>
+            <pc:sldMk cId="1064256564" sldId="257"/>
+            <ac:spMk id="12" creationId="{79B6E3C8-F552-9FDC-EBA4-B3797DBC6AAB}"/>
+          </ac:spMkLst>
+        </pc:spChg>
+        <pc:spChg chg="del">
+          <ac:chgData name="김소희" userId="292a1162-0793-4577-a94d-2dae0dfa5995" providerId="ADAL" clId="{F45EC2CE-CF99-45E9-8866-168541EC39DC}" dt="2022-08-09T03:03:45.812" v="698" actId="478"/>
+          <ac:spMkLst>
+            <pc:docMk/>
+            <pc:sldMk cId="1064256564" sldId="257"/>
+            <ac:spMk id="13" creationId="{174246C5-3CB0-4EE1-338B-F486C3F74F8D}"/>
+          </ac:spMkLst>
+        </pc:spChg>
+        <pc:spChg chg="add del mod">
+          <ac:chgData name="김소희" userId="292a1162-0793-4577-a94d-2dae0dfa5995" providerId="ADAL" clId="{F45EC2CE-CF99-45E9-8866-168541EC39DC}" dt="2022-08-09T06:02:53.681" v="4019" actId="478"/>
+          <ac:spMkLst>
+            <pc:docMk/>
+            <pc:sldMk cId="1064256564" sldId="257"/>
+            <ac:spMk id="15" creationId="{6DC795D6-09CE-978F-EC2A-5C9177EF5518}"/>
+          </ac:spMkLst>
+        </pc:spChg>
+        <pc:spChg chg="add del mod">
+          <ac:chgData name="김소희" userId="292a1162-0793-4577-a94d-2dae0dfa5995" providerId="ADAL" clId="{F45EC2CE-CF99-45E9-8866-168541EC39DC}" dt="2022-08-09T05:49:54.149" v="3451" actId="478"/>
+          <ac:spMkLst>
+            <pc:docMk/>
+            <pc:sldMk cId="1064256564" sldId="257"/>
+            <ac:spMk id="19" creationId="{D4ED7685-AA9C-08AA-228F-73ED4C10EB57}"/>
+          </ac:spMkLst>
+        </pc:spChg>
+        <pc:spChg chg="add del mod">
+          <ac:chgData name="김소희" userId="292a1162-0793-4577-a94d-2dae0dfa5995" providerId="ADAL" clId="{F45EC2CE-CF99-45E9-8866-168541EC39DC}" dt="2022-08-09T05:52:22.935" v="3475" actId="478"/>
+          <ac:spMkLst>
+            <pc:docMk/>
+            <pc:sldMk cId="1064256564" sldId="257"/>
+            <ac:spMk id="20" creationId="{61F044A9-CBE9-58B6-C6E5-267D70176858}"/>
+          </ac:spMkLst>
+        </pc:spChg>
+        <pc:spChg chg="add del mod">
+          <ac:chgData name="김소희" userId="292a1162-0793-4577-a94d-2dae0dfa5995" providerId="ADAL" clId="{F45EC2CE-CF99-45E9-8866-168541EC39DC}" dt="2022-08-09T06:24:31.736" v="4229" actId="478"/>
+          <ac:spMkLst>
+            <pc:docMk/>
+            <pc:sldMk cId="1064256564" sldId="257"/>
+            <ac:spMk id="24" creationId="{563F97EC-A7A6-B4F4-32F4-7921EF433F24}"/>
+          </ac:spMkLst>
+        </pc:spChg>
+        <pc:spChg chg="add mod">
+          <ac:chgData name="김소희" userId="292a1162-0793-4577-a94d-2dae0dfa5995" providerId="ADAL" clId="{F45EC2CE-CF99-45E9-8866-168541EC39DC}" dt="2022-08-09T06:27:25.739" v="4288" actId="20577"/>
+          <ac:spMkLst>
+            <pc:docMk/>
+            <pc:sldMk cId="1064256564" sldId="257"/>
+            <ac:spMk id="25" creationId="{47A980A6-0472-6FF4-88B7-999D32420E59}"/>
+          </ac:spMkLst>
+        </pc:spChg>
+        <pc:spChg chg="add del mod">
+          <ac:chgData name="김소희" userId="292a1162-0793-4577-a94d-2dae0dfa5995" providerId="ADAL" clId="{F45EC2CE-CF99-45E9-8866-168541EC39DC}" dt="2022-08-09T05:57:59.486" v="3881" actId="478"/>
+          <ac:spMkLst>
+            <pc:docMk/>
+            <pc:sldMk cId="1064256564" sldId="257"/>
+            <ac:spMk id="26" creationId="{02646A0D-2B01-6F3E-2607-21170AF5158D}"/>
+          </ac:spMkLst>
+        </pc:spChg>
+        <pc:spChg chg="add mod">
+          <ac:chgData name="김소희" userId="292a1162-0793-4577-a94d-2dae0dfa5995" providerId="ADAL" clId="{F45EC2CE-CF99-45E9-8866-168541EC39DC}" dt="2022-08-09T06:26:55.188" v="4275" actId="1076"/>
+          <ac:spMkLst>
+            <pc:docMk/>
+            <pc:sldMk cId="1064256564" sldId="257"/>
+            <ac:spMk id="27" creationId="{5F411EFC-32CF-5B73-A2F9-9F46BC731DD3}"/>
+          </ac:spMkLst>
+        </pc:spChg>
+        <pc:spChg chg="add del">
+          <ac:chgData name="김소희" userId="292a1162-0793-4577-a94d-2dae0dfa5995" providerId="ADAL" clId="{F45EC2CE-CF99-45E9-8866-168541EC39DC}" dt="2022-08-09T06:04:32.569" v="4046" actId="22"/>
+          <ac:spMkLst>
+            <pc:docMk/>
+            <pc:sldMk cId="1064256564" sldId="257"/>
+            <ac:spMk id="29" creationId="{015A456B-707D-9647-9B72-77ED48025A9A}"/>
+          </ac:spMkLst>
+        </pc:spChg>
+        <pc:spChg chg="add del mod">
+          <ac:chgData name="김소희" userId="292a1162-0793-4577-a94d-2dae0dfa5995" providerId="ADAL" clId="{F45EC2CE-CF99-45E9-8866-168541EC39DC}" dt="2022-08-09T06:15:30.188" v="4118"/>
+          <ac:spMkLst>
+            <pc:docMk/>
+            <pc:sldMk cId="1064256564" sldId="257"/>
+            <ac:spMk id="30" creationId="{BDC1D37A-A8E4-C9D7-E185-24B9E4DC6684}"/>
+          </ac:spMkLst>
+        </pc:spChg>
+        <pc:spChg chg="add mod">
+          <ac:chgData name="김소희" userId="292a1162-0793-4577-a94d-2dae0dfa5995" providerId="ADAL" clId="{F45EC2CE-CF99-45E9-8866-168541EC39DC}" dt="2022-08-09T06:27:43.872" v="4294" actId="1076"/>
+          <ac:spMkLst>
+            <pc:docMk/>
+            <pc:sldMk cId="1064256564" sldId="257"/>
+            <ac:spMk id="31" creationId="{45376E96-04A9-CC89-35DC-3B74EC7DCD4B}"/>
+          </ac:spMkLst>
+        </pc:spChg>
+        <pc:picChg chg="add del mod">
+          <ac:chgData name="김소희" userId="292a1162-0793-4577-a94d-2dae0dfa5995" providerId="ADAL" clId="{F45EC2CE-CF99-45E9-8866-168541EC39DC}" dt="2022-08-09T02:58:43.789" v="654" actId="21"/>
+          <ac:picMkLst>
+            <pc:docMk/>
+            <pc:sldMk cId="1064256564" sldId="257"/>
+            <ac:picMk id="3" creationId="{CB868BB2-960B-7816-2EAD-DA8C15E387A0}"/>
+          </ac:picMkLst>
+        </pc:picChg>
+        <pc:picChg chg="add del mod">
+          <ac:chgData name="김소희" userId="292a1162-0793-4577-a94d-2dae0dfa5995" providerId="ADAL" clId="{F45EC2CE-CF99-45E9-8866-168541EC39DC}" dt="2022-08-09T03:47:40.284" v="2118" actId="21"/>
+          <ac:picMkLst>
+            <pc:docMk/>
+            <pc:sldMk cId="1064256564" sldId="257"/>
+            <ac:picMk id="16" creationId="{28C6CD43-A4AD-1E0E-8C20-54D53AF4C801}"/>
+          </ac:picMkLst>
+        </pc:picChg>
+        <pc:picChg chg="add del mod">
+          <ac:chgData name="김소희" userId="292a1162-0793-4577-a94d-2dae0dfa5995" providerId="ADAL" clId="{F45EC2CE-CF99-45E9-8866-168541EC39DC}" dt="2022-08-09T05:49:49.499" v="3449" actId="478"/>
+          <ac:picMkLst>
+            <pc:docMk/>
+            <pc:sldMk cId="1064256564" sldId="257"/>
+            <ac:picMk id="17" creationId="{664990BE-BE18-F3E0-E881-4B144DE1D668}"/>
+          </ac:picMkLst>
+        </pc:picChg>
+        <pc:picChg chg="add del mod">
+          <ac:chgData name="김소희" userId="292a1162-0793-4577-a94d-2dae0dfa5995" providerId="ADAL" clId="{F45EC2CE-CF99-45E9-8866-168541EC39DC}" dt="2022-08-09T05:49:49.011" v="3448" actId="478"/>
+          <ac:picMkLst>
+            <pc:docMk/>
+            <pc:sldMk cId="1064256564" sldId="257"/>
+            <ac:picMk id="18" creationId="{F1B2036E-F098-0577-2822-E85506392335}"/>
+          </ac:picMkLst>
+        </pc:picChg>
+        <pc:picChg chg="del">
+          <ac:chgData name="김소희" userId="292a1162-0793-4577-a94d-2dae0dfa5995" providerId="ADAL" clId="{F45EC2CE-CF99-45E9-8866-168541EC39DC}" dt="2022-08-09T02:54:55.925" v="226" actId="478"/>
+          <ac:picMkLst>
+            <pc:docMk/>
+            <pc:sldMk cId="1064256564" sldId="257"/>
+            <ac:picMk id="1026" creationId="{082B6978-1040-2636-ECB5-72C25D649201}"/>
+          </ac:picMkLst>
+        </pc:picChg>
+        <pc:picChg chg="add del mod">
+          <ac:chgData name="김소희" userId="292a1162-0793-4577-a94d-2dae0dfa5995" providerId="ADAL" clId="{F45EC2CE-CF99-45E9-8866-168541EC39DC}" dt="2022-08-09T04:51:25.188" v="2812" actId="478"/>
+          <ac:picMkLst>
+            <pc:docMk/>
+            <pc:sldMk cId="1064256564" sldId="257"/>
+            <ac:picMk id="1028" creationId="{A9AA87AE-A9AE-1C19-5D95-962B5D2EADC5}"/>
+          </ac:picMkLst>
+        </pc:picChg>
+        <pc:picChg chg="add mod">
+          <ac:chgData name="김소희" userId="292a1162-0793-4577-a94d-2dae0dfa5995" providerId="ADAL" clId="{F45EC2CE-CF99-45E9-8866-168541EC39DC}" dt="2022-08-09T06:27:40.034" v="4293" actId="1076"/>
+          <ac:picMkLst>
+            <pc:docMk/>
+            <pc:sldMk cId="1064256564" sldId="257"/>
+            <ac:picMk id="1030" creationId="{047F7BB5-0685-5380-191B-986AEDBEBB71}"/>
+          </ac:picMkLst>
+        </pc:picChg>
+        <pc:picChg chg="add mod">
+          <ac:chgData name="김소희" userId="292a1162-0793-4577-a94d-2dae0dfa5995" providerId="ADAL" clId="{F45EC2CE-CF99-45E9-8866-168541EC39DC}" dt="2022-08-09T06:27:33.072" v="4291" actId="1076"/>
+          <ac:picMkLst>
+            <pc:docMk/>
+            <pc:sldMk cId="1064256564" sldId="257"/>
+            <ac:picMk id="1033" creationId="{0DB506D9-41E2-24D4-B708-A95497C35C02}"/>
+          </ac:picMkLst>
+        </pc:picChg>
+      </pc:sldChg>
+      <pc:sldChg chg="modSp mod">
+        <pc:chgData name="김소희" userId="292a1162-0793-4577-a94d-2dae0dfa5995" providerId="ADAL" clId="{F45EC2CE-CF99-45E9-8866-168541EC39DC}" dt="2022-08-09T05:12:45.382" v="3222" actId="1076"/>
+        <pc:sldMkLst>
+          <pc:docMk/>
+          <pc:sldMk cId="2351987689" sldId="258"/>
+        </pc:sldMkLst>
+        <pc:spChg chg="mod">
+          <ac:chgData name="김소희" userId="292a1162-0793-4577-a94d-2dae0dfa5995" providerId="ADAL" clId="{F45EC2CE-CF99-45E9-8866-168541EC39DC}" dt="2022-08-09T05:12:39.144" v="3218" actId="20577"/>
+          <ac:spMkLst>
+            <pc:docMk/>
+            <pc:sldMk cId="2351987689" sldId="258"/>
+            <ac:spMk id="6" creationId="{2188782E-44BF-062E-224B-C021A5C826FC}"/>
+          </ac:spMkLst>
+        </pc:spChg>
+        <pc:spChg chg="mod">
+          <ac:chgData name="김소희" userId="292a1162-0793-4577-a94d-2dae0dfa5995" providerId="ADAL" clId="{F45EC2CE-CF99-45E9-8866-168541EC39DC}" dt="2022-08-09T05:12:45.382" v="3222" actId="1076"/>
+          <ac:spMkLst>
+            <pc:docMk/>
+            <pc:sldMk cId="2351987689" sldId="258"/>
+            <ac:spMk id="11" creationId="{5481EF30-FFA6-F378-2E64-2114E0FFA5EF}"/>
+          </ac:spMkLst>
+        </pc:spChg>
+      </pc:sldChg>
+      <pc:sldChg chg="addSp delSp modSp mod modNotesTx">
+        <pc:chgData name="김소희" userId="292a1162-0793-4577-a94d-2dae0dfa5995" providerId="ADAL" clId="{F45EC2CE-CF99-45E9-8866-168541EC39DC}" dt="2022-08-09T06:41:45.855" v="4355" actId="20577"/>
+        <pc:sldMkLst>
+          <pc:docMk/>
+          <pc:sldMk cId="2540614236" sldId="259"/>
+        </pc:sldMkLst>
+        <pc:spChg chg="mod">
+          <ac:chgData name="김소희" userId="292a1162-0793-4577-a94d-2dae0dfa5995" providerId="ADAL" clId="{F45EC2CE-CF99-45E9-8866-168541EC39DC}" dt="2022-08-09T05:40:12.027" v="3418" actId="1076"/>
+          <ac:spMkLst>
+            <pc:docMk/>
+            <pc:sldMk cId="2540614236" sldId="259"/>
+            <ac:spMk id="11" creationId="{5481EF30-FFA6-F378-2E64-2114E0FFA5EF}"/>
+          </ac:spMkLst>
+        </pc:spChg>
+        <pc:spChg chg="mod">
+          <ac:chgData name="김소희" userId="292a1162-0793-4577-a94d-2dae0dfa5995" providerId="ADAL" clId="{F45EC2CE-CF99-45E9-8866-168541EC39DC}" dt="2022-08-09T06:39:55.169" v="4334" actId="14100"/>
+          <ac:spMkLst>
+            <pc:docMk/>
+            <pc:sldMk cId="2540614236" sldId="259"/>
+            <ac:spMk id="14" creationId="{3A2F6365-F069-3566-8C7B-8A2F6BEA5AFB}"/>
+          </ac:spMkLst>
+        </pc:spChg>
+        <pc:spChg chg="add del mod">
+          <ac:chgData name="김소희" userId="292a1162-0793-4577-a94d-2dae0dfa5995" providerId="ADAL" clId="{F45EC2CE-CF99-45E9-8866-168541EC39DC}" dt="2022-08-09T05:21:18.785" v="3247" actId="478"/>
+          <ac:spMkLst>
+            <pc:docMk/>
+            <pc:sldMk cId="2540614236" sldId="259"/>
+            <ac:spMk id="17" creationId="{7F2E06B2-BD5E-76C6-1E52-757F51783371}"/>
+          </ac:spMkLst>
+        </pc:spChg>
+        <pc:spChg chg="add mod">
+          <ac:chgData name="김소희" userId="292a1162-0793-4577-a94d-2dae0dfa5995" providerId="ADAL" clId="{F45EC2CE-CF99-45E9-8866-168541EC39DC}" dt="2022-08-09T05:41:19.785" v="3441" actId="1076"/>
+          <ac:spMkLst>
+            <pc:docMk/>
+            <pc:sldMk cId="2540614236" sldId="259"/>
+            <ac:spMk id="18" creationId="{DAB8BE4D-DDBA-A94C-C478-D113BE247FB2}"/>
+          </ac:spMkLst>
+        </pc:spChg>
+        <pc:picChg chg="mod">
+          <ac:chgData name="김소희" userId="292a1162-0793-4577-a94d-2dae0dfa5995" providerId="ADAL" clId="{F45EC2CE-CF99-45E9-8866-168541EC39DC}" dt="2022-08-09T05:41:15.675" v="3440" actId="1076"/>
+          <ac:picMkLst>
+            <pc:docMk/>
+            <pc:sldMk cId="2540614236" sldId="259"/>
+            <ac:picMk id="7" creationId="{0935BA8F-CDDC-8772-DE95-5623BAFA5E44}"/>
+          </ac:picMkLst>
+        </pc:picChg>
+      </pc:sldChg>
+      <pc:sldChg chg="del mod modShow">
+        <pc:chgData name="김소희" userId="292a1162-0793-4577-a94d-2dae0dfa5995" providerId="ADAL" clId="{F45EC2CE-CF99-45E9-8866-168541EC39DC}" dt="2022-08-09T04:56:05.923" v="2855" actId="47"/>
+        <pc:sldMkLst>
+          <pc:docMk/>
+          <pc:sldMk cId="2288350488" sldId="260"/>
+        </pc:sldMkLst>
+      </pc:sldChg>
+      <pc:sldChg chg="modSp">
+        <pc:chgData name="김소희" userId="292a1162-0793-4577-a94d-2dae0dfa5995" providerId="ADAL" clId="{F45EC2CE-CF99-45E9-8866-168541EC39DC}" dt="2022-08-09T05:44:30.472" v="3446" actId="1076"/>
+        <pc:sldMkLst>
+          <pc:docMk/>
+          <pc:sldMk cId="676448917" sldId="261"/>
+        </pc:sldMkLst>
+        <pc:picChg chg="mod">
+          <ac:chgData name="김소희" userId="292a1162-0793-4577-a94d-2dae0dfa5995" providerId="ADAL" clId="{F45EC2CE-CF99-45E9-8866-168541EC39DC}" dt="2022-08-09T05:44:30.472" v="3446" actId="1076"/>
+          <ac:picMkLst>
+            <pc:docMk/>
+            <pc:sldMk cId="676448917" sldId="261"/>
+            <ac:picMk id="1036" creationId="{018E3C12-285D-CB90-3779-C415A13420B8}"/>
+          </ac:picMkLst>
+        </pc:picChg>
+      </pc:sldChg>
+      <pc:sldChg chg="delSp modSp del mod ord modShow">
+        <pc:chgData name="김소희" userId="292a1162-0793-4577-a94d-2dae0dfa5995" providerId="ADAL" clId="{F45EC2CE-CF99-45E9-8866-168541EC39DC}" dt="2022-08-09T06:47:30.531" v="4367" actId="47"/>
+        <pc:sldMkLst>
+          <pc:docMk/>
+          <pc:sldMk cId="2116673439" sldId="262"/>
+        </pc:sldMkLst>
+        <pc:spChg chg="del mod">
+          <ac:chgData name="김소희" userId="292a1162-0793-4577-a94d-2dae0dfa5995" providerId="ADAL" clId="{F45EC2CE-CF99-45E9-8866-168541EC39DC}" dt="2022-08-09T05:25:13.122" v="3292" actId="21"/>
+          <ac:spMkLst>
+            <pc:docMk/>
+            <pc:sldMk cId="2116673439" sldId="262"/>
+            <ac:spMk id="18" creationId="{DF2D7F8E-05ED-31C6-AA6B-FFEF7827CCE1}"/>
+          </ac:spMkLst>
+        </pc:spChg>
+      </pc:sldChg>
+      <pc:sldChg chg="modSp mod">
+        <pc:chgData name="김소희" userId="292a1162-0793-4577-a94d-2dae0dfa5995" providerId="ADAL" clId="{F45EC2CE-CF99-45E9-8866-168541EC39DC}" dt="2022-08-09T06:45:30.999" v="4366" actId="732"/>
+        <pc:sldMkLst>
+          <pc:docMk/>
+          <pc:sldMk cId="3731227598" sldId="263"/>
+        </pc:sldMkLst>
+        <pc:picChg chg="mod modCrop">
+          <ac:chgData name="김소희" userId="292a1162-0793-4577-a94d-2dae0dfa5995" providerId="ADAL" clId="{F45EC2CE-CF99-45E9-8866-168541EC39DC}" dt="2022-08-09T06:45:30.999" v="4366" actId="732"/>
+          <ac:picMkLst>
+            <pc:docMk/>
+            <pc:sldMk cId="3731227598" sldId="263"/>
+            <ac:picMk id="7" creationId="{B082A5DF-13F5-34D7-2418-A18C8F2C5957}"/>
+          </ac:picMkLst>
+        </pc:picChg>
+      </pc:sldChg>
+      <pc:sldChg chg="modSp mod modNotesTx">
+        <pc:chgData name="김소희" userId="292a1162-0793-4577-a94d-2dae0dfa5995" providerId="ADAL" clId="{F45EC2CE-CF99-45E9-8866-168541EC39DC}" dt="2022-08-09T06:44:23.276" v="4364" actId="1076"/>
+        <pc:sldMkLst>
+          <pc:docMk/>
+          <pc:sldMk cId="893567842" sldId="264"/>
+        </pc:sldMkLst>
+        <pc:picChg chg="mod">
+          <ac:chgData name="김소희" userId="292a1162-0793-4577-a94d-2dae0dfa5995" providerId="ADAL" clId="{F45EC2CE-CF99-45E9-8866-168541EC39DC}" dt="2022-08-09T06:42:57.036" v="4357" actId="1076"/>
+          <ac:picMkLst>
+            <pc:docMk/>
+            <pc:sldMk cId="893567842" sldId="264"/>
+            <ac:picMk id="5" creationId="{AF982632-4D05-6D30-13B3-0FD37CE1CE56}"/>
+          </ac:picMkLst>
+        </pc:picChg>
+        <pc:picChg chg="mod">
+          <ac:chgData name="김소희" userId="292a1162-0793-4577-a94d-2dae0dfa5995" providerId="ADAL" clId="{F45EC2CE-CF99-45E9-8866-168541EC39DC}" dt="2022-08-09T06:44:23.276" v="4364" actId="1076"/>
+          <ac:picMkLst>
+            <pc:docMk/>
+            <pc:sldMk cId="893567842" sldId="264"/>
+            <ac:picMk id="17" creationId="{8BDC61B1-3BFB-DBE1-7173-C179D1F8F468}"/>
+          </ac:picMkLst>
+        </pc:picChg>
+      </pc:sldChg>
+      <pc:sldChg chg="del mod modShow">
+        <pc:chgData name="김소희" userId="292a1162-0793-4577-a94d-2dae0dfa5995" providerId="ADAL" clId="{F45EC2CE-CF99-45E9-8866-168541EC39DC}" dt="2022-08-09T04:56:29.674" v="2856" actId="47"/>
+        <pc:sldMkLst>
+          <pc:docMk/>
+          <pc:sldMk cId="2469761216" sldId="269"/>
+        </pc:sldMkLst>
+      </pc:sldChg>
+      <pc:sldChg chg="addSp delSp modSp add del mod">
+        <pc:chgData name="김소희" userId="292a1162-0793-4577-a94d-2dae0dfa5995" providerId="ADAL" clId="{F45EC2CE-CF99-45E9-8866-168541EC39DC}" dt="2022-08-09T04:55:43.532" v="2853" actId="47"/>
+        <pc:sldMkLst>
+          <pc:docMk/>
+          <pc:sldMk cId="3214359078" sldId="271"/>
+        </pc:sldMkLst>
+        <pc:spChg chg="mod">
+          <ac:chgData name="김소희" userId="292a1162-0793-4577-a94d-2dae0dfa5995" providerId="ADAL" clId="{F45EC2CE-CF99-45E9-8866-168541EC39DC}" dt="2022-08-09T03:50:32.610" v="2145" actId="1076"/>
+          <ac:spMkLst>
+            <pc:docMk/>
+            <pc:sldMk cId="3214359078" sldId="271"/>
+            <ac:spMk id="4" creationId="{23D46D21-7D87-A5C5-3A16-F43F451EE6D6}"/>
+          </ac:spMkLst>
+        </pc:spChg>
+        <pc:spChg chg="mod">
+          <ac:chgData name="김소희" userId="292a1162-0793-4577-a94d-2dae0dfa5995" providerId="ADAL" clId="{F45EC2CE-CF99-45E9-8866-168541EC39DC}" dt="2022-08-09T03:07:27.286" v="866" actId="20577"/>
+          <ac:spMkLst>
+            <pc:docMk/>
+            <pc:sldMk cId="3214359078" sldId="271"/>
+            <ac:spMk id="6" creationId="{2188782E-44BF-062E-224B-C021A5C826FC}"/>
+          </ac:spMkLst>
+        </pc:spChg>
+        <pc:picChg chg="add del mod">
+          <ac:chgData name="김소희" userId="292a1162-0793-4577-a94d-2dae0dfa5995" providerId="ADAL" clId="{F45EC2CE-CF99-45E9-8866-168541EC39DC}" dt="2022-08-09T04:48:32.167" v="2784" actId="21"/>
+          <ac:picMkLst>
+            <pc:docMk/>
+            <pc:sldMk cId="3214359078" sldId="271"/>
+            <ac:picMk id="8" creationId="{1AAC69FE-E29A-76F0-0E2C-FA37B420822F}"/>
+          </ac:picMkLst>
+        </pc:picChg>
+        <pc:picChg chg="del mod">
+          <ac:chgData name="김소희" userId="292a1162-0793-4577-a94d-2dae0dfa5995" providerId="ADAL" clId="{F45EC2CE-CF99-45E9-8866-168541EC39DC}" dt="2022-08-09T04:50:53.392" v="2801" actId="21"/>
+          <ac:picMkLst>
+            <pc:docMk/>
+            <pc:sldMk cId="3214359078" sldId="271"/>
+            <ac:picMk id="1026" creationId="{082B6978-1040-2636-ECB5-72C25D649201}"/>
+          </ac:picMkLst>
+        </pc:picChg>
+      </pc:sldChg>
+      <pc:sldChg chg="addSp delSp modSp add mod ord modNotesTx">
+        <pc:chgData name="김소희" userId="292a1162-0793-4577-a94d-2dae0dfa5995" providerId="ADAL" clId="{F45EC2CE-CF99-45E9-8866-168541EC39DC}" dt="2022-08-09T05:05:57.464" v="3095" actId="478"/>
+        <pc:sldMkLst>
+          <pc:docMk/>
+          <pc:sldMk cId="4241466541" sldId="272"/>
+        </pc:sldMkLst>
+        <pc:spChg chg="del">
+          <ac:chgData name="김소희" userId="292a1162-0793-4577-a94d-2dae0dfa5995" providerId="ADAL" clId="{F45EC2CE-CF99-45E9-8866-168541EC39DC}" dt="2022-08-09T03:17:58.838" v="1066" actId="478"/>
+          <ac:spMkLst>
+            <pc:docMk/>
+            <pc:sldMk cId="4241466541" sldId="272"/>
+            <ac:spMk id="2" creationId="{5C386871-B092-6B43-A8DA-B84A6CCCC7F5}"/>
+          </ac:spMkLst>
+        </pc:spChg>
+        <pc:spChg chg="add del mod">
+          <ac:chgData name="김소희" userId="292a1162-0793-4577-a94d-2dae0dfa5995" providerId="ADAL" clId="{F45EC2CE-CF99-45E9-8866-168541EC39DC}" dt="2022-08-09T03:18:01.571" v="1068" actId="478"/>
+          <ac:spMkLst>
+            <pc:docMk/>
+            <pc:sldMk cId="4241466541" sldId="272"/>
+            <ac:spMk id="4" creationId="{B43DBDB6-0D3D-E8C9-581E-414970466438}"/>
+          </ac:spMkLst>
+        </pc:spChg>
+        <pc:spChg chg="del mod">
+          <ac:chgData name="김소희" userId="292a1162-0793-4577-a94d-2dae0dfa5995" providerId="ADAL" clId="{F45EC2CE-CF99-45E9-8866-168541EC39DC}" dt="2022-08-09T03:12:38.886" v="984" actId="478"/>
+          <ac:spMkLst>
+            <pc:docMk/>
+            <pc:sldMk cId="4241466541" sldId="272"/>
+            <ac:spMk id="6" creationId="{2188782E-44BF-062E-224B-C021A5C826FC}"/>
+          </ac:spMkLst>
+        </pc:spChg>
+        <pc:spChg chg="add mod">
+          <ac:chgData name="김소희" userId="292a1162-0793-4577-a94d-2dae0dfa5995" providerId="ADAL" clId="{F45EC2CE-CF99-45E9-8866-168541EC39DC}" dt="2022-08-09T05:05:34.577" v="3094" actId="207"/>
+          <ac:spMkLst>
+            <pc:docMk/>
+            <pc:sldMk cId="4241466541" sldId="272"/>
+            <ac:spMk id="8" creationId="{5CF71ACE-26EE-ABE9-8FA8-2733A72AAF78}"/>
+          </ac:spMkLst>
+        </pc:spChg>
+        <pc:spChg chg="del">
+          <ac:chgData name="김소희" userId="292a1162-0793-4577-a94d-2dae0dfa5995" providerId="ADAL" clId="{F45EC2CE-CF99-45E9-8866-168541EC39DC}" dt="2022-08-09T05:05:57.464" v="3095" actId="478"/>
+          <ac:spMkLst>
+            <pc:docMk/>
+            <pc:sldMk cId="4241466541" sldId="272"/>
+            <ac:spMk id="9" creationId="{4E262F7D-1CD2-9678-413C-EB257F68A044}"/>
+          </ac:spMkLst>
+        </pc:spChg>
+        <pc:spChg chg="add mod">
+          <ac:chgData name="김소희" userId="292a1162-0793-4577-a94d-2dae0dfa5995" providerId="ADAL" clId="{F45EC2CE-CF99-45E9-8866-168541EC39DC}" dt="2022-08-09T03:17:59.043" v="1067"/>
+          <ac:spMkLst>
+            <pc:docMk/>
+            <pc:sldMk cId="4241466541" sldId="272"/>
+            <ac:spMk id="11" creationId="{5A4BBBBE-7744-B61B-DD3B-0D5D4E48B059}"/>
+          </ac:spMkLst>
+        </pc:spChg>
+        <pc:spChg chg="mod">
+          <ac:chgData name="김소희" userId="292a1162-0793-4577-a94d-2dae0dfa5995" providerId="ADAL" clId="{F45EC2CE-CF99-45E9-8866-168541EC39DC}" dt="2022-08-09T05:01:21.101" v="3033" actId="1076"/>
+          <ac:spMkLst>
+            <pc:docMk/>
+            <pc:sldMk cId="4241466541" sldId="272"/>
+            <ac:spMk id="13" creationId="{174246C5-3CB0-4EE1-338B-F486C3F74F8D}"/>
+          </ac:spMkLst>
+        </pc:spChg>
+        <pc:spChg chg="add mod">
+          <ac:chgData name="김소희" userId="292a1162-0793-4577-a94d-2dae0dfa5995" providerId="ADAL" clId="{F45EC2CE-CF99-45E9-8866-168541EC39DC}" dt="2022-08-09T04:54:18.530" v="2843" actId="1076"/>
+          <ac:spMkLst>
+            <pc:docMk/>
+            <pc:sldMk cId="4241466541" sldId="272"/>
+            <ac:spMk id="14" creationId="{C52B83CD-CB37-BDBD-DC15-4A01D0A06A65}"/>
+          </ac:spMkLst>
+        </pc:spChg>
+        <pc:spChg chg="add mod">
+          <ac:chgData name="김소희" userId="292a1162-0793-4577-a94d-2dae0dfa5995" providerId="ADAL" clId="{F45EC2CE-CF99-45E9-8866-168541EC39DC}" dt="2022-08-09T04:47:25.491" v="2783" actId="20577"/>
+          <ac:spMkLst>
+            <pc:docMk/>
+            <pc:sldMk cId="4241466541" sldId="272"/>
+            <ac:spMk id="17" creationId="{3BDD31EC-FD6A-8D81-81A7-42F993C3E257}"/>
+          </ac:spMkLst>
+        </pc:spChg>
+        <pc:picChg chg="add del mod">
+          <ac:chgData name="김소희" userId="292a1162-0793-4577-a94d-2dae0dfa5995" providerId="ADAL" clId="{F45EC2CE-CF99-45E9-8866-168541EC39DC}" dt="2022-08-09T03:22:47.486" v="1215" actId="21"/>
+          <ac:picMkLst>
+            <pc:docMk/>
+            <pc:sldMk cId="4241466541" sldId="272"/>
+            <ac:picMk id="7" creationId="{EDEAFDD0-3642-8217-BB00-3FD376EE3E6A}"/>
+          </ac:picMkLst>
+        </pc:picChg>
+        <pc:picChg chg="add del mod">
+          <ac:chgData name="김소희" userId="292a1162-0793-4577-a94d-2dae0dfa5995" providerId="ADAL" clId="{F45EC2CE-CF99-45E9-8866-168541EC39DC}" dt="2022-08-09T03:50:14.725" v="2140" actId="21"/>
+          <ac:picMkLst>
+            <pc:docMk/>
+            <pc:sldMk cId="4241466541" sldId="272"/>
+            <ac:picMk id="15" creationId="{1B780558-70F5-78AB-3066-E83A70641C95}"/>
+          </ac:picMkLst>
+        </pc:picChg>
+        <pc:picChg chg="del">
+          <ac:chgData name="김소희" userId="292a1162-0793-4577-a94d-2dae0dfa5995" providerId="ADAL" clId="{F45EC2CE-CF99-45E9-8866-168541EC39DC}" dt="2022-08-09T02:58:53.543" v="656" actId="478"/>
+          <ac:picMkLst>
+            <pc:docMk/>
+            <pc:sldMk cId="4241466541" sldId="272"/>
+            <ac:picMk id="1028" creationId="{A9AA87AE-A9AE-1C19-5D95-962B5D2EADC5}"/>
+          </ac:picMkLst>
+        </pc:picChg>
+        <pc:picChg chg="add mod">
+          <ac:chgData name="김소희" userId="292a1162-0793-4577-a94d-2dae0dfa5995" providerId="ADAL" clId="{F45EC2CE-CF99-45E9-8866-168541EC39DC}" dt="2022-08-09T05:01:28.651" v="3036" actId="1076"/>
+          <ac:picMkLst>
+            <pc:docMk/>
+            <pc:sldMk cId="4241466541" sldId="272"/>
+            <ac:picMk id="2050" creationId="{F670A9C2-C26D-DF35-DA3B-8F2036EEB38B}"/>
+          </ac:picMkLst>
+        </pc:picChg>
+      </pc:sldChg>
+      <pc:sldChg chg="modSp add mod">
+        <pc:chgData name="김소희" userId="292a1162-0793-4577-a94d-2dae0dfa5995" providerId="ADAL" clId="{F45EC2CE-CF99-45E9-8866-168541EC39DC}" dt="2022-08-09T06:39:02.034" v="4332" actId="20577"/>
+        <pc:sldMkLst>
+          <pc:docMk/>
+          <pc:sldMk cId="3227677691" sldId="273"/>
+        </pc:sldMkLst>
+        <pc:spChg chg="mod">
+          <ac:chgData name="김소희" userId="292a1162-0793-4577-a94d-2dae0dfa5995" providerId="ADAL" clId="{F45EC2CE-CF99-45E9-8866-168541EC39DC}" dt="2022-08-09T06:39:02.034" v="4332" actId="20577"/>
+          <ac:spMkLst>
+            <pc:docMk/>
+            <pc:sldMk cId="3227677691" sldId="273"/>
+            <ac:spMk id="6" creationId="{2188782E-44BF-062E-224B-C021A5C826FC}"/>
+          </ac:spMkLst>
+        </pc:spChg>
+        <pc:spChg chg="mod">
+          <ac:chgData name="김소희" userId="292a1162-0793-4577-a94d-2dae0dfa5995" providerId="ADAL" clId="{F45EC2CE-CF99-45E9-8866-168541EC39DC}" dt="2022-08-09T06:37:01.125" v="4328" actId="1036"/>
+          <ac:spMkLst>
+            <pc:docMk/>
+            <pc:sldMk cId="3227677691" sldId="273"/>
+            <ac:spMk id="15" creationId="{6DC795D6-09CE-978F-EC2A-5C9177EF5518}"/>
+          </ac:spMkLst>
+        </pc:spChg>
+      </pc:sldChg>
+      <pc:sldMasterChg chg="modSldLayout">
+        <pc:chgData name="김소희" userId="292a1162-0793-4577-a94d-2dae0dfa5995" providerId="ADAL" clId="{F45EC2CE-CF99-45E9-8866-168541EC39DC}" dt="2022-08-09T05:00:22.285" v="3017" actId="1076"/>
+        <pc:sldMasterMkLst>
+          <pc:docMk/>
+          <pc:sldMasterMk cId="3910064173" sldId="2147483648"/>
+        </pc:sldMasterMkLst>
+        <pc:sldLayoutChg chg="modSp mod">
+          <pc:chgData name="김소희" userId="292a1162-0793-4577-a94d-2dae0dfa5995" providerId="ADAL" clId="{F45EC2CE-CF99-45E9-8866-168541EC39DC}" dt="2022-08-09T05:00:22.285" v="3017" actId="1076"/>
+          <pc:sldLayoutMkLst>
+            <pc:docMk/>
+            <pc:sldMasterMk cId="3910064173" sldId="2147483648"/>
+            <pc:sldLayoutMk cId="2993821319" sldId="2147483650"/>
+          </pc:sldLayoutMkLst>
+          <pc:spChg chg="mod">
+            <ac:chgData name="김소희" userId="292a1162-0793-4577-a94d-2dae0dfa5995" providerId="ADAL" clId="{F45EC2CE-CF99-45E9-8866-168541EC39DC}" dt="2022-08-09T05:00:22.285" v="3017" actId="1076"/>
+            <ac:spMkLst>
+              <pc:docMk/>
+              <pc:sldMasterMk cId="3910064173" sldId="2147483648"/>
+              <pc:sldLayoutMk cId="2993821319" sldId="2147483650"/>
+              <ac:spMk id="7" creationId="{C005384D-ECA5-527F-035D-4F18DB7E2A7F}"/>
+            </ac:spMkLst>
+          </pc:spChg>
+        </pc:sldLayoutChg>
+      </pc:sldMasterChg>
+    </pc:docChg>
+  </pc:docChgLst>
   <pc:docChgLst>
     <pc:chgData name="김소희" userId="292a1162-0793-4577-a94d-2dae0dfa5995" providerId="ADAL" clId="{AEC3F07D-585E-4C11-B64C-50F12F9F4E49}"/>
     <pc:docChg chg="undo custSel modSld">
@@ -5412,7 +6015,7 @@
           <a:p>
             <a:fld id="{3C68DF80-E33D-4369-8637-F89ABF057243}" type="datetimeFigureOut">
               <a:rPr lang="ko-KR" altLang="en-US" smtClean="0"/>
-              <a:t>2022-08-05</a:t>
+              <a:t>2022-08-09</a:t>
             </a:fld>
             <a:endParaRPr lang="ko-KR" altLang="en-US"/>
           </a:p>
@@ -6204,90 +6807,6 @@
     </p:spTree>
     <p:extLst>
       <p:ext uri="{BB962C8B-B14F-4D97-AF65-F5344CB8AC3E}">
-        <p14:creationId xmlns:p14="http://schemas.microsoft.com/office/powerpoint/2010/main" val="2074818167"/>
-      </p:ext>
-    </p:extLst>
-  </p:cSld>
-  <p:clrMapOvr>
-    <a:masterClrMapping/>
-  </p:clrMapOvr>
-</p:notes>
-</file>
-
-<file path=ppt/notesSlides/notesSlide15.xml><?xml version="1.0" encoding="utf-8"?>
-<p:notes xmlns:a="http://schemas.openxmlformats.org/drawingml/2006/main" xmlns:r="http://schemas.openxmlformats.org/officeDocument/2006/relationships" xmlns:p="http://schemas.openxmlformats.org/presentationml/2006/main">
-  <p:cSld>
-    <p:spTree>
-      <p:nvGrpSpPr>
-        <p:cNvPr id="1" name=""/>
-        <p:cNvGrpSpPr/>
-        <p:nvPr/>
-      </p:nvGrpSpPr>
-      <p:grpSpPr>
-        <a:xfrm>
-          <a:off x="0" y="0"/>
-          <a:ext cx="0" cy="0"/>
-          <a:chOff x="0" y="0"/>
-          <a:chExt cx="0" cy="0"/>
-        </a:xfrm>
-      </p:grpSpPr>
-      <p:sp>
-        <p:nvSpPr>
-          <p:cNvPr id="2" name="슬라이드 이미지 개체 틀 1"/>
-          <p:cNvSpPr>
-            <a:spLocks noGrp="1" noRot="1" noChangeAspect="1"/>
-          </p:cNvSpPr>
-          <p:nvPr>
-            <p:ph type="sldImg"/>
-          </p:nvPr>
-        </p:nvSpPr>
-        <p:spPr/>
-      </p:sp>
-      <p:sp>
-        <p:nvSpPr>
-          <p:cNvPr id="3" name="슬라이드 노트 개체 틀 2"/>
-          <p:cNvSpPr>
-            <a:spLocks noGrp="1"/>
-          </p:cNvSpPr>
-          <p:nvPr>
-            <p:ph type="body" idx="1"/>
-          </p:nvPr>
-        </p:nvSpPr>
-        <p:spPr/>
-        <p:txBody>
-          <a:bodyPr/>
-          <a:lstStyle/>
-          <a:p>
-            <a:endParaRPr lang="ko-KR" altLang="en-US" dirty="0"/>
-          </a:p>
-        </p:txBody>
-      </p:sp>
-      <p:sp>
-        <p:nvSpPr>
-          <p:cNvPr id="4" name="슬라이드 번호 개체 틀 3"/>
-          <p:cNvSpPr>
-            <a:spLocks noGrp="1"/>
-          </p:cNvSpPr>
-          <p:nvPr>
-            <p:ph type="sldNum" sz="quarter" idx="5"/>
-          </p:nvPr>
-        </p:nvSpPr>
-        <p:spPr/>
-        <p:txBody>
-          <a:bodyPr/>
-          <a:lstStyle/>
-          <a:p>
-            <a:fld id="{C75918C7-F96D-4145-9BAB-573D8D40EF29}" type="slidenum">
-              <a:rPr lang="ko-KR" altLang="en-US" smtClean="0"/>
-              <a:t>15</a:t>
-            </a:fld>
-            <a:endParaRPr lang="ko-KR" altLang="en-US"/>
-          </a:p>
-        </p:txBody>
-      </p:sp>
-    </p:spTree>
-    <p:extLst>
-      <p:ext uri="{BB962C8B-B14F-4D97-AF65-F5344CB8AC3E}">
         <p14:creationId xmlns:p14="http://schemas.microsoft.com/office/powerpoint/2010/main" val="2124607304"/>
       </p:ext>
     </p:extLst>
@@ -6343,6 +6862,44 @@
           <a:lstStyle/>
           <a:p>
             <a:r>
+              <a:rPr lang="ko-KR" altLang="en-US" b="0" i="0" dirty="0">
+                <a:solidFill>
+                  <a:srgbClr val="212529"/>
+                </a:solidFill>
+                <a:effectLst/>
+                <a:latin typeface="-apple-system"/>
+              </a:rPr>
+              <a:t>기계를 통해 만들어 지고 있는 데이터 들로부터 사물이나 관념에 대한 숫자의 덩어리를 학습하는 것</a:t>
+            </a:r>
+            <a:endParaRPr lang="en-US" altLang="ko-KR" b="0" i="0" dirty="0">
+              <a:solidFill>
+                <a:srgbClr val="212529"/>
+              </a:solidFill>
+              <a:effectLst/>
+              <a:latin typeface="-apple-system"/>
+            </a:endParaRPr>
+          </a:p>
+          <a:p>
+            <a:endParaRPr lang="en-US" altLang="ko-KR" b="0" i="0" dirty="0">
+              <a:solidFill>
+                <a:srgbClr val="212529"/>
+              </a:solidFill>
+              <a:effectLst/>
+              <a:latin typeface="-apple-system"/>
+            </a:endParaRPr>
+          </a:p>
+          <a:p>
+            <a:r>
+              <a:rPr lang="ko-KR" altLang="en-US" b="0" i="0" dirty="0">
+                <a:solidFill>
+                  <a:srgbClr val="212529"/>
+                </a:solidFill>
+                <a:effectLst/>
+                <a:latin typeface="-apple-system"/>
+              </a:rPr>
+              <a:t>예</a:t>
+            </a:r>
+            <a:r>
               <a:rPr lang="en-US" altLang="ko-KR" b="0" i="0" dirty="0">
                 <a:solidFill>
                   <a:srgbClr val="212529"/>
@@ -6350,7 +6907,7 @@
                 <a:effectLst/>
                 <a:latin typeface="-apple-system"/>
               </a:rPr>
-              <a:t>Self-supervised learning : </a:t>
+              <a:t>) </a:t>
             </a:r>
             <a:r>
               <a:rPr lang="ko-KR" altLang="en-US" b="0" i="0" dirty="0">
@@ -6360,7 +6917,7 @@
                 <a:effectLst/>
                 <a:latin typeface="-apple-system"/>
               </a:rPr>
-              <a:t>데이터에서 얻을 수 있는 정보를 사용해서 자체적인 </a:t>
+              <a:t>사과라는 사물을 기술하게 되면</a:t>
             </a:r>
             <a:r>
               <a:rPr lang="en-US" altLang="ko-KR" b="0" i="0" dirty="0">
@@ -6370,7 +6927,7 @@
                 <a:effectLst/>
                 <a:latin typeface="-apple-system"/>
               </a:rPr>
-              <a:t>label</a:t>
+              <a:t>, </a:t>
             </a:r>
             <a:r>
               <a:rPr lang="ko-KR" altLang="en-US" b="0" i="0" dirty="0">
@@ -6380,8 +6937,385 @@
                 <a:effectLst/>
                 <a:latin typeface="-apple-system"/>
               </a:rPr>
-              <a:t>을 얻기 위해 고안된 방법</a:t>
-            </a:r>
+              <a:t>특성들을 자세하게 적는 방식으로 데이터 구축</a:t>
+            </a:r>
+            <a:r>
+              <a:rPr lang="en-US" altLang="ko-KR" b="0" i="0" dirty="0">
+                <a:solidFill>
+                  <a:srgbClr val="212529"/>
+                </a:solidFill>
+                <a:effectLst/>
+                <a:latin typeface="-apple-system"/>
+              </a:rPr>
+              <a:t>. </a:t>
+            </a:r>
+          </a:p>
+          <a:p>
+            <a:r>
+              <a:rPr lang="en-US" altLang="ko-KR" b="0" i="0" dirty="0">
+                <a:solidFill>
+                  <a:srgbClr val="212529"/>
+                </a:solidFill>
+                <a:effectLst/>
+                <a:latin typeface="-apple-system"/>
+              </a:rPr>
+              <a:t>-&gt; </a:t>
+            </a:r>
+            <a:r>
+              <a:rPr lang="ko-KR" altLang="en-US" b="0" i="0" dirty="0">
+                <a:solidFill>
+                  <a:srgbClr val="212529"/>
+                </a:solidFill>
+                <a:effectLst/>
+                <a:latin typeface="-apple-system"/>
+              </a:rPr>
+              <a:t>딥러닝 </a:t>
+            </a:r>
+            <a:r>
+              <a:rPr lang="en-US" altLang="ko-KR" b="0" i="0" dirty="0">
+                <a:solidFill>
+                  <a:srgbClr val="212529"/>
+                </a:solidFill>
+                <a:effectLst/>
+                <a:latin typeface="-apple-system"/>
+              </a:rPr>
+              <a:t>: </a:t>
+            </a:r>
+            <a:r>
+              <a:rPr lang="ko-KR" altLang="en-US" b="0" i="0" dirty="0">
+                <a:solidFill>
+                  <a:srgbClr val="212529"/>
+                </a:solidFill>
+                <a:effectLst/>
+                <a:latin typeface="-apple-system"/>
+              </a:rPr>
+              <a:t>사과를 사과라고 할 수 있는 표현을 숫자형태로 기술하도록 학습</a:t>
+            </a:r>
+            <a:endParaRPr lang="en-US" altLang="ko-KR" b="0" i="0" dirty="0">
+              <a:solidFill>
+                <a:srgbClr val="212529"/>
+              </a:solidFill>
+              <a:effectLst/>
+              <a:latin typeface="-apple-system"/>
+            </a:endParaRPr>
+          </a:p>
+          <a:p>
+            <a:endParaRPr lang="en-US" altLang="ko-KR" b="0" i="0" dirty="0">
+              <a:solidFill>
+                <a:srgbClr val="212529"/>
+              </a:solidFill>
+              <a:effectLst/>
+              <a:latin typeface="-apple-system"/>
+            </a:endParaRPr>
+          </a:p>
+          <a:p>
+            <a:pPr marL="0" marR="0" lvl="0" indent="0" algn="l" defTabSz="914400" rtl="0" eaLnBrk="1" fontAlgn="auto" latinLnBrk="1" hangingPunct="1">
+              <a:lnSpc>
+                <a:spcPct val="100000"/>
+              </a:lnSpc>
+              <a:spcBef>
+                <a:spcPts val="0"/>
+              </a:spcBef>
+              <a:spcAft>
+                <a:spcPts val="0"/>
+              </a:spcAft>
+              <a:buClrTx/>
+              <a:buSzTx/>
+              <a:buFontTx/>
+              <a:buNone/>
+              <a:tabLst/>
+              <a:defRPr/>
+            </a:pPr>
+            <a:r>
+              <a:rPr lang="ko-KR" altLang="en-US" b="0" i="0" dirty="0">
+                <a:solidFill>
+                  <a:srgbClr val="212529"/>
+                </a:solidFill>
+                <a:effectLst/>
+                <a:latin typeface="-apple-system"/>
+              </a:rPr>
+              <a:t>표현 학습 </a:t>
+            </a:r>
+            <a:r>
+              <a:rPr lang="en-US" altLang="ko-KR" b="0" i="0" dirty="0">
+                <a:solidFill>
+                  <a:srgbClr val="212529"/>
+                </a:solidFill>
+                <a:effectLst/>
+                <a:latin typeface="-apple-system"/>
+              </a:rPr>
+              <a:t>– </a:t>
+            </a:r>
+            <a:r>
+              <a:rPr lang="ko-KR" altLang="en-US" b="0" i="0" dirty="0">
+                <a:solidFill>
+                  <a:srgbClr val="212529"/>
+                </a:solidFill>
+                <a:effectLst/>
+                <a:latin typeface="-apple-system"/>
+              </a:rPr>
+              <a:t>두가지 접근법 존재</a:t>
+            </a:r>
+            <a:r>
+              <a:rPr lang="en-US" altLang="ko-KR" b="0" i="0" dirty="0">
+                <a:solidFill>
+                  <a:srgbClr val="212529"/>
+                </a:solidFill>
+                <a:effectLst/>
+                <a:latin typeface="-apple-system"/>
+              </a:rPr>
+              <a:t>. </a:t>
+            </a:r>
+            <a:r>
+              <a:rPr lang="ko-KR" altLang="en-US" b="0" i="0" dirty="0">
+                <a:solidFill>
+                  <a:srgbClr val="212529"/>
+                </a:solidFill>
+                <a:effectLst/>
+                <a:latin typeface="-apple-system"/>
+              </a:rPr>
+              <a:t>생성모델 측면</a:t>
+            </a:r>
+            <a:r>
+              <a:rPr lang="en-US" altLang="ko-KR" b="0" i="0" dirty="0">
+                <a:solidFill>
+                  <a:srgbClr val="212529"/>
+                </a:solidFill>
+                <a:effectLst/>
+                <a:latin typeface="-apple-system"/>
+              </a:rPr>
+              <a:t>, </a:t>
+            </a:r>
+            <a:r>
+              <a:rPr lang="ko-KR" altLang="en-US" b="0" i="0" dirty="0">
+                <a:solidFill>
+                  <a:srgbClr val="212529"/>
+                </a:solidFill>
+                <a:effectLst/>
+                <a:latin typeface="-apple-system"/>
+              </a:rPr>
+              <a:t>판별모델 측면</a:t>
+            </a:r>
+            <a:endParaRPr lang="en-US" altLang="ko-KR" b="0" i="0" dirty="0">
+              <a:solidFill>
+                <a:srgbClr val="212529"/>
+              </a:solidFill>
+              <a:effectLst/>
+              <a:latin typeface="-apple-system"/>
+            </a:endParaRPr>
+          </a:p>
+          <a:p>
+            <a:pPr marL="0" marR="0" lvl="0" indent="0" algn="l" defTabSz="914400" rtl="0" eaLnBrk="1" fontAlgn="auto" latinLnBrk="1" hangingPunct="1">
+              <a:lnSpc>
+                <a:spcPct val="100000"/>
+              </a:lnSpc>
+              <a:spcBef>
+                <a:spcPts val="0"/>
+              </a:spcBef>
+              <a:spcAft>
+                <a:spcPts val="0"/>
+              </a:spcAft>
+              <a:buClrTx/>
+              <a:buSzTx/>
+              <a:buFontTx/>
+              <a:buNone/>
+              <a:tabLst/>
+              <a:defRPr/>
+            </a:pPr>
+            <a:r>
+              <a:rPr lang="ko-KR" altLang="en-US" b="0" i="0" dirty="0">
+                <a:solidFill>
+                  <a:srgbClr val="666666"/>
+                </a:solidFill>
+                <a:effectLst/>
+                <a:latin typeface="Arial" panose="020B0604020202020204" pitchFamily="34" charset="0"/>
+              </a:rPr>
+              <a:t>생성 모델의 예는 유사한 이미지를 생성하기 위해 실제 세계의 이미지 컬렉션에 대해 훈련된 모델</a:t>
+            </a:r>
+            <a:endParaRPr lang="en-US" altLang="ko-KR" b="0" i="0" dirty="0">
+              <a:solidFill>
+                <a:srgbClr val="666666"/>
+              </a:solidFill>
+              <a:effectLst/>
+              <a:latin typeface="Arial" panose="020B0604020202020204" pitchFamily="34" charset="0"/>
+            </a:endParaRPr>
+          </a:p>
+          <a:p>
+            <a:pPr marL="0" marR="0" lvl="0" indent="0" algn="l" defTabSz="914400" rtl="0" eaLnBrk="1" fontAlgn="auto" latinLnBrk="1" hangingPunct="1">
+              <a:lnSpc>
+                <a:spcPct val="100000"/>
+              </a:lnSpc>
+              <a:spcBef>
+                <a:spcPts val="0"/>
+              </a:spcBef>
+              <a:spcAft>
+                <a:spcPts val="0"/>
+              </a:spcAft>
+              <a:buClrTx/>
+              <a:buSzTx/>
+              <a:buFontTx/>
+              <a:buNone/>
+              <a:tabLst/>
+              <a:defRPr/>
+            </a:pPr>
+            <a:r>
+              <a:rPr lang="ko-KR" altLang="en-US" b="0" i="0" dirty="0">
+                <a:solidFill>
+                  <a:srgbClr val="666666"/>
+                </a:solidFill>
+                <a:effectLst/>
+                <a:latin typeface="Arial" panose="020B0604020202020204" pitchFamily="34" charset="0"/>
+              </a:rPr>
+              <a:t>생성 모델링은 기존 데이터를 식별하고 데이터를 분류하는 데 사용할 수 있는 판별 모델링과 대조됩니다</a:t>
+            </a:r>
+            <a:r>
+              <a:rPr lang="en-US" altLang="ko-KR" b="0" i="0" dirty="0">
+                <a:solidFill>
+                  <a:srgbClr val="666666"/>
+                </a:solidFill>
+                <a:effectLst/>
+                <a:latin typeface="Arial" panose="020B0604020202020204" pitchFamily="34" charset="0"/>
+              </a:rPr>
+              <a:t>. </a:t>
+            </a:r>
+            <a:r>
+              <a:rPr lang="ko-KR" altLang="en-US" b="0" i="0" dirty="0">
+                <a:solidFill>
+                  <a:srgbClr val="666666"/>
+                </a:solidFill>
+                <a:effectLst/>
+                <a:latin typeface="Arial" panose="020B0604020202020204" pitchFamily="34" charset="0"/>
+              </a:rPr>
+              <a:t>생성 모델링은 무언가를 생성합니다</a:t>
+            </a:r>
+            <a:r>
+              <a:rPr lang="en-US" altLang="ko-KR" b="0" i="0" dirty="0">
+                <a:solidFill>
+                  <a:srgbClr val="666666"/>
+                </a:solidFill>
+                <a:effectLst/>
+                <a:latin typeface="Arial" panose="020B0604020202020204" pitchFamily="34" charset="0"/>
+              </a:rPr>
+              <a:t>. </a:t>
+            </a:r>
+            <a:r>
+              <a:rPr lang="ko-KR" altLang="en-US" b="0" i="0" dirty="0">
+                <a:solidFill>
+                  <a:srgbClr val="666666"/>
+                </a:solidFill>
+                <a:effectLst/>
+                <a:latin typeface="Arial" panose="020B0604020202020204" pitchFamily="34" charset="0"/>
+              </a:rPr>
+              <a:t>판별 모델링은 태그를 인식하고 데이터를 정렬합니다</a:t>
+            </a:r>
+            <a:r>
+              <a:rPr lang="en-US" altLang="ko-KR" b="0" i="0" dirty="0">
+                <a:solidFill>
+                  <a:srgbClr val="666666"/>
+                </a:solidFill>
+                <a:effectLst/>
+                <a:latin typeface="Arial" panose="020B0604020202020204" pitchFamily="34" charset="0"/>
+              </a:rPr>
+              <a:t>. </a:t>
+            </a:r>
+          </a:p>
+          <a:p>
+            <a:pPr marL="0" marR="0" lvl="0" indent="0" algn="l" defTabSz="914400" rtl="0" eaLnBrk="1" fontAlgn="auto" latinLnBrk="1" hangingPunct="1">
+              <a:lnSpc>
+                <a:spcPct val="100000"/>
+              </a:lnSpc>
+              <a:spcBef>
+                <a:spcPts val="0"/>
+              </a:spcBef>
+              <a:spcAft>
+                <a:spcPts val="0"/>
+              </a:spcAft>
+              <a:buClrTx/>
+              <a:buSzTx/>
+              <a:buFontTx/>
+              <a:buNone/>
+              <a:tabLst/>
+              <a:defRPr/>
+            </a:pPr>
+            <a:r>
+              <a:rPr lang="ko-KR" altLang="en-US" b="0" i="0" dirty="0">
+                <a:solidFill>
+                  <a:srgbClr val="666666"/>
+                </a:solidFill>
+                <a:effectLst/>
+                <a:latin typeface="Arial" panose="020B0604020202020204" pitchFamily="34" charset="0"/>
+              </a:rPr>
+              <a:t>위의 예에서 생성 모델은 설명 모델에 의해 향상될 수 있으며 그 반대도 마찬가지입니다</a:t>
+            </a:r>
+            <a:r>
+              <a:rPr lang="en-US" altLang="ko-KR" b="0" i="0" dirty="0">
+                <a:solidFill>
+                  <a:srgbClr val="666666"/>
+                </a:solidFill>
+                <a:effectLst/>
+                <a:latin typeface="Arial" panose="020B0604020202020204" pitchFamily="34" charset="0"/>
+              </a:rPr>
+              <a:t>. </a:t>
+            </a:r>
+            <a:r>
+              <a:rPr lang="ko-KR" altLang="en-US" b="0" i="0" dirty="0">
+                <a:solidFill>
+                  <a:srgbClr val="666666"/>
+                </a:solidFill>
+                <a:effectLst/>
+                <a:latin typeface="Arial" panose="020B0604020202020204" pitchFamily="34" charset="0"/>
+              </a:rPr>
+              <a:t>이는 생성 모델이 생성된 이미지가 실제라고 믿도록 판별 모델을 속이도록 함으로써 수행됩니다</a:t>
+            </a:r>
+            <a:r>
+              <a:rPr lang="en-US" altLang="ko-KR" b="0" i="0" dirty="0">
+                <a:solidFill>
+                  <a:srgbClr val="666666"/>
+                </a:solidFill>
+                <a:effectLst/>
+                <a:latin typeface="Arial" panose="020B0604020202020204" pitchFamily="34" charset="0"/>
+              </a:rPr>
+              <a:t>. </a:t>
+            </a:r>
+            <a:r>
+              <a:rPr lang="ko-KR" altLang="en-US" b="0" i="0" dirty="0">
+                <a:solidFill>
+                  <a:srgbClr val="666666"/>
+                </a:solidFill>
+                <a:effectLst/>
+                <a:latin typeface="Arial" panose="020B0604020202020204" pitchFamily="34" charset="0"/>
+              </a:rPr>
+              <a:t>일련의 훈련을 통해 둘 다 자신의 작업에서 더욱 </a:t>
+            </a:r>
+            <a:r>
+              <a:rPr lang="ko-KR" altLang="en-US" b="0" i="0" dirty="0" err="1">
+                <a:solidFill>
+                  <a:srgbClr val="666666"/>
+                </a:solidFill>
+                <a:effectLst/>
+                <a:latin typeface="Arial" panose="020B0604020202020204" pitchFamily="34" charset="0"/>
+              </a:rPr>
+              <a:t>정교해집니다</a:t>
+            </a:r>
+            <a:r>
+              <a:rPr lang="en-US" altLang="ko-KR" b="0" i="0" dirty="0">
+                <a:solidFill>
+                  <a:srgbClr val="666666"/>
+                </a:solidFill>
+                <a:effectLst/>
+                <a:latin typeface="Arial" panose="020B0604020202020204" pitchFamily="34" charset="0"/>
+              </a:rPr>
+              <a:t>.</a:t>
+            </a:r>
+            <a:endParaRPr lang="en-US" altLang="ko-KR" b="0" i="0" dirty="0">
+              <a:solidFill>
+                <a:srgbClr val="212529"/>
+              </a:solidFill>
+              <a:effectLst/>
+              <a:latin typeface="-apple-system"/>
+            </a:endParaRPr>
+          </a:p>
+          <a:p>
             <a:endParaRPr lang="en-US" altLang="ko-KR" b="0" i="0" dirty="0">
               <a:solidFill>
                 <a:srgbClr val="212529"/>
@@ -6418,7 +7352,7 @@
     </p:spTree>
     <p:extLst>
       <p:ext uri="{BB962C8B-B14F-4D97-AF65-F5344CB8AC3E}">
-        <p14:creationId xmlns:p14="http://schemas.microsoft.com/office/powerpoint/2010/main" val="3206496090"/>
+        <p14:creationId xmlns:p14="http://schemas.microsoft.com/office/powerpoint/2010/main" val="3755890631"/>
       </p:ext>
     </p:extLst>
   </p:cSld>
@@ -6472,7 +7406,371 @@
           <a:bodyPr/>
           <a:lstStyle/>
           <a:p>
-            <a:endParaRPr lang="ko-KR" altLang="en-US" dirty="0"/>
+            <a:pPr marL="0" marR="0" lvl="0" indent="0" algn="l" defTabSz="914400" rtl="0" eaLnBrk="1" fontAlgn="auto" latinLnBrk="1" hangingPunct="1">
+              <a:lnSpc>
+                <a:spcPct val="100000"/>
+              </a:lnSpc>
+              <a:spcBef>
+                <a:spcPts val="0"/>
+              </a:spcBef>
+              <a:spcAft>
+                <a:spcPts val="0"/>
+              </a:spcAft>
+              <a:buClrTx/>
+              <a:buSzTx/>
+              <a:buFontTx/>
+              <a:buNone/>
+              <a:tabLst/>
+              <a:defRPr/>
+            </a:pPr>
+            <a:r>
+              <a:rPr lang="en-US" altLang="ko-KR" b="0" i="0" dirty="0">
+                <a:solidFill>
+                  <a:srgbClr val="212529"/>
+                </a:solidFill>
+                <a:effectLst/>
+                <a:latin typeface="-apple-system"/>
+              </a:rPr>
+              <a:t>Contrastive Learning</a:t>
+            </a:r>
+            <a:r>
+              <a:rPr lang="ko-KR" altLang="en-US" b="0" i="0" dirty="0">
+                <a:solidFill>
+                  <a:srgbClr val="212529"/>
+                </a:solidFill>
+                <a:effectLst/>
+                <a:latin typeface="-apple-system"/>
+              </a:rPr>
+              <a:t>을 간단히 설명하자면</a:t>
+            </a:r>
+            <a:r>
+              <a:rPr lang="en-US" altLang="ko-KR" b="0" i="0" dirty="0">
+                <a:solidFill>
+                  <a:srgbClr val="212529"/>
+                </a:solidFill>
+                <a:effectLst/>
+                <a:latin typeface="-apple-system"/>
+              </a:rPr>
+              <a:t>, </a:t>
+            </a:r>
+            <a:r>
+              <a:rPr lang="ko-KR" altLang="en-US" b="0" i="0" dirty="0">
+                <a:solidFill>
+                  <a:srgbClr val="212529"/>
+                </a:solidFill>
+                <a:effectLst/>
+                <a:latin typeface="-apple-system"/>
+              </a:rPr>
+              <a:t>같은 이미지에 </a:t>
+            </a:r>
+            <a:r>
+              <a:rPr lang="en-US" altLang="ko-KR" b="0" i="0" dirty="0">
+                <a:solidFill>
+                  <a:srgbClr val="212529"/>
+                </a:solidFill>
+                <a:effectLst/>
+                <a:latin typeface="-apple-system"/>
+              </a:rPr>
+              <a:t>augmentation</a:t>
+            </a:r>
+            <a:r>
+              <a:rPr lang="ko-KR" altLang="en-US" b="0" i="0" dirty="0">
+                <a:solidFill>
+                  <a:srgbClr val="212529"/>
+                </a:solidFill>
+                <a:effectLst/>
+                <a:latin typeface="-apple-system"/>
+              </a:rPr>
+              <a:t>을 가한 뒤</a:t>
+            </a:r>
+            <a:r>
+              <a:rPr lang="en-US" altLang="ko-KR" b="0" i="0" dirty="0">
+                <a:solidFill>
+                  <a:srgbClr val="212529"/>
+                </a:solidFill>
+                <a:effectLst/>
+                <a:latin typeface="-apple-system"/>
+              </a:rPr>
+              <a:t>, </a:t>
+            </a:r>
+            <a:r>
+              <a:rPr lang="ko-KR" altLang="en-US" b="0" i="0" dirty="0">
+                <a:solidFill>
+                  <a:srgbClr val="212529"/>
+                </a:solidFill>
+                <a:effectLst/>
+                <a:latin typeface="-apple-system"/>
+              </a:rPr>
+              <a:t>기준인 </a:t>
+            </a:r>
+            <a:r>
+              <a:rPr lang="en-US" altLang="ko-KR" b="0" i="0" dirty="0">
+                <a:solidFill>
+                  <a:srgbClr val="212529"/>
+                </a:solidFill>
+                <a:effectLst/>
+                <a:latin typeface="-apple-system"/>
+              </a:rPr>
+              <a:t>anchor</a:t>
+            </a:r>
+            <a:r>
+              <a:rPr lang="ko-KR" altLang="en-US" b="0" i="0" dirty="0">
+                <a:solidFill>
+                  <a:srgbClr val="212529"/>
+                </a:solidFill>
+                <a:effectLst/>
+                <a:latin typeface="-apple-system"/>
+              </a:rPr>
+              <a:t>와 </a:t>
+            </a:r>
+            <a:r>
+              <a:rPr lang="en-US" altLang="ko-KR" b="0" i="0" dirty="0">
+                <a:solidFill>
+                  <a:srgbClr val="212529"/>
+                </a:solidFill>
+                <a:effectLst/>
+                <a:latin typeface="-apple-system"/>
+              </a:rPr>
+              <a:t>positive </a:t>
+            </a:r>
+            <a:r>
+              <a:rPr lang="ko-KR" altLang="en-US" b="0" i="0" dirty="0">
+                <a:solidFill>
+                  <a:srgbClr val="212529"/>
+                </a:solidFill>
+                <a:effectLst/>
+                <a:latin typeface="-apple-system"/>
+              </a:rPr>
+              <a:t>사이의 </a:t>
+            </a:r>
+            <a:r>
+              <a:rPr lang="en-US" altLang="ko-KR" b="0" i="0" dirty="0">
+                <a:solidFill>
+                  <a:srgbClr val="212529"/>
+                </a:solidFill>
+                <a:effectLst/>
+                <a:latin typeface="-apple-system"/>
+              </a:rPr>
+              <a:t>positive pair</a:t>
+            </a:r>
+            <a:r>
+              <a:rPr lang="ko-KR" altLang="en-US" b="0" i="0" dirty="0">
+                <a:solidFill>
+                  <a:srgbClr val="212529"/>
+                </a:solidFill>
+                <a:effectLst/>
+                <a:latin typeface="-apple-system"/>
+              </a:rPr>
+              <a:t>의 </a:t>
+            </a:r>
+            <a:r>
+              <a:rPr lang="en-US" altLang="ko-KR" b="0" i="0" dirty="0">
+                <a:solidFill>
+                  <a:srgbClr val="212529"/>
+                </a:solidFill>
+                <a:effectLst/>
+                <a:latin typeface="-apple-system"/>
+              </a:rPr>
+              <a:t>embedded vector</a:t>
+            </a:r>
+            <a:r>
+              <a:rPr lang="ko-KR" altLang="en-US" b="0" i="0" dirty="0">
+                <a:solidFill>
+                  <a:srgbClr val="212529"/>
+                </a:solidFill>
+                <a:effectLst/>
+                <a:latin typeface="-apple-system"/>
+              </a:rPr>
+              <a:t>가 유사해지도록 학습을 하고</a:t>
+            </a:r>
+            <a:r>
+              <a:rPr lang="en-US" altLang="ko-KR" b="0" i="0" dirty="0">
+                <a:solidFill>
+                  <a:srgbClr val="212529"/>
+                </a:solidFill>
+                <a:effectLst/>
+                <a:latin typeface="-apple-system"/>
+              </a:rPr>
+              <a:t>, </a:t>
+            </a:r>
+            <a:r>
+              <a:rPr lang="ko-KR" altLang="en-US" b="0" i="0" dirty="0">
+                <a:solidFill>
+                  <a:srgbClr val="212529"/>
+                </a:solidFill>
+                <a:effectLst/>
+                <a:latin typeface="-apple-system"/>
+              </a:rPr>
+              <a:t>다른 이미지에 서로 다른 </a:t>
+            </a:r>
+            <a:r>
+              <a:rPr lang="en-US" altLang="ko-KR" b="0" i="0" dirty="0">
+                <a:solidFill>
+                  <a:srgbClr val="212529"/>
+                </a:solidFill>
+                <a:effectLst/>
+                <a:latin typeface="-apple-system"/>
+              </a:rPr>
+              <a:t>augmentation</a:t>
+            </a:r>
+            <a:r>
+              <a:rPr lang="ko-KR" altLang="en-US" b="0" i="0" dirty="0">
+                <a:solidFill>
+                  <a:srgbClr val="212529"/>
+                </a:solidFill>
+                <a:effectLst/>
+                <a:latin typeface="-apple-system"/>
+              </a:rPr>
+              <a:t>을 가한 뒤</a:t>
+            </a:r>
+            <a:r>
+              <a:rPr lang="en-US" altLang="ko-KR" b="0" i="0" dirty="0">
+                <a:solidFill>
+                  <a:srgbClr val="212529"/>
+                </a:solidFill>
+                <a:effectLst/>
+                <a:latin typeface="-apple-system"/>
+              </a:rPr>
+              <a:t>, </a:t>
+            </a:r>
+            <a:r>
+              <a:rPr lang="ko-KR" altLang="en-US" b="0" i="0" dirty="0">
+                <a:solidFill>
+                  <a:srgbClr val="212529"/>
+                </a:solidFill>
+                <a:effectLst/>
+                <a:latin typeface="-apple-system"/>
+              </a:rPr>
+              <a:t>기준인 </a:t>
+            </a:r>
+            <a:r>
+              <a:rPr lang="en-US" altLang="ko-KR" b="0" i="0" dirty="0">
+                <a:solidFill>
+                  <a:srgbClr val="212529"/>
+                </a:solidFill>
+                <a:effectLst/>
+                <a:latin typeface="-apple-system"/>
+              </a:rPr>
+              <a:t>anchor embedded vector</a:t>
+            </a:r>
+            <a:r>
+              <a:rPr lang="ko-KR" altLang="en-US" b="0" i="0" dirty="0">
+                <a:solidFill>
+                  <a:srgbClr val="212529"/>
+                </a:solidFill>
+                <a:effectLst/>
+                <a:latin typeface="-apple-system"/>
+              </a:rPr>
+              <a:t>와 </a:t>
+            </a:r>
+            <a:r>
+              <a:rPr lang="en-US" altLang="ko-KR" b="0" i="0" dirty="0">
+                <a:solidFill>
+                  <a:srgbClr val="212529"/>
+                </a:solidFill>
+                <a:effectLst/>
+                <a:latin typeface="-apple-system"/>
+              </a:rPr>
+              <a:t>negative embedded vector </a:t>
+            </a:r>
+            <a:r>
+              <a:rPr lang="ko-KR" altLang="en-US" b="0" i="0" dirty="0">
+                <a:solidFill>
+                  <a:srgbClr val="212529"/>
+                </a:solidFill>
+                <a:effectLst/>
+                <a:latin typeface="-apple-system"/>
+              </a:rPr>
+              <a:t>사이의 거리는 멀어지도록 학습을 시키는 것이다</a:t>
+            </a:r>
+            <a:r>
+              <a:rPr lang="en-US" altLang="ko-KR" b="0" i="0" dirty="0">
+                <a:solidFill>
+                  <a:srgbClr val="212529"/>
+                </a:solidFill>
+                <a:effectLst/>
+                <a:latin typeface="-apple-system"/>
+              </a:rPr>
+              <a:t>.</a:t>
+            </a:r>
+          </a:p>
+          <a:p>
+            <a:endParaRPr lang="en-US" altLang="ko-KR" b="0" i="0" dirty="0">
+              <a:solidFill>
+                <a:srgbClr val="000000"/>
+              </a:solidFill>
+              <a:effectLst/>
+              <a:latin typeface="Nanum Gothic"/>
+            </a:endParaRPr>
+          </a:p>
+          <a:p>
+            <a:r>
+              <a:rPr lang="ko-KR" altLang="en-US" b="0" i="0" dirty="0">
+                <a:solidFill>
+                  <a:srgbClr val="000000"/>
+                </a:solidFill>
+                <a:effectLst/>
+                <a:latin typeface="Nanum Gothic"/>
+              </a:rPr>
+              <a:t>위에 기반하여 </a:t>
+            </a:r>
+            <a:r>
+              <a:rPr lang="en-US" altLang="ko-KR" b="0" i="0" dirty="0">
+                <a:solidFill>
+                  <a:srgbClr val="000000"/>
+                </a:solidFill>
+                <a:effectLst/>
+                <a:latin typeface="Nanum Gothic"/>
+              </a:rPr>
+              <a:t>Contrastive Learning</a:t>
+            </a:r>
+            <a:r>
+              <a:rPr lang="ko-KR" altLang="en-US" b="0" i="0" dirty="0">
+                <a:solidFill>
+                  <a:srgbClr val="000000"/>
+                </a:solidFill>
+                <a:effectLst/>
+                <a:latin typeface="Nanum Gothic"/>
+              </a:rPr>
+              <a:t>은 </a:t>
+            </a:r>
+            <a:r>
+              <a:rPr lang="en-US" altLang="ko-KR" b="0" i="0" dirty="0">
+                <a:solidFill>
+                  <a:srgbClr val="000000"/>
+                </a:solidFill>
+                <a:effectLst/>
+                <a:latin typeface="Nanum Gothic"/>
+              </a:rPr>
+              <a:t>representation </a:t>
+            </a:r>
+            <a:r>
+              <a:rPr lang="ko-KR" altLang="en-US" b="0" i="0" dirty="0">
+                <a:solidFill>
+                  <a:srgbClr val="000000"/>
+                </a:solidFill>
+                <a:effectLst/>
+                <a:latin typeface="Nanum Gothic"/>
+              </a:rPr>
+              <a:t>학습에 있어서 간단하면서도 효과적이라는 장점이 있다</a:t>
+            </a:r>
+            <a:r>
+              <a:rPr lang="en-US" altLang="ko-KR" b="0" i="0" dirty="0">
+                <a:solidFill>
+                  <a:srgbClr val="000000"/>
+                </a:solidFill>
+                <a:effectLst/>
+                <a:latin typeface="Nanum Gothic"/>
+              </a:rPr>
+              <a:t>.</a:t>
+            </a:r>
+            <a:endParaRPr lang="en-US" altLang="ko-KR" b="0" i="0" dirty="0">
+              <a:solidFill>
+                <a:srgbClr val="212529"/>
+              </a:solidFill>
+              <a:effectLst/>
+              <a:latin typeface="-apple-system"/>
+            </a:endParaRPr>
           </a:p>
         </p:txBody>
       </p:sp>
@@ -6502,7 +7800,7 @@
     </p:spTree>
     <p:extLst>
       <p:ext uri="{BB962C8B-B14F-4D97-AF65-F5344CB8AC3E}">
-        <p14:creationId xmlns:p14="http://schemas.microsoft.com/office/powerpoint/2010/main" val="167760046"/>
+        <p14:creationId xmlns:p14="http://schemas.microsoft.com/office/powerpoint/2010/main" val="3206496090"/>
       </p:ext>
     </p:extLst>
   </p:cSld>
@@ -6556,7 +7854,371 @@
           <a:bodyPr/>
           <a:lstStyle/>
           <a:p>
-            <a:endParaRPr lang="ko-KR" altLang="en-US" dirty="0"/>
+            <a:pPr marL="0" marR="0" lvl="0" indent="0" algn="l" defTabSz="914400" rtl="0" eaLnBrk="1" fontAlgn="auto" latinLnBrk="1" hangingPunct="1">
+              <a:lnSpc>
+                <a:spcPct val="100000"/>
+              </a:lnSpc>
+              <a:spcBef>
+                <a:spcPts val="0"/>
+              </a:spcBef>
+              <a:spcAft>
+                <a:spcPts val="0"/>
+              </a:spcAft>
+              <a:buClrTx/>
+              <a:buSzTx/>
+              <a:buFontTx/>
+              <a:buNone/>
+              <a:tabLst/>
+              <a:defRPr/>
+            </a:pPr>
+            <a:r>
+              <a:rPr lang="en-US" altLang="ko-KR" b="0" i="0" dirty="0">
+                <a:solidFill>
+                  <a:srgbClr val="212529"/>
+                </a:solidFill>
+                <a:effectLst/>
+                <a:latin typeface="-apple-system"/>
+              </a:rPr>
+              <a:t>Contrastive Learning</a:t>
+            </a:r>
+            <a:r>
+              <a:rPr lang="ko-KR" altLang="en-US" b="0" i="0" dirty="0">
+                <a:solidFill>
+                  <a:srgbClr val="212529"/>
+                </a:solidFill>
+                <a:effectLst/>
+                <a:latin typeface="-apple-system"/>
+              </a:rPr>
+              <a:t>을 간단히 설명하자면</a:t>
+            </a:r>
+            <a:r>
+              <a:rPr lang="en-US" altLang="ko-KR" b="0" i="0" dirty="0">
+                <a:solidFill>
+                  <a:srgbClr val="212529"/>
+                </a:solidFill>
+                <a:effectLst/>
+                <a:latin typeface="-apple-system"/>
+              </a:rPr>
+              <a:t>, </a:t>
+            </a:r>
+            <a:r>
+              <a:rPr lang="ko-KR" altLang="en-US" b="0" i="0" dirty="0">
+                <a:solidFill>
+                  <a:srgbClr val="212529"/>
+                </a:solidFill>
+                <a:effectLst/>
+                <a:latin typeface="-apple-system"/>
+              </a:rPr>
+              <a:t>같은 이미지에 </a:t>
+            </a:r>
+            <a:r>
+              <a:rPr lang="en-US" altLang="ko-KR" b="0" i="0" dirty="0">
+                <a:solidFill>
+                  <a:srgbClr val="212529"/>
+                </a:solidFill>
+                <a:effectLst/>
+                <a:latin typeface="-apple-system"/>
+              </a:rPr>
+              <a:t>augmentation</a:t>
+            </a:r>
+            <a:r>
+              <a:rPr lang="ko-KR" altLang="en-US" b="0" i="0" dirty="0">
+                <a:solidFill>
+                  <a:srgbClr val="212529"/>
+                </a:solidFill>
+                <a:effectLst/>
+                <a:latin typeface="-apple-system"/>
+              </a:rPr>
+              <a:t>을 가한 뒤</a:t>
+            </a:r>
+            <a:r>
+              <a:rPr lang="en-US" altLang="ko-KR" b="0" i="0" dirty="0">
+                <a:solidFill>
+                  <a:srgbClr val="212529"/>
+                </a:solidFill>
+                <a:effectLst/>
+                <a:latin typeface="-apple-system"/>
+              </a:rPr>
+              <a:t>, </a:t>
+            </a:r>
+            <a:r>
+              <a:rPr lang="ko-KR" altLang="en-US" b="0" i="0" dirty="0">
+                <a:solidFill>
+                  <a:srgbClr val="212529"/>
+                </a:solidFill>
+                <a:effectLst/>
+                <a:latin typeface="-apple-system"/>
+              </a:rPr>
+              <a:t>기준인 </a:t>
+            </a:r>
+            <a:r>
+              <a:rPr lang="en-US" altLang="ko-KR" b="0" i="0" dirty="0">
+                <a:solidFill>
+                  <a:srgbClr val="212529"/>
+                </a:solidFill>
+                <a:effectLst/>
+                <a:latin typeface="-apple-system"/>
+              </a:rPr>
+              <a:t>anchor</a:t>
+            </a:r>
+            <a:r>
+              <a:rPr lang="ko-KR" altLang="en-US" b="0" i="0" dirty="0">
+                <a:solidFill>
+                  <a:srgbClr val="212529"/>
+                </a:solidFill>
+                <a:effectLst/>
+                <a:latin typeface="-apple-system"/>
+              </a:rPr>
+              <a:t>와 </a:t>
+            </a:r>
+            <a:r>
+              <a:rPr lang="en-US" altLang="ko-KR" b="0" i="0" dirty="0">
+                <a:solidFill>
+                  <a:srgbClr val="212529"/>
+                </a:solidFill>
+                <a:effectLst/>
+                <a:latin typeface="-apple-system"/>
+              </a:rPr>
+              <a:t>positive </a:t>
+            </a:r>
+            <a:r>
+              <a:rPr lang="ko-KR" altLang="en-US" b="0" i="0" dirty="0">
+                <a:solidFill>
+                  <a:srgbClr val="212529"/>
+                </a:solidFill>
+                <a:effectLst/>
+                <a:latin typeface="-apple-system"/>
+              </a:rPr>
+              <a:t>사이의 </a:t>
+            </a:r>
+            <a:r>
+              <a:rPr lang="en-US" altLang="ko-KR" b="0" i="0" dirty="0">
+                <a:solidFill>
+                  <a:srgbClr val="212529"/>
+                </a:solidFill>
+                <a:effectLst/>
+                <a:latin typeface="-apple-system"/>
+              </a:rPr>
+              <a:t>positive pair</a:t>
+            </a:r>
+            <a:r>
+              <a:rPr lang="ko-KR" altLang="en-US" b="0" i="0" dirty="0">
+                <a:solidFill>
+                  <a:srgbClr val="212529"/>
+                </a:solidFill>
+                <a:effectLst/>
+                <a:latin typeface="-apple-system"/>
+              </a:rPr>
+              <a:t>의 </a:t>
+            </a:r>
+            <a:r>
+              <a:rPr lang="en-US" altLang="ko-KR" b="0" i="0" dirty="0">
+                <a:solidFill>
+                  <a:srgbClr val="212529"/>
+                </a:solidFill>
+                <a:effectLst/>
+                <a:latin typeface="-apple-system"/>
+              </a:rPr>
+              <a:t>embedded vector</a:t>
+            </a:r>
+            <a:r>
+              <a:rPr lang="ko-KR" altLang="en-US" b="0" i="0" dirty="0">
+                <a:solidFill>
+                  <a:srgbClr val="212529"/>
+                </a:solidFill>
+                <a:effectLst/>
+                <a:latin typeface="-apple-system"/>
+              </a:rPr>
+              <a:t>가 유사해지도록 학습을 하고</a:t>
+            </a:r>
+            <a:r>
+              <a:rPr lang="en-US" altLang="ko-KR" b="0" i="0" dirty="0">
+                <a:solidFill>
+                  <a:srgbClr val="212529"/>
+                </a:solidFill>
+                <a:effectLst/>
+                <a:latin typeface="-apple-system"/>
+              </a:rPr>
+              <a:t>, </a:t>
+            </a:r>
+            <a:r>
+              <a:rPr lang="ko-KR" altLang="en-US" b="0" i="0" dirty="0">
+                <a:solidFill>
+                  <a:srgbClr val="212529"/>
+                </a:solidFill>
+                <a:effectLst/>
+                <a:latin typeface="-apple-system"/>
+              </a:rPr>
+              <a:t>다른 이미지에 서로 다른 </a:t>
+            </a:r>
+            <a:r>
+              <a:rPr lang="en-US" altLang="ko-KR" b="0" i="0" dirty="0">
+                <a:solidFill>
+                  <a:srgbClr val="212529"/>
+                </a:solidFill>
+                <a:effectLst/>
+                <a:latin typeface="-apple-system"/>
+              </a:rPr>
+              <a:t>augmentation</a:t>
+            </a:r>
+            <a:r>
+              <a:rPr lang="ko-KR" altLang="en-US" b="0" i="0" dirty="0">
+                <a:solidFill>
+                  <a:srgbClr val="212529"/>
+                </a:solidFill>
+                <a:effectLst/>
+                <a:latin typeface="-apple-system"/>
+              </a:rPr>
+              <a:t>을 가한 뒤</a:t>
+            </a:r>
+            <a:r>
+              <a:rPr lang="en-US" altLang="ko-KR" b="0" i="0" dirty="0">
+                <a:solidFill>
+                  <a:srgbClr val="212529"/>
+                </a:solidFill>
+                <a:effectLst/>
+                <a:latin typeface="-apple-system"/>
+              </a:rPr>
+              <a:t>, </a:t>
+            </a:r>
+            <a:r>
+              <a:rPr lang="ko-KR" altLang="en-US" b="0" i="0" dirty="0">
+                <a:solidFill>
+                  <a:srgbClr val="212529"/>
+                </a:solidFill>
+                <a:effectLst/>
+                <a:latin typeface="-apple-system"/>
+              </a:rPr>
+              <a:t>기준인 </a:t>
+            </a:r>
+            <a:r>
+              <a:rPr lang="en-US" altLang="ko-KR" b="0" i="0" dirty="0">
+                <a:solidFill>
+                  <a:srgbClr val="212529"/>
+                </a:solidFill>
+                <a:effectLst/>
+                <a:latin typeface="-apple-system"/>
+              </a:rPr>
+              <a:t>anchor embedded vector</a:t>
+            </a:r>
+            <a:r>
+              <a:rPr lang="ko-KR" altLang="en-US" b="0" i="0" dirty="0">
+                <a:solidFill>
+                  <a:srgbClr val="212529"/>
+                </a:solidFill>
+                <a:effectLst/>
+                <a:latin typeface="-apple-system"/>
+              </a:rPr>
+              <a:t>와 </a:t>
+            </a:r>
+            <a:r>
+              <a:rPr lang="en-US" altLang="ko-KR" b="0" i="0" dirty="0">
+                <a:solidFill>
+                  <a:srgbClr val="212529"/>
+                </a:solidFill>
+                <a:effectLst/>
+                <a:latin typeface="-apple-system"/>
+              </a:rPr>
+              <a:t>negative embedded vector </a:t>
+            </a:r>
+            <a:r>
+              <a:rPr lang="ko-KR" altLang="en-US" b="0" i="0" dirty="0">
+                <a:solidFill>
+                  <a:srgbClr val="212529"/>
+                </a:solidFill>
+                <a:effectLst/>
+                <a:latin typeface="-apple-system"/>
+              </a:rPr>
+              <a:t>사이의 거리는 멀어지도록 학습을 시키는 것이다</a:t>
+            </a:r>
+            <a:r>
+              <a:rPr lang="en-US" altLang="ko-KR" b="0" i="0" dirty="0">
+                <a:solidFill>
+                  <a:srgbClr val="212529"/>
+                </a:solidFill>
+                <a:effectLst/>
+                <a:latin typeface="-apple-system"/>
+              </a:rPr>
+              <a:t>.</a:t>
+            </a:r>
+          </a:p>
+          <a:p>
+            <a:endParaRPr lang="en-US" altLang="ko-KR" b="0" i="0" dirty="0">
+              <a:solidFill>
+                <a:srgbClr val="000000"/>
+              </a:solidFill>
+              <a:effectLst/>
+              <a:latin typeface="Nanum Gothic"/>
+            </a:endParaRPr>
+          </a:p>
+          <a:p>
+            <a:r>
+              <a:rPr lang="ko-KR" altLang="en-US" b="0" i="0" dirty="0">
+                <a:solidFill>
+                  <a:srgbClr val="000000"/>
+                </a:solidFill>
+                <a:effectLst/>
+                <a:latin typeface="Nanum Gothic"/>
+              </a:rPr>
+              <a:t>위에 기반하여 </a:t>
+            </a:r>
+            <a:r>
+              <a:rPr lang="en-US" altLang="ko-KR" b="0" i="0" dirty="0">
+                <a:solidFill>
+                  <a:srgbClr val="000000"/>
+                </a:solidFill>
+                <a:effectLst/>
+                <a:latin typeface="Nanum Gothic"/>
+              </a:rPr>
+              <a:t>Contrastive Learning</a:t>
+            </a:r>
+            <a:r>
+              <a:rPr lang="ko-KR" altLang="en-US" b="0" i="0" dirty="0">
+                <a:solidFill>
+                  <a:srgbClr val="000000"/>
+                </a:solidFill>
+                <a:effectLst/>
+                <a:latin typeface="Nanum Gothic"/>
+              </a:rPr>
+              <a:t>은 </a:t>
+            </a:r>
+            <a:r>
+              <a:rPr lang="en-US" altLang="ko-KR" b="0" i="0" dirty="0">
+                <a:solidFill>
+                  <a:srgbClr val="000000"/>
+                </a:solidFill>
+                <a:effectLst/>
+                <a:latin typeface="Nanum Gothic"/>
+              </a:rPr>
+              <a:t>representation </a:t>
+            </a:r>
+            <a:r>
+              <a:rPr lang="ko-KR" altLang="en-US" b="0" i="0" dirty="0">
+                <a:solidFill>
+                  <a:srgbClr val="000000"/>
+                </a:solidFill>
+                <a:effectLst/>
+                <a:latin typeface="Nanum Gothic"/>
+              </a:rPr>
+              <a:t>학습에 있어서 간단하면서도 효과적이라는 장점이 있다</a:t>
+            </a:r>
+            <a:r>
+              <a:rPr lang="en-US" altLang="ko-KR" b="0" i="0" dirty="0">
+                <a:solidFill>
+                  <a:srgbClr val="000000"/>
+                </a:solidFill>
+                <a:effectLst/>
+                <a:latin typeface="Nanum Gothic"/>
+              </a:rPr>
+              <a:t>.</a:t>
+            </a:r>
+            <a:endParaRPr lang="en-US" altLang="ko-KR" b="0" i="0" dirty="0">
+              <a:solidFill>
+                <a:srgbClr val="212529"/>
+              </a:solidFill>
+              <a:effectLst/>
+              <a:latin typeface="-apple-system"/>
+            </a:endParaRPr>
           </a:p>
         </p:txBody>
       </p:sp>
@@ -6586,7 +8248,7 @@
     </p:spTree>
     <p:extLst>
       <p:ext uri="{BB962C8B-B14F-4D97-AF65-F5344CB8AC3E}">
-        <p14:creationId xmlns:p14="http://schemas.microsoft.com/office/powerpoint/2010/main" val="3033421933"/>
+        <p14:creationId xmlns:p14="http://schemas.microsoft.com/office/powerpoint/2010/main" val="3236919241"/>
       </p:ext>
     </p:extLst>
   </p:cSld>
@@ -6670,7 +8332,7 @@
     </p:spTree>
     <p:extLst>
       <p:ext uri="{BB962C8B-B14F-4D97-AF65-F5344CB8AC3E}">
-        <p14:creationId xmlns:p14="http://schemas.microsoft.com/office/powerpoint/2010/main" val="4263639288"/>
+        <p14:creationId xmlns:p14="http://schemas.microsoft.com/office/powerpoint/2010/main" val="167760046"/>
       </p:ext>
     </p:extLst>
   </p:cSld>
@@ -6724,6 +8386,38 @@
           <a:bodyPr/>
           <a:lstStyle/>
           <a:p>
+            <a:r>
+              <a:rPr lang="en-US" altLang="ko-KR" dirty="0"/>
+              <a:t>NT-</a:t>
+            </a:r>
+            <a:r>
+              <a:rPr lang="en-US" altLang="ko-KR" dirty="0" err="1"/>
+              <a:t>Xent</a:t>
+            </a:r>
+            <a:r>
+              <a:rPr lang="ko-KR" altLang="en-US" dirty="0"/>
+              <a:t> </a:t>
+            </a:r>
+            <a:r>
+              <a:rPr lang="en-US" altLang="ko-KR" dirty="0"/>
+              <a:t>loss</a:t>
+            </a:r>
+            <a:r>
+              <a:rPr lang="ko-KR" altLang="en-US" dirty="0"/>
+              <a:t> </a:t>
+            </a:r>
+            <a:r>
+              <a:rPr lang="en-US" altLang="ko-KR" dirty="0"/>
+              <a:t>:</a:t>
+            </a:r>
+            <a:r>
+              <a:rPr lang="ko-KR" altLang="en-US" dirty="0"/>
+              <a:t> </a:t>
+            </a:r>
+            <a:r>
+              <a:rPr lang="en-US" altLang="ko-KR" dirty="0"/>
+              <a:t>the normalized temperature-scaled cross entropy loss</a:t>
+            </a:r>
             <a:endParaRPr lang="ko-KR" altLang="en-US" dirty="0"/>
           </a:p>
         </p:txBody>
@@ -6754,7 +8448,7 @@
     </p:spTree>
     <p:extLst>
       <p:ext uri="{BB962C8B-B14F-4D97-AF65-F5344CB8AC3E}">
-        <p14:creationId xmlns:p14="http://schemas.microsoft.com/office/powerpoint/2010/main" val="1889119750"/>
+        <p14:creationId xmlns:p14="http://schemas.microsoft.com/office/powerpoint/2010/main" val="3033421933"/>
       </p:ext>
     </p:extLst>
   </p:cSld>
@@ -6838,7 +8532,7 @@
     </p:spTree>
     <p:extLst>
       <p:ext uri="{BB962C8B-B14F-4D97-AF65-F5344CB8AC3E}">
-        <p14:creationId xmlns:p14="http://schemas.microsoft.com/office/powerpoint/2010/main" val="1252807836"/>
+        <p14:creationId xmlns:p14="http://schemas.microsoft.com/office/powerpoint/2010/main" val="1889119750"/>
       </p:ext>
     </p:extLst>
   </p:cSld>
@@ -6892,6 +8586,136 @@
           <a:bodyPr/>
           <a:lstStyle/>
           <a:p>
+            <a:r>
+              <a:rPr lang="fr-FR" altLang="ko-KR" b="0" i="0" dirty="0">
+                <a:solidFill>
+                  <a:srgbClr val="212529"/>
+                </a:solidFill>
+                <a:effectLst/>
+                <a:latin typeface="-apple-system"/>
+              </a:rPr>
+              <a:t>Noise Contrastive Estimation(NCE) Loss</a:t>
+            </a:r>
+          </a:p>
+          <a:p>
+            <a:endParaRPr lang="fr-FR" altLang="ko-KR" b="0" i="0" dirty="0">
+              <a:solidFill>
+                <a:srgbClr val="212529"/>
+              </a:solidFill>
+              <a:effectLst/>
+              <a:latin typeface="-apple-system"/>
+            </a:endParaRPr>
+          </a:p>
+          <a:p>
+            <a:pPr marL="0" marR="0" lvl="0" indent="0" algn="l" defTabSz="914400" rtl="0" eaLnBrk="1" fontAlgn="auto" latinLnBrk="1" hangingPunct="1">
+              <a:lnSpc>
+                <a:spcPct val="100000"/>
+              </a:lnSpc>
+              <a:spcBef>
+                <a:spcPts val="0"/>
+              </a:spcBef>
+              <a:spcAft>
+                <a:spcPts val="0"/>
+              </a:spcAft>
+              <a:buClrTx/>
+              <a:buSzTx/>
+              <a:buFontTx/>
+              <a:buNone/>
+              <a:tabLst/>
+              <a:defRPr/>
+            </a:pPr>
+            <a:r>
+              <a:rPr lang="en-US" altLang="ko-KR" b="0" i="0" dirty="0">
+                <a:solidFill>
+                  <a:srgbClr val="212529"/>
+                </a:solidFill>
+                <a:effectLst/>
+                <a:latin typeface="-apple-system"/>
+              </a:rPr>
+              <a:t>=&gt; </a:t>
+            </a:r>
+            <a:r>
+              <a:rPr lang="ko-KR" altLang="en-US" b="0" i="0" dirty="0">
+                <a:solidFill>
+                  <a:srgbClr val="212529"/>
+                </a:solidFill>
+                <a:effectLst/>
+                <a:latin typeface="-apple-system"/>
+              </a:rPr>
+              <a:t>전체 </a:t>
+            </a:r>
+            <a:r>
+              <a:rPr lang="en-US" altLang="ko-KR" b="0" i="0" dirty="0">
+                <a:solidFill>
+                  <a:srgbClr val="212529"/>
+                </a:solidFill>
+                <a:effectLst/>
+                <a:latin typeface="-apple-system"/>
+              </a:rPr>
+              <a:t>batch size</a:t>
+            </a:r>
+            <a:r>
+              <a:rPr lang="ko-KR" altLang="en-US" b="0" i="0" dirty="0">
+                <a:solidFill>
+                  <a:srgbClr val="212529"/>
+                </a:solidFill>
+                <a:effectLst/>
+                <a:latin typeface="-apple-system"/>
+              </a:rPr>
+              <a:t>에 대한 모든 </a:t>
+            </a:r>
+            <a:r>
+              <a:rPr lang="en-US" altLang="ko-KR" b="0" i="0" dirty="0">
+                <a:solidFill>
+                  <a:srgbClr val="212529"/>
+                </a:solidFill>
+                <a:effectLst/>
+                <a:latin typeface="-apple-system"/>
+              </a:rPr>
+              <a:t>pair</a:t>
+            </a:r>
+            <a:r>
+              <a:rPr lang="ko-KR" altLang="en-US" b="0" i="0" dirty="0">
+                <a:solidFill>
+                  <a:srgbClr val="212529"/>
+                </a:solidFill>
+                <a:effectLst/>
+                <a:latin typeface="-apple-system"/>
+              </a:rPr>
+              <a:t>의 </a:t>
+            </a:r>
+            <a:r>
+              <a:rPr lang="en-US" altLang="ko-KR" b="0" i="0" dirty="0">
+                <a:solidFill>
+                  <a:srgbClr val="212529"/>
+                </a:solidFill>
+                <a:effectLst/>
+                <a:latin typeface="-apple-system"/>
+              </a:rPr>
+              <a:t>loss</a:t>
+            </a:r>
+            <a:r>
+              <a:rPr lang="ko-KR" altLang="en-US" b="0" i="0" dirty="0">
+                <a:solidFill>
+                  <a:srgbClr val="212529"/>
+                </a:solidFill>
+                <a:effectLst/>
+                <a:latin typeface="-apple-system"/>
+              </a:rPr>
+              <a:t>를 구하여 다 더하고 평균을 낸다</a:t>
+            </a:r>
+            <a:r>
+              <a:rPr lang="en-US" altLang="ko-KR" b="0" i="0" dirty="0">
+                <a:solidFill>
+                  <a:srgbClr val="212529"/>
+                </a:solidFill>
+                <a:effectLst/>
+                <a:latin typeface="-apple-system"/>
+              </a:rPr>
+              <a:t>.</a:t>
+            </a:r>
+          </a:p>
+          <a:p>
             <a:endParaRPr lang="ko-KR" altLang="en-US" dirty="0"/>
           </a:p>
         </p:txBody>
@@ -6922,7 +8746,7 @@
     </p:spTree>
     <p:extLst>
       <p:ext uri="{BB962C8B-B14F-4D97-AF65-F5344CB8AC3E}">
-        <p14:creationId xmlns:p14="http://schemas.microsoft.com/office/powerpoint/2010/main" val="2408146265"/>
+        <p14:creationId xmlns:p14="http://schemas.microsoft.com/office/powerpoint/2010/main" val="1252807836"/>
       </p:ext>
     </p:extLst>
   </p:cSld>
@@ -7163,7 +8987,7 @@
           <a:p>
             <a:fld id="{63E8814C-6E53-4AF6-982F-4D0EFBD81B05}" type="datetimeFigureOut">
               <a:rPr lang="ko-KR" altLang="en-US" smtClean="0"/>
-              <a:t>2022-08-05</a:t>
+              <a:t>2022-08-09</a:t>
             </a:fld>
             <a:endParaRPr lang="ko-KR" altLang="en-US"/>
           </a:p>
@@ -7332,7 +9156,7 @@
           <a:p>
             <a:fld id="{63E8814C-6E53-4AF6-982F-4D0EFBD81B05}" type="datetimeFigureOut">
               <a:rPr lang="ko-KR" altLang="en-US" smtClean="0"/>
-              <a:t>2022-08-05</a:t>
+              <a:t>2022-08-09</a:t>
             </a:fld>
             <a:endParaRPr lang="ko-KR" altLang="en-US"/>
           </a:p>
@@ -7377,7 +9201,7 @@
         </p:nvSpPr>
         <p:spPr>
           <a:xfrm>
-            <a:off x="11191683" y="6519446"/>
+            <a:off x="11191683" y="0"/>
             <a:ext cx="1000317" cy="338554"/>
           </a:xfrm>
           <a:prstGeom prst="rect">
@@ -7607,7 +9431,7 @@
           <a:p>
             <a:fld id="{63E8814C-6E53-4AF6-982F-4D0EFBD81B05}" type="datetimeFigureOut">
               <a:rPr lang="ko-KR" altLang="en-US" smtClean="0"/>
-              <a:t>2022-08-05</a:t>
+              <a:t>2022-08-09</a:t>
             </a:fld>
             <a:endParaRPr lang="ko-KR" altLang="en-US"/>
           </a:p>
@@ -8052,15 +9876,11 @@
           <a:p>
             <a:r>
               <a:rPr lang="en-US" altLang="ko-KR" sz="1400" dirty="0"/>
-              <a:t>220719 </a:t>
-            </a:r>
-            <a:r>
-              <a:rPr lang="ko-KR" altLang="en-US" sz="1400" dirty="0" err="1"/>
-              <a:t>랩미팅</a:t>
+              <a:t>220810 </a:t>
             </a:r>
             <a:r>
               <a:rPr lang="ko-KR" altLang="en-US" sz="1400" dirty="0"/>
-              <a:t> </a:t>
+              <a:t>랩세미나 </a:t>
             </a:r>
             <a:endParaRPr lang="en-US" altLang="ko-KR" sz="1400" dirty="0"/>
           </a:p>
@@ -10954,315 +12774,6 @@
           <a:p>
             <a:r>
               <a:rPr lang="en-US" altLang="ko-KR" sz="2400" b="1" u="sng" dirty="0"/>
-              <a:t>6. Comparison with State-of-the-art</a:t>
-            </a:r>
-            <a:endParaRPr lang="ko-KR" altLang="en-US" sz="2400" b="1" u="sng" dirty="0"/>
-          </a:p>
-        </p:txBody>
-      </p:sp>
-      <p:sp>
-        <p:nvSpPr>
-          <p:cNvPr id="9" name="TextBox 8">
-            <a:extLst>
-              <a:ext uri="{FF2B5EF4-FFF2-40B4-BE49-F238E27FC236}">
-                <a16:creationId xmlns:a16="http://schemas.microsoft.com/office/drawing/2014/main" id="{4E262F7D-1CD2-9678-413C-EB257F68A044}"/>
-              </a:ext>
-            </a:extLst>
-          </p:cNvPr>
-          <p:cNvSpPr txBox="1"/>
-          <p:nvPr/>
-        </p:nvSpPr>
-        <p:spPr>
-          <a:xfrm>
-            <a:off x="0" y="0"/>
-            <a:ext cx="10647544" cy="253916"/>
-          </a:xfrm>
-          <a:prstGeom prst="rect">
-            <a:avLst/>
-          </a:prstGeom>
-          <a:noFill/>
-        </p:spPr>
-        <p:txBody>
-          <a:bodyPr wrap="square" rtlCol="0">
-            <a:spAutoFit/>
-          </a:bodyPr>
-          <a:lstStyle/>
-          <a:p>
-            <a:r>
-              <a:rPr lang="en-US" altLang="ko-KR" sz="1050" b="0" i="0" dirty="0">
-                <a:solidFill>
-                  <a:schemeClr val="bg1">
-                    <a:lumMod val="65000"/>
-                  </a:schemeClr>
-                </a:solidFill>
-                <a:effectLst/>
-                <a:latin typeface="Arial" panose="020B0604020202020204" pitchFamily="34" charset="0"/>
-              </a:rPr>
-              <a:t>Chen, Ting, et al. "A simple framework for contrastive learning of visual representations." International conference on machine learning. PMLR, 2020.</a:t>
-            </a:r>
-          </a:p>
-        </p:txBody>
-      </p:sp>
-      <p:sp>
-        <p:nvSpPr>
-          <p:cNvPr id="14" name="TextBox 13">
-            <a:extLst>
-              <a:ext uri="{FF2B5EF4-FFF2-40B4-BE49-F238E27FC236}">
-                <a16:creationId xmlns:a16="http://schemas.microsoft.com/office/drawing/2014/main" id="{E89E35C5-CDC5-E213-E030-34717EFA3209}"/>
-              </a:ext>
-            </a:extLst>
-          </p:cNvPr>
-          <p:cNvSpPr txBox="1"/>
-          <p:nvPr/>
-        </p:nvSpPr>
-        <p:spPr>
-          <a:xfrm>
-            <a:off x="978390" y="1397421"/>
-            <a:ext cx="3294038" cy="338554"/>
-          </a:xfrm>
-          <a:prstGeom prst="rect">
-            <a:avLst/>
-          </a:prstGeom>
-          <a:noFill/>
-        </p:spPr>
-        <p:txBody>
-          <a:bodyPr wrap="square">
-            <a:spAutoFit/>
-          </a:bodyPr>
-          <a:lstStyle/>
-          <a:p>
-            <a:pPr marL="285750" indent="-285750">
-              <a:buFont typeface="Arial" panose="020B0604020202020204" pitchFamily="34" charset="0"/>
-              <a:buChar char="•"/>
-            </a:pPr>
-            <a:r>
-              <a:rPr lang="en-US" altLang="ko-KR" sz="1600" b="1" dirty="0"/>
-              <a:t>Transfer learning</a:t>
-            </a:r>
-            <a:endParaRPr lang="ko-KR" altLang="en-US" sz="1600" b="1" dirty="0"/>
-          </a:p>
-        </p:txBody>
-      </p:sp>
-      <p:pic>
-        <p:nvPicPr>
-          <p:cNvPr id="4" name="그림 3">
-            <a:extLst>
-              <a:ext uri="{FF2B5EF4-FFF2-40B4-BE49-F238E27FC236}">
-                <a16:creationId xmlns:a16="http://schemas.microsoft.com/office/drawing/2014/main" id="{7DB98AC0-EF39-454C-E9A7-3C2C745E5BCE}"/>
-              </a:ext>
-            </a:extLst>
-          </p:cNvPr>
-          <p:cNvPicPr>
-            <a:picLocks noChangeAspect="1"/>
-          </p:cNvPicPr>
-          <p:nvPr/>
-        </p:nvPicPr>
-        <p:blipFill>
-          <a:blip r:embed="rId3"/>
-          <a:stretch>
-            <a:fillRect/>
-          </a:stretch>
-        </p:blipFill>
-        <p:spPr>
-          <a:xfrm>
-            <a:off x="1384058" y="1961557"/>
-            <a:ext cx="9423884" cy="2749691"/>
-          </a:xfrm>
-          <a:prstGeom prst="rect">
-            <a:avLst/>
-          </a:prstGeom>
-        </p:spPr>
-      </p:pic>
-      <p:sp>
-        <p:nvSpPr>
-          <p:cNvPr id="6" name="TextBox 5">
-            <a:extLst>
-              <a:ext uri="{FF2B5EF4-FFF2-40B4-BE49-F238E27FC236}">
-                <a16:creationId xmlns:a16="http://schemas.microsoft.com/office/drawing/2014/main" id="{EFA8B7E0-492C-4117-880E-44A23D6C39EC}"/>
-              </a:ext>
-            </a:extLst>
-          </p:cNvPr>
-          <p:cNvSpPr txBox="1"/>
-          <p:nvPr/>
-        </p:nvSpPr>
-        <p:spPr>
-          <a:xfrm>
-            <a:off x="2239103" y="4815420"/>
-            <a:ext cx="8270709" cy="1152688"/>
-          </a:xfrm>
-          <a:prstGeom prst="rect">
-            <a:avLst/>
-          </a:prstGeom>
-          <a:noFill/>
-        </p:spPr>
-        <p:txBody>
-          <a:bodyPr wrap="square">
-            <a:spAutoFit/>
-          </a:bodyPr>
-          <a:lstStyle/>
-          <a:p>
-            <a:pPr marL="285750" indent="-285750">
-              <a:lnSpc>
-                <a:spcPct val="150000"/>
-              </a:lnSpc>
-              <a:buFont typeface="Arial" panose="020B0604020202020204" pitchFamily="34" charset="0"/>
-              <a:buChar char="•"/>
-            </a:pPr>
-            <a:r>
-              <a:rPr lang="ko-KR" altLang="en-US" sz="1600" dirty="0"/>
-              <a:t>다양한 </a:t>
-            </a:r>
-            <a:r>
-              <a:rPr lang="en-US" altLang="ko-KR" sz="1600" dirty="0"/>
-              <a:t>dataset</a:t>
-            </a:r>
-            <a:r>
-              <a:rPr lang="ko-KR" altLang="en-US" sz="1600" dirty="0"/>
-              <a:t> 사용</a:t>
-            </a:r>
-            <a:endParaRPr lang="en-US" altLang="ko-KR" sz="1600" dirty="0"/>
-          </a:p>
-          <a:p>
-            <a:pPr marL="285750" indent="-285750">
-              <a:lnSpc>
-                <a:spcPct val="150000"/>
-              </a:lnSpc>
-              <a:buFont typeface="Arial" panose="020B0604020202020204" pitchFamily="34" charset="0"/>
-              <a:buChar char="•"/>
-            </a:pPr>
-            <a:r>
-              <a:rPr lang="en-US" altLang="ko-KR" sz="1600" dirty="0"/>
-              <a:t>Linear evaluation : </a:t>
-            </a:r>
-            <a:r>
-              <a:rPr lang="ko-KR" altLang="en-US" sz="1600" dirty="0"/>
-              <a:t>기존 학습 모델 </a:t>
-            </a:r>
-            <a:r>
-              <a:rPr lang="en-US" altLang="ko-KR" sz="1600" dirty="0"/>
-              <a:t>+ </a:t>
-            </a:r>
-            <a:r>
-              <a:rPr lang="ko-KR" altLang="en-US" sz="1600" dirty="0"/>
-              <a:t>새로운 데이터셋에 </a:t>
-            </a:r>
-            <a:r>
-              <a:rPr lang="en-US" altLang="ko-KR" sz="1600" dirty="0"/>
-              <a:t>linear classifier</a:t>
-            </a:r>
-            <a:r>
-              <a:rPr lang="ko-KR" altLang="en-US" sz="1600" dirty="0"/>
-              <a:t>를 학습</a:t>
-            </a:r>
-            <a:endParaRPr lang="en-US" altLang="ko-KR" sz="1600" dirty="0"/>
-          </a:p>
-          <a:p>
-            <a:pPr marL="285750" indent="-285750">
-              <a:lnSpc>
-                <a:spcPct val="150000"/>
-              </a:lnSpc>
-              <a:buFont typeface="Arial" panose="020B0604020202020204" pitchFamily="34" charset="0"/>
-              <a:buChar char="•"/>
-            </a:pPr>
-            <a:r>
-              <a:rPr lang="en-US" altLang="ko-KR" sz="1600" dirty="0"/>
-              <a:t>Fine-tuned : </a:t>
-            </a:r>
-            <a:r>
-              <a:rPr lang="ko-KR" altLang="en-US" sz="1600" dirty="0"/>
-              <a:t>다 학습</a:t>
-            </a:r>
-            <a:r>
-              <a:rPr lang="en-US" altLang="ko-KR" sz="1600" dirty="0"/>
-              <a:t> </a:t>
-            </a:r>
-            <a:r>
-              <a:rPr lang="ko-KR" altLang="en-US" sz="1600" dirty="0"/>
-              <a:t>→ </a:t>
-            </a:r>
-            <a:r>
-              <a:rPr lang="en-US" altLang="ko-KR" sz="1600" dirty="0"/>
-              <a:t>SimCLR : Supervised</a:t>
-            </a:r>
-            <a:r>
-              <a:rPr lang="ko-KR" altLang="en-US" sz="1600" dirty="0"/>
-              <a:t>과 성능이 비슷하거나 더 좋음</a:t>
-            </a:r>
-            <a:r>
-              <a:rPr lang="en-US" altLang="ko-KR" sz="1600" dirty="0"/>
-              <a:t>(5</a:t>
-            </a:r>
-            <a:r>
-              <a:rPr lang="ko-KR" altLang="en-US" sz="1600" dirty="0"/>
-              <a:t>개</a:t>
-            </a:r>
-            <a:r>
-              <a:rPr lang="en-US" altLang="ko-KR" sz="1600" dirty="0"/>
-              <a:t>)</a:t>
-            </a:r>
-          </a:p>
-        </p:txBody>
-      </p:sp>
-    </p:spTree>
-    <p:extLst>
-      <p:ext uri="{BB962C8B-B14F-4D97-AF65-F5344CB8AC3E}">
-        <p14:creationId xmlns:p14="http://schemas.microsoft.com/office/powerpoint/2010/main" val="2469761216"/>
-      </p:ext>
-    </p:extLst>
-  </p:cSld>
-  <p:clrMapOvr>
-    <a:masterClrMapping/>
-  </p:clrMapOvr>
-</p:sld>
-</file>
-
-<file path=ppt/slides/slide15.xml><?xml version="1.0" encoding="utf-8"?>
-<p:sld xmlns:a="http://schemas.openxmlformats.org/drawingml/2006/main" xmlns:r="http://schemas.openxmlformats.org/officeDocument/2006/relationships" xmlns:p="http://schemas.openxmlformats.org/presentationml/2006/main">
-  <p:cSld>
-    <p:spTree>
-      <p:nvGrpSpPr>
-        <p:cNvPr id="1" name=""/>
-        <p:cNvGrpSpPr/>
-        <p:nvPr/>
-      </p:nvGrpSpPr>
-      <p:grpSpPr>
-        <a:xfrm>
-          <a:off x="0" y="0"/>
-          <a:ext cx="0" cy="0"/>
-          <a:chOff x="0" y="0"/>
-          <a:chExt cx="0" cy="0"/>
-        </a:xfrm>
-      </p:grpSpPr>
-      <p:sp>
-        <p:nvSpPr>
-          <p:cNvPr id="2" name="제목 1">
-            <a:extLst>
-              <a:ext uri="{FF2B5EF4-FFF2-40B4-BE49-F238E27FC236}">
-                <a16:creationId xmlns:a16="http://schemas.microsoft.com/office/drawing/2014/main" id="{5C386871-B092-6B43-A8DA-B84A6CCCC7F5}"/>
-              </a:ext>
-            </a:extLst>
-          </p:cNvPr>
-          <p:cNvSpPr>
-            <a:spLocks noGrp="1"/>
-          </p:cNvSpPr>
-          <p:nvPr>
-            <p:ph type="title"/>
-          </p:nvPr>
-        </p:nvSpPr>
-        <p:spPr>
-          <a:xfrm>
-            <a:off x="472540" y="401947"/>
-            <a:ext cx="10786445" cy="665876"/>
-          </a:xfrm>
-        </p:spPr>
-        <p:txBody>
-          <a:bodyPr>
-            <a:normAutofit/>
-          </a:bodyPr>
-          <a:lstStyle/>
-          <a:p>
-            <a:r>
-              <a:rPr lang="en-US" altLang="ko-KR" sz="2400" b="1" u="sng" dirty="0"/>
               <a:t>7. Conclusion</a:t>
             </a:r>
             <a:endParaRPr lang="ko-KR" altLang="en-US" sz="2400" b="1" u="sng" dirty="0"/>
@@ -11513,46 +13024,10 @@
       </p:grpSpPr>
       <p:sp>
         <p:nvSpPr>
-          <p:cNvPr id="2" name="제목 1">
+          <p:cNvPr id="13" name="TextBox 12">
             <a:extLst>
               <a:ext uri="{FF2B5EF4-FFF2-40B4-BE49-F238E27FC236}">
-                <a16:creationId xmlns:a16="http://schemas.microsoft.com/office/drawing/2014/main" id="{5C386871-B092-6B43-A8DA-B84A6CCCC7F5}"/>
-              </a:ext>
-            </a:extLst>
-          </p:cNvPr>
-          <p:cNvSpPr>
-            <a:spLocks noGrp="1"/>
-          </p:cNvSpPr>
-          <p:nvPr>
-            <p:ph type="title"/>
-          </p:nvPr>
-        </p:nvSpPr>
-        <p:spPr>
-          <a:xfrm>
-            <a:off x="472541" y="401947"/>
-            <a:ext cx="3412635" cy="665876"/>
-          </a:xfrm>
-        </p:spPr>
-        <p:txBody>
-          <a:bodyPr>
-            <a:normAutofit/>
-          </a:bodyPr>
-          <a:lstStyle/>
-          <a:p>
-            <a:r>
-              <a:rPr lang="en-US" altLang="ko-KR" sz="2400" b="1" u="sng" dirty="0"/>
-              <a:t>1. Introduction</a:t>
-            </a:r>
-            <a:endParaRPr lang="ko-KR" altLang="en-US" sz="2400" b="1" u="sng" dirty="0"/>
-          </a:p>
-        </p:txBody>
-      </p:sp>
-      <p:sp>
-        <p:nvSpPr>
-          <p:cNvPr id="6" name="TextBox 5">
-            <a:extLst>
-              <a:ext uri="{FF2B5EF4-FFF2-40B4-BE49-F238E27FC236}">
-                <a16:creationId xmlns:a16="http://schemas.microsoft.com/office/drawing/2014/main" id="{2188782E-44BF-062E-224B-C021A5C826FC}"/>
+                <a16:creationId xmlns:a16="http://schemas.microsoft.com/office/drawing/2014/main" id="{174246C5-3CB0-4EE1-338B-F486C3F74F8D}"/>
               </a:ext>
             </a:extLst>
           </p:cNvPr>
@@ -11561,8 +13036,50 @@
         </p:nvSpPr>
         <p:spPr>
           <a:xfrm>
-            <a:off x="515938" y="1328843"/>
-            <a:ext cx="6820202" cy="4476675"/>
+            <a:off x="5456153" y="6611779"/>
+            <a:ext cx="6735847" cy="246221"/>
+          </a:xfrm>
+          <a:prstGeom prst="rect">
+            <a:avLst/>
+          </a:prstGeom>
+          <a:noFill/>
+        </p:spPr>
+        <p:txBody>
+          <a:bodyPr wrap="square">
+            <a:spAutoFit/>
+          </a:bodyPr>
+          <a:lstStyle/>
+          <a:p>
+            <a:pPr algn="r"/>
+            <a:r>
+              <a:rPr lang="en-US" altLang="ko-KR" sz="1000" dirty="0">
+                <a:solidFill>
+                  <a:schemeClr val="bg1">
+                    <a:lumMod val="65000"/>
+                  </a:schemeClr>
+                </a:solidFill>
+              </a:rPr>
+              <a:t>https://steemit.com/representation-learning/@hugmanskj/representation-learning</a:t>
+            </a:r>
+          </a:p>
+        </p:txBody>
+      </p:sp>
+      <p:sp>
+        <p:nvSpPr>
+          <p:cNvPr id="8" name="TextBox 7">
+            <a:extLst>
+              <a:ext uri="{FF2B5EF4-FFF2-40B4-BE49-F238E27FC236}">
+                <a16:creationId xmlns:a16="http://schemas.microsoft.com/office/drawing/2014/main" id="{5CF71ACE-26EE-ABE9-8FA8-2733A72AAF78}"/>
+              </a:ext>
+            </a:extLst>
+          </p:cNvPr>
+          <p:cNvSpPr txBox="1"/>
+          <p:nvPr/>
+        </p:nvSpPr>
+        <p:spPr>
+          <a:xfrm>
+            <a:off x="515938" y="1895928"/>
+            <a:ext cx="11160125" cy="2260683"/>
           </a:xfrm>
           <a:prstGeom prst="rect">
             <a:avLst/>
@@ -11579,13 +13096,119 @@
               <a:lnSpc>
                 <a:spcPct val="150000"/>
               </a:lnSpc>
-              <a:buFont typeface="Wingdings" panose="05000000000000000000" pitchFamily="2" charset="2"/>
-              <a:buChar char="v"/>
+              <a:buFont typeface="Arial" panose="020B0604020202020204" pitchFamily="34" charset="0"/>
+              <a:buChar char="•"/>
             </a:pPr>
             <a:r>
-              <a:rPr lang="en-US" altLang="ko-KR" sz="1600" b="1" dirty="0"/>
-              <a:t>Self-Supervised Learning</a:t>
-            </a:r>
+              <a:rPr lang="en-US" altLang="ko-KR" sz="1600" i="1" dirty="0"/>
+              <a:t>“raw </a:t>
+            </a:r>
+            <a:r>
+              <a:rPr lang="ko-KR" altLang="en-US" sz="1600" i="1" dirty="0"/>
+              <a:t>데이터에서 </a:t>
+            </a:r>
+            <a:r>
+              <a:rPr lang="en-US" altLang="ko-KR" sz="1600" i="1" dirty="0"/>
+              <a:t>detection</a:t>
+            </a:r>
+            <a:r>
+              <a:rPr lang="ko-KR" altLang="en-US" sz="1600" i="1" dirty="0"/>
+              <a:t>이나 </a:t>
+            </a:r>
+            <a:r>
+              <a:rPr lang="en-US" altLang="ko-KR" sz="1600" i="1" dirty="0"/>
+              <a:t>classification</a:t>
+            </a:r>
+            <a:r>
+              <a:rPr lang="ko-KR" altLang="en-US" sz="1600" i="1" dirty="0"/>
+              <a:t>에 필요한 표현을 자동으로 검색할 수 있도록 하는 일련의 기술</a:t>
+            </a:r>
+            <a:r>
+              <a:rPr lang="en-US" altLang="ko-KR" sz="1600" i="1" dirty="0"/>
+              <a:t>”</a:t>
+            </a:r>
+          </a:p>
+          <a:p>
+            <a:pPr marL="742950" lvl="1" indent="-285750">
+              <a:lnSpc>
+                <a:spcPct val="150000"/>
+              </a:lnSpc>
+              <a:buFont typeface="Arial" panose="020B0604020202020204" pitchFamily="34" charset="0"/>
+              <a:buChar char="•"/>
+            </a:pPr>
+            <a:r>
+              <a:rPr lang="ko-KR" altLang="en-US" sz="1600" dirty="0"/>
+              <a:t>딥러닝 </a:t>
+            </a:r>
+            <a:r>
+              <a:rPr lang="en-US" altLang="ko-KR" sz="1600" dirty="0"/>
+              <a:t>– </a:t>
+            </a:r>
+            <a:r>
+              <a:rPr lang="ko-KR" altLang="en-US" sz="1600" dirty="0"/>
+              <a:t>입력 데이터의 표현을 변환하거나 특징을 추출하여</a:t>
+            </a:r>
+            <a:r>
+              <a:rPr lang="en-US" altLang="ko-KR" sz="1600" dirty="0"/>
+              <a:t>(feature extraction) </a:t>
+            </a:r>
+            <a:r>
+              <a:rPr lang="ko-KR" altLang="en-US" sz="1600" dirty="0"/>
+              <a:t>분류 또는 예측과 같은 작업을 더 쉽게 수행할 수 있도록 학습하는 것</a:t>
+            </a:r>
+            <a:endParaRPr lang="en-US" altLang="ko-KR" sz="1600" dirty="0"/>
+          </a:p>
+          <a:p>
+            <a:pPr marL="742950" lvl="1" indent="-285750">
+              <a:lnSpc>
+                <a:spcPct val="150000"/>
+              </a:lnSpc>
+              <a:buFont typeface="Arial" panose="020B0604020202020204" pitchFamily="34" charset="0"/>
+              <a:buChar char="•"/>
+            </a:pPr>
+            <a:r>
+              <a:rPr lang="ko-KR" altLang="en-US" sz="1600" dirty="0">
+                <a:solidFill>
+                  <a:srgbClr val="5C5CD6"/>
+                </a:solidFill>
+              </a:rPr>
+              <a:t>입력 데이터를 기반으로 유용한 표현</a:t>
+            </a:r>
+            <a:r>
+              <a:rPr lang="en-US" altLang="ko-KR" sz="1600" dirty="0">
+                <a:solidFill>
+                  <a:schemeClr val="tx1">
+                    <a:lumMod val="50000"/>
+                    <a:lumOff val="50000"/>
+                  </a:schemeClr>
+                </a:solidFill>
+              </a:rPr>
+              <a:t>(=representation)</a:t>
+            </a:r>
+            <a:r>
+              <a:rPr lang="ko-KR" altLang="en-US" sz="1600" dirty="0">
+                <a:solidFill>
+                  <a:srgbClr val="5C5CD6"/>
+                </a:solidFill>
+              </a:rPr>
+              <a:t>을 학습</a:t>
+            </a:r>
+            <a:r>
+              <a:rPr lang="en-US" altLang="ko-KR" sz="1600" dirty="0">
+                <a:solidFill>
+                  <a:schemeClr val="tx1">
+                    <a:lumMod val="50000"/>
+                    <a:lumOff val="50000"/>
+                  </a:schemeClr>
+                </a:solidFill>
+              </a:rPr>
+              <a:t>(=learning)</a:t>
+            </a:r>
+            <a:r>
+              <a:rPr lang="ko-KR" altLang="en-US" sz="1600" dirty="0"/>
+              <a:t>하는 것</a:t>
+            </a:r>
+            <a:endParaRPr lang="en-US" altLang="ko-KR" sz="1600" dirty="0"/>
           </a:p>
           <a:p>
             <a:pPr marL="285750" indent="-285750">
@@ -11597,67 +13220,7 @@
             </a:pPr>
             <a:r>
               <a:rPr lang="ko-KR" altLang="en-US" sz="1600" dirty="0"/>
-              <a:t>데이터에서 얻을 수 있는 정보를 사용해서 </a:t>
-            </a:r>
-            <a:r>
-              <a:rPr lang="ko-KR" altLang="en-US" sz="1600" b="1" dirty="0"/>
-              <a:t>자체적인 </a:t>
-            </a:r>
-            <a:r>
-              <a:rPr lang="en-US" altLang="ko-KR" sz="1600" b="1" dirty="0"/>
-              <a:t>label</a:t>
-            </a:r>
-            <a:r>
-              <a:rPr lang="ko-KR" altLang="en-US" sz="1600" dirty="0"/>
-              <a:t>을 얻기 위해 고안된 방법</a:t>
-            </a:r>
-            <a:endParaRPr lang="en-US" altLang="ko-KR" sz="1600" dirty="0"/>
-          </a:p>
-          <a:p>
-            <a:pPr marL="285750" indent="-285750">
-              <a:lnSpc>
-                <a:spcPct val="150000"/>
-              </a:lnSpc>
-              <a:buFont typeface="Arial" panose="020B0604020202020204" pitchFamily="34" charset="0"/>
-              <a:buChar char="•"/>
-            </a:pPr>
-            <a:r>
-              <a:rPr lang="en-US" altLang="ko-KR" sz="1600" dirty="0"/>
-              <a:t>Learning effective visual representations </a:t>
-            </a:r>
-            <a:r>
-              <a:rPr lang="en-US" altLang="ko-KR" sz="1600" dirty="0">
-                <a:solidFill>
-                  <a:srgbClr val="FF7575"/>
-                </a:solidFill>
-              </a:rPr>
-              <a:t>without human supervision </a:t>
-            </a:r>
-            <a:r>
-              <a:rPr lang="en-US" altLang="ko-KR" sz="1600" dirty="0"/>
-              <a:t>– </a:t>
-            </a:r>
-            <a:r>
-              <a:rPr lang="ko-KR" altLang="en-US" sz="1600" dirty="0"/>
-              <a:t>오랜 연구 분야</a:t>
-            </a:r>
-            <a:endParaRPr lang="en-US" altLang="ko-KR" sz="1600" dirty="0"/>
-          </a:p>
-          <a:p>
-            <a:pPr marL="285750" indent="-285750">
-              <a:lnSpc>
-                <a:spcPct val="150000"/>
-              </a:lnSpc>
-              <a:buFont typeface="Arial" panose="020B0604020202020204" pitchFamily="34" charset="0"/>
-              <a:buChar char="•"/>
-            </a:pPr>
-            <a:r>
-              <a:rPr lang="en-US" altLang="ko-KR" sz="1600" dirty="0"/>
-              <a:t>Representation</a:t>
-            </a:r>
-            <a:r>
-              <a:rPr lang="ko-KR" altLang="en-US" sz="1600" dirty="0"/>
-              <a:t> 학습 </a:t>
+              <a:t>표현 </a:t>
             </a:r>
             <a:r>
               <a:rPr lang="en-US" altLang="ko-KR" sz="1600" dirty="0"/>
@@ -11665,38 +13228,9 @@
             </a:r>
             <a:r>
               <a:rPr lang="ko-KR" altLang="en-US" sz="1600" dirty="0"/>
-              <a:t>인간의 간섭 없이 모델이 스스로 </a:t>
-            </a:r>
-            <a:r>
-              <a:rPr lang="en-US" altLang="ko-KR" sz="1600" dirty="0"/>
-              <a:t>task</a:t>
-            </a:r>
-            <a:r>
-              <a:rPr lang="ko-KR" altLang="en-US" sz="1600" dirty="0"/>
-              <a:t>에 적합한 </a:t>
-            </a:r>
-            <a:r>
-              <a:rPr lang="en-US" altLang="ko-KR" sz="1600" dirty="0"/>
-              <a:t>feature</a:t>
-            </a:r>
-            <a:r>
-              <a:rPr lang="ko-KR" altLang="en-US" sz="1600" dirty="0"/>
-              <a:t>들을 알아내는 것</a:t>
+              <a:t>데이터를 인코딩하거나 묘사하기 위해 데이터를 바라보는 다른 방법</a:t>
             </a:r>
             <a:endParaRPr lang="en-US" altLang="ko-KR" sz="1600" dirty="0"/>
-          </a:p>
-          <a:p>
-            <a:pPr marL="285750" indent="-285750">
-              <a:lnSpc>
-                <a:spcPct val="150000"/>
-              </a:lnSpc>
-              <a:buFont typeface="Arial" panose="020B0604020202020204" pitchFamily="34" charset="0"/>
-              <a:buChar char="•"/>
-            </a:pPr>
-            <a:r>
-              <a:rPr lang="en-US" altLang="ko-KR" sz="1600" dirty="0"/>
-              <a:t>Most mainstream approaches</a:t>
-            </a:r>
           </a:p>
           <a:p>
             <a:pPr marL="742950" lvl="1" indent="-285750">
@@ -11707,70 +13241,81 @@
               <a:buChar char="•"/>
             </a:pPr>
             <a:r>
+              <a:rPr lang="ko-KR" altLang="en-US" sz="1600" dirty="0"/>
+              <a:t>이미지 </a:t>
+            </a:r>
+            <a:r>
               <a:rPr lang="en-US" altLang="ko-KR" sz="1600" dirty="0"/>
-              <a:t>Generative approaches</a:t>
-            </a:r>
-          </a:p>
-          <a:p>
-            <a:pPr marL="1200150" lvl="2" indent="-285750">
-              <a:lnSpc>
-                <a:spcPct val="150000"/>
-              </a:lnSpc>
-              <a:buFont typeface="Arial" panose="020B0604020202020204" pitchFamily="34" charset="0"/>
-              <a:buChar char="•"/>
-            </a:pPr>
-            <a:r>
-              <a:rPr lang="en-US" altLang="ko-KR" sz="1600" dirty="0"/>
-              <a:t>Pixel level generation : expensive, not be necessary</a:t>
-            </a:r>
-          </a:p>
-          <a:p>
-            <a:pPr marL="742950" lvl="1" indent="-285750">
-              <a:lnSpc>
-                <a:spcPct val="150000"/>
-              </a:lnSpc>
-              <a:buFont typeface="Arial" panose="020B0604020202020204" pitchFamily="34" charset="0"/>
-              <a:buChar char="•"/>
-            </a:pPr>
-            <a:r>
-              <a:rPr lang="en-US" altLang="ko-KR" sz="1600" dirty="0"/>
-              <a:t>Discriminative approaches</a:t>
-            </a:r>
-          </a:p>
-          <a:p>
-            <a:pPr marL="1200150" lvl="2" indent="-285750">
-              <a:lnSpc>
-                <a:spcPct val="150000"/>
-              </a:lnSpc>
-              <a:buFont typeface="Arial" panose="020B0604020202020204" pitchFamily="34" charset="0"/>
-              <a:buChar char="•"/>
-            </a:pPr>
-            <a:r>
-              <a:rPr lang="en-US" altLang="ko-KR" sz="1600" dirty="0"/>
-              <a:t>Pretext task </a:t>
-            </a:r>
-            <a:r>
-              <a:rPr lang="ko-KR" altLang="en-US" sz="1600" dirty="0"/>
-              <a:t>사용해서 학습</a:t>
-            </a:r>
-            <a:r>
-              <a:rPr lang="en-US" altLang="ko-KR" sz="1600" dirty="0"/>
-              <a:t> : generality</a:t>
-            </a:r>
-            <a:r>
-              <a:rPr lang="ko-KR" altLang="en-US" sz="1600" dirty="0"/>
-              <a:t> 한계가 있음</a:t>
-            </a:r>
-            <a:endParaRPr lang="en-US" altLang="ko-KR" sz="1600" dirty="0"/>
+              <a:t>: RGB format / HSV format</a:t>
+            </a:r>
           </a:p>
         </p:txBody>
       </p:sp>
       <p:sp>
         <p:nvSpPr>
-          <p:cNvPr id="9" name="TextBox 8">
+          <p:cNvPr id="11" name="제목 1">
             <a:extLst>
               <a:ext uri="{FF2B5EF4-FFF2-40B4-BE49-F238E27FC236}">
-                <a16:creationId xmlns:a16="http://schemas.microsoft.com/office/drawing/2014/main" id="{4E262F7D-1CD2-9678-413C-EB257F68A044}"/>
+                <a16:creationId xmlns:a16="http://schemas.microsoft.com/office/drawing/2014/main" id="{5A4BBBBE-7744-B61B-DD3B-0D5D4E48B059}"/>
+              </a:ext>
+            </a:extLst>
+          </p:cNvPr>
+          <p:cNvSpPr txBox="1">
+            <a:spLocks/>
+          </p:cNvSpPr>
+          <p:nvPr/>
+        </p:nvSpPr>
+        <p:spPr>
+          <a:xfrm>
+            <a:off x="472541" y="401947"/>
+            <a:ext cx="3412635" cy="665876"/>
+          </a:xfrm>
+          <a:prstGeom prst="rect">
+            <a:avLst/>
+          </a:prstGeom>
+        </p:spPr>
+        <p:txBody>
+          <a:bodyPr vert="horz" lIns="91440" tIns="45720" rIns="91440" bIns="45720" rtlCol="0" anchor="ctr">
+            <a:normAutofit/>
+          </a:bodyPr>
+          <a:lstStyle>
+            <a:lvl1pPr algn="l" defTabSz="914400" rtl="0" eaLnBrk="1" latinLnBrk="1" hangingPunct="1">
+              <a:lnSpc>
+                <a:spcPct val="90000"/>
+              </a:lnSpc>
+              <a:spcBef>
+                <a:spcPct val="0"/>
+              </a:spcBef>
+              <a:buNone/>
+              <a:defRPr sz="4400" kern="1200">
+                <a:solidFill>
+                  <a:schemeClr val="tx1"/>
+                </a:solidFill>
+                <a:latin typeface="+mj-lt"/>
+                <a:ea typeface="+mj-ea"/>
+                <a:cs typeface="+mj-cs"/>
+              </a:defRPr>
+            </a:lvl1pPr>
+          </a:lstStyle>
+          <a:p>
+            <a:pPr marL="342900" indent="-342900">
+              <a:buFont typeface="맑은 고딕" panose="020B0503020000020004" pitchFamily="50" charset="-127"/>
+              <a:buChar char="◇"/>
+            </a:pPr>
+            <a:r>
+              <a:rPr lang="en-US" altLang="ko-KR" sz="2400" b="1" u="sng"/>
+              <a:t> Background</a:t>
+            </a:r>
+            <a:endParaRPr lang="ko-KR" altLang="en-US" sz="2400" b="1" u="sng" dirty="0"/>
+          </a:p>
+        </p:txBody>
+      </p:sp>
+      <p:sp>
+        <p:nvSpPr>
+          <p:cNvPr id="14" name="TextBox 13">
+            <a:extLst>
+              <a:ext uri="{FF2B5EF4-FFF2-40B4-BE49-F238E27FC236}">
+                <a16:creationId xmlns:a16="http://schemas.microsoft.com/office/drawing/2014/main" id="{C52B83CD-CB37-BDBD-DC15-4A01D0A06A65}"/>
               </a:ext>
             </a:extLst>
           </p:cNvPr>
@@ -11779,8 +13324,8 @@
         </p:nvSpPr>
         <p:spPr>
           <a:xfrm>
-            <a:off x="0" y="0"/>
-            <a:ext cx="10647544" cy="253916"/>
+            <a:off x="515938" y="1344394"/>
+            <a:ext cx="3558351" cy="454292"/>
           </a:xfrm>
           <a:prstGeom prst="rect">
             <a:avLst/>
@@ -11788,32 +13333,31 @@
           <a:noFill/>
         </p:spPr>
         <p:txBody>
-          <a:bodyPr wrap="square" rtlCol="0">
+          <a:bodyPr wrap="square">
             <a:spAutoFit/>
           </a:bodyPr>
           <a:lstStyle/>
           <a:p>
-            <a:r>
-              <a:rPr lang="en-US" altLang="ko-KR" sz="1050" b="0" i="0" dirty="0">
-                <a:solidFill>
-                  <a:schemeClr val="bg1">
-                    <a:lumMod val="65000"/>
-                  </a:schemeClr>
-                </a:solidFill>
-                <a:effectLst/>
-                <a:latin typeface="Arial" panose="020B0604020202020204" pitchFamily="34" charset="0"/>
-              </a:rPr>
-              <a:t>Chen, Ting, et al. "A simple framework for contrastive learning of visual representations." International conference on machine learning. PMLR, 2020.</a:t>
+            <a:pPr marL="285750" indent="-285750">
+              <a:lnSpc>
+                <a:spcPct val="150000"/>
+              </a:lnSpc>
+              <a:buFont typeface="Wingdings" panose="05000000000000000000" pitchFamily="2" charset="2"/>
+              <a:buChar char="v"/>
+            </a:pPr>
+            <a:r>
+              <a:rPr lang="en-US" altLang="ko-KR" sz="1800" b="1" dirty="0"/>
+              <a:t>Representation Learning</a:t>
             </a:r>
           </a:p>
         </p:txBody>
       </p:sp>
       <p:pic>
         <p:nvPicPr>
-          <p:cNvPr id="1026" name="Picture 2">
+          <p:cNvPr id="2050" name="Picture 2">
             <a:extLst>
               <a:ext uri="{FF2B5EF4-FFF2-40B4-BE49-F238E27FC236}">
-                <a16:creationId xmlns:a16="http://schemas.microsoft.com/office/drawing/2014/main" id="{082B6978-1040-2636-ECB5-72C25D649201}"/>
+                <a16:creationId xmlns:a16="http://schemas.microsoft.com/office/drawing/2014/main" id="{F670A9C2-C26D-DF35-DA3B-8F2036EEB38B}"/>
               </a:ext>
             </a:extLst>
           </p:cNvPr>
@@ -11837,8 +13381,8 @@
         </p:blipFill>
         <p:spPr bwMode="auto">
           <a:xfrm>
-            <a:off x="7624310" y="1807719"/>
-            <a:ext cx="3941212" cy="2999346"/>
+            <a:off x="8178801" y="3607665"/>
+            <a:ext cx="3497262" cy="2907100"/>
           </a:xfrm>
           <a:prstGeom prst="rect">
             <a:avLst/>
@@ -11857,10 +13401,10 @@
       </p:pic>
       <p:sp>
         <p:nvSpPr>
-          <p:cNvPr id="4" name="TextBox 3">
+          <p:cNvPr id="17" name="TextBox 16">
             <a:extLst>
               <a:ext uri="{FF2B5EF4-FFF2-40B4-BE49-F238E27FC236}">
-                <a16:creationId xmlns:a16="http://schemas.microsoft.com/office/drawing/2014/main" id="{23D46D21-7D87-A5C5-3A16-F43F451EE6D6}"/>
+                <a16:creationId xmlns:a16="http://schemas.microsoft.com/office/drawing/2014/main" id="{3BDD31EC-FD6A-8D81-81A7-42F993C3E257}"/>
               </a:ext>
             </a:extLst>
           </p:cNvPr>
@@ -11869,60 +13413,8 @@
         </p:nvSpPr>
         <p:spPr>
           <a:xfrm>
-            <a:off x="8104653" y="4807065"/>
-            <a:ext cx="2980526" cy="307777"/>
-          </a:xfrm>
-          <a:prstGeom prst="rect">
-            <a:avLst/>
-          </a:prstGeom>
-          <a:noFill/>
-        </p:spPr>
-        <p:txBody>
-          <a:bodyPr wrap="square" rtlCol="0">
-            <a:spAutoFit/>
-          </a:bodyPr>
-          <a:lstStyle/>
-          <a:p>
-            <a:pPr algn="ctr"/>
-            <a:r>
-              <a:rPr lang="en-US" altLang="ko-KR" sz="1400" dirty="0">
-                <a:solidFill>
-                  <a:schemeClr val="bg1">
-                    <a:lumMod val="50000"/>
-                  </a:schemeClr>
-                </a:solidFill>
-              </a:rPr>
-              <a:t>&gt; Pretext task </a:t>
-            </a:r>
-            <a:r>
-              <a:rPr lang="ko-KR" altLang="en-US" sz="1400" dirty="0">
-                <a:solidFill>
-                  <a:schemeClr val="bg1">
-                    <a:lumMod val="50000"/>
-                  </a:schemeClr>
-                </a:solidFill>
-              </a:rPr>
-              <a:t>사용 학습</a:t>
-            </a:r>
-          </a:p>
-        </p:txBody>
-      </p:sp>
-      <p:sp>
-        <p:nvSpPr>
-          <p:cNvPr id="13" name="TextBox 12">
-            <a:extLst>
-              <a:ext uri="{FF2B5EF4-FFF2-40B4-BE49-F238E27FC236}">
-                <a16:creationId xmlns:a16="http://schemas.microsoft.com/office/drawing/2014/main" id="{174246C5-3CB0-4EE1-338B-F486C3F74F8D}"/>
-              </a:ext>
-            </a:extLst>
-          </p:cNvPr>
-          <p:cNvSpPr txBox="1"/>
-          <p:nvPr/>
-        </p:nvSpPr>
-        <p:spPr>
-          <a:xfrm>
-            <a:off x="0" y="6611779"/>
-            <a:ext cx="6735847" cy="246221"/>
+            <a:off x="515938" y="4343518"/>
+            <a:ext cx="7151820" cy="1891352"/>
           </a:xfrm>
           <a:prstGeom prst="rect">
             <a:avLst/>
@@ -11935,63 +13427,141 @@
           </a:bodyPr>
           <a:lstStyle/>
           <a:p>
-            <a:r>
-              <a:rPr lang="en-US" altLang="ko-KR" sz="1000" dirty="0">
-                <a:solidFill>
-                  <a:schemeClr val="bg1">
-                    <a:lumMod val="50000"/>
-                  </a:schemeClr>
-                </a:solidFill>
-              </a:rPr>
-              <a:t>https://velog.io/@jhlee508/</a:t>
-            </a:r>
-            <a:r>
-              <a:rPr lang="ko-KR" altLang="en-US" sz="1000" dirty="0">
-                <a:solidFill>
-                  <a:schemeClr val="bg1">
-                    <a:lumMod val="50000"/>
-                  </a:schemeClr>
-                </a:solidFill>
-              </a:rPr>
-              <a:t>논문</a:t>
-            </a:r>
-            <a:r>
-              <a:rPr lang="en-US" altLang="ko-KR" sz="1000" dirty="0">
-                <a:solidFill>
-                  <a:schemeClr val="bg1">
-                    <a:lumMod val="50000"/>
-                  </a:schemeClr>
-                </a:solidFill>
-              </a:rPr>
-              <a:t>-</a:t>
-            </a:r>
-            <a:r>
-              <a:rPr lang="ko-KR" altLang="en-US" sz="1000" dirty="0">
-                <a:solidFill>
-                  <a:schemeClr val="bg1">
-                    <a:lumMod val="50000"/>
-                  </a:schemeClr>
-                </a:solidFill>
-              </a:rPr>
-              <a:t>정리</a:t>
-            </a:r>
-            <a:r>
-              <a:rPr lang="en-US" altLang="ko-KR" sz="1000" dirty="0">
-                <a:solidFill>
-                  <a:schemeClr val="bg1">
-                    <a:lumMod val="50000"/>
-                  </a:schemeClr>
-                </a:solidFill>
-              </a:rPr>
-              <a:t>-A-Simple-Framework-for-Contrastive-Learning-of-Visual-Representations</a:t>
-            </a:r>
+            <a:pPr marL="285750" indent="-285750">
+              <a:lnSpc>
+                <a:spcPct val="150000"/>
+              </a:lnSpc>
+              <a:buFont typeface="Arial" panose="020B0604020202020204" pitchFamily="34" charset="0"/>
+              <a:buChar char="•"/>
+            </a:pPr>
+            <a:r>
+              <a:rPr lang="en-US" altLang="ko-KR" sz="1600" dirty="0"/>
+              <a:t>2</a:t>
+            </a:r>
+            <a:r>
+              <a:rPr lang="ko-KR" altLang="en-US" sz="1600" dirty="0"/>
+              <a:t>가지 접근법</a:t>
+            </a:r>
+            <a:endParaRPr lang="en-US" altLang="ko-KR" sz="1600" dirty="0"/>
+          </a:p>
+          <a:p>
+            <a:pPr marL="742950" lvl="1" indent="-285750">
+              <a:lnSpc>
+                <a:spcPct val="150000"/>
+              </a:lnSpc>
+              <a:buFont typeface="Arial" panose="020B0604020202020204" pitchFamily="34" charset="0"/>
+              <a:buChar char="•"/>
+            </a:pPr>
+            <a:r>
+              <a:rPr lang="en-US" altLang="ko-KR" sz="1600" dirty="0"/>
+              <a:t>Generative approaches </a:t>
+            </a:r>
+            <a:r>
+              <a:rPr lang="ko-KR" altLang="en-US" sz="1600" dirty="0"/>
+              <a:t>생성 모델 </a:t>
+            </a:r>
+            <a:r>
+              <a:rPr lang="en-US" altLang="ko-KR" sz="1600" dirty="0"/>
+              <a:t>– </a:t>
+            </a:r>
+            <a:r>
+              <a:rPr lang="ko-KR" altLang="en-US" sz="1600" dirty="0"/>
+              <a:t>유사한 이미지 생성</a:t>
+            </a:r>
+            <a:endParaRPr lang="en-US" altLang="ko-KR" sz="1600" dirty="0"/>
+          </a:p>
+          <a:p>
+            <a:pPr marL="1200150" lvl="2" indent="-285750">
+              <a:lnSpc>
+                <a:spcPct val="150000"/>
+              </a:lnSpc>
+              <a:buFont typeface="Arial" panose="020B0604020202020204" pitchFamily="34" charset="0"/>
+              <a:buChar char="•"/>
+            </a:pPr>
+            <a:r>
+              <a:rPr lang="en-US" altLang="ko-KR" sz="1600" dirty="0"/>
+              <a:t>Pixel level generation : computationally</a:t>
+            </a:r>
+            <a:r>
+              <a:rPr lang="ko-KR" altLang="en-US" sz="1600" dirty="0"/>
+              <a:t> </a:t>
+            </a:r>
+            <a:r>
+              <a:rPr lang="en-US" altLang="ko-KR" sz="1600" dirty="0"/>
+              <a:t>expensive </a:t>
+            </a:r>
+            <a:r>
+              <a:rPr lang="ko-KR" altLang="en-US" sz="1600" dirty="0"/>
+              <a:t>비싸다</a:t>
+            </a:r>
+            <a:endParaRPr lang="en-US" altLang="ko-KR" sz="1600" dirty="0"/>
+          </a:p>
+          <a:p>
+            <a:pPr marL="742950" lvl="1" indent="-285750">
+              <a:lnSpc>
+                <a:spcPct val="150000"/>
+              </a:lnSpc>
+              <a:buFont typeface="Arial" panose="020B0604020202020204" pitchFamily="34" charset="0"/>
+              <a:buChar char="•"/>
+            </a:pPr>
+            <a:r>
+              <a:rPr lang="en-US" altLang="ko-KR" sz="1600" dirty="0"/>
+              <a:t>Discriminative approaches </a:t>
+            </a:r>
+            <a:r>
+              <a:rPr lang="ko-KR" altLang="en-US" sz="1600" dirty="0"/>
+              <a:t>판별 모델 </a:t>
+            </a:r>
+            <a:r>
+              <a:rPr lang="en-US" altLang="ko-KR" sz="1600" dirty="0"/>
+              <a:t>– </a:t>
+            </a:r>
+            <a:r>
+              <a:rPr lang="ko-KR" altLang="en-US" sz="1600" dirty="0"/>
+              <a:t>태그 인식</a:t>
+            </a:r>
+            <a:r>
+              <a:rPr lang="en-US" altLang="ko-KR" sz="1600" dirty="0"/>
+              <a:t>, </a:t>
+            </a:r>
+            <a:r>
+              <a:rPr lang="ko-KR" altLang="en-US" sz="1600" dirty="0"/>
+              <a:t>데이터 정렬</a:t>
+            </a:r>
+            <a:endParaRPr lang="en-US" altLang="ko-KR" sz="1600" dirty="0"/>
+          </a:p>
+          <a:p>
+            <a:pPr marL="1200150" lvl="2" indent="-285750">
+              <a:lnSpc>
+                <a:spcPct val="150000"/>
+              </a:lnSpc>
+              <a:buFont typeface="Arial" panose="020B0604020202020204" pitchFamily="34" charset="0"/>
+              <a:buChar char="•"/>
+            </a:pPr>
+            <a:r>
+              <a:rPr lang="en-US" altLang="ko-KR" sz="1600" dirty="0"/>
+              <a:t>Pretext task </a:t>
+            </a:r>
+            <a:r>
+              <a:rPr lang="ko-KR" altLang="en-US" sz="1600" dirty="0"/>
+              <a:t>학습</a:t>
+            </a:r>
+            <a:r>
+              <a:rPr lang="en-US" altLang="ko-KR" sz="1600" dirty="0"/>
+              <a:t> : generality</a:t>
+            </a:r>
+            <a:r>
+              <a:rPr lang="ko-KR" altLang="en-US" sz="1600" dirty="0"/>
+              <a:t> 한계가 있음</a:t>
+            </a:r>
+            <a:endParaRPr lang="en-US" altLang="ko-KR" sz="1600" dirty="0"/>
           </a:p>
         </p:txBody>
       </p:sp>
     </p:spTree>
     <p:extLst>
       <p:ext uri="{BB962C8B-B14F-4D97-AF65-F5344CB8AC3E}">
-        <p14:creationId xmlns:p14="http://schemas.microsoft.com/office/powerpoint/2010/main" val="1064256564"/>
+        <p14:creationId xmlns:p14="http://schemas.microsoft.com/office/powerpoint/2010/main" val="4241466541"/>
       </p:ext>
     </p:extLst>
   </p:cSld>
@@ -12046,9 +13616,13 @@
           </a:bodyPr>
           <a:lstStyle/>
           <a:p>
+            <a:pPr marL="342900" indent="-342900">
+              <a:buFont typeface="맑은 고딕" panose="020B0503020000020004" pitchFamily="50" charset="-127"/>
+              <a:buChar char="◇"/>
+            </a:pPr>
             <a:r>
               <a:rPr lang="en-US" altLang="ko-KR" sz="2400" b="1" u="sng" dirty="0"/>
-              <a:t>1. Introduction</a:t>
+              <a:t> Background</a:t>
             </a:r>
             <a:endParaRPr lang="ko-KR" altLang="en-US" sz="2400" b="1" u="sng" dirty="0"/>
           </a:p>
@@ -12068,8 +13642,8 @@
         </p:nvSpPr>
         <p:spPr>
           <a:xfrm>
-            <a:off x="515937" y="1312537"/>
-            <a:ext cx="6191989" cy="869790"/>
+            <a:off x="5914841" y="3583946"/>
+            <a:ext cx="5379928" cy="2471446"/>
           </a:xfrm>
           <a:prstGeom prst="rect">
             <a:avLst/>
@@ -12086,38 +13660,119 @@
               <a:lnSpc>
                 <a:spcPct val="150000"/>
               </a:lnSpc>
-              <a:buFont typeface="Wingdings" panose="05000000000000000000" pitchFamily="2" charset="2"/>
-              <a:buChar char="v"/>
+              <a:buFont typeface="Arial" panose="020B0604020202020204" pitchFamily="34" charset="0"/>
+              <a:buChar char="•"/>
             </a:pPr>
             <a:r>
-              <a:rPr lang="en-US" altLang="ko-KR" b="1" dirty="0"/>
-              <a:t>SimCLR -</a:t>
-            </a:r>
-            <a:r>
-              <a:rPr lang="en-US" altLang="ko-KR" dirty="0"/>
-              <a:t> a simple framework for </a:t>
-            </a:r>
-            <a:r>
-              <a:rPr lang="en-US" altLang="ko-KR" dirty="0">
-                <a:solidFill>
-                  <a:srgbClr val="5C5CD6"/>
-                </a:solidFill>
-              </a:rPr>
-              <a:t>contrastive learning </a:t>
-            </a:r>
-            <a:r>
-              <a:rPr lang="en-US" altLang="ko-KR" dirty="0"/>
-              <a:t>of visual representations</a:t>
+              <a:rPr lang="en-US" altLang="ko-KR" sz="1500" dirty="0"/>
+              <a:t>Input image </a:t>
+            </a:r>
+            <a:r>
+              <a:rPr lang="ko-KR" altLang="en-US" sz="1500" dirty="0"/>
+              <a:t>치타</a:t>
+            </a:r>
+            <a:r>
+              <a:rPr lang="en-US" altLang="ko-KR" sz="1500" dirty="0"/>
+              <a:t> </a:t>
+            </a:r>
+            <a:br>
+              <a:rPr lang="en-US" altLang="ko-KR" sz="1500" dirty="0"/>
+            </a:br>
+            <a:r>
+              <a:rPr lang="ko-KR" altLang="en-US" sz="1500" dirty="0"/>
+              <a:t>⇒ </a:t>
+            </a:r>
+            <a:r>
+              <a:rPr lang="en-US" altLang="ko-KR" sz="1500" dirty="0"/>
+              <a:t>Classification response</a:t>
+            </a:r>
+            <a:r>
+              <a:rPr lang="ko-KR" altLang="en-US" sz="1500" dirty="0"/>
+              <a:t> </a:t>
+            </a:r>
+            <a:r>
+              <a:rPr lang="en-US" altLang="ko-KR" sz="1500" dirty="0"/>
+              <a:t>:</a:t>
+            </a:r>
+            <a:r>
+              <a:rPr lang="ko-KR" altLang="en-US" sz="1500" dirty="0"/>
+              <a:t> 래오파드</a:t>
+            </a:r>
+            <a:r>
+              <a:rPr lang="en-US" altLang="ko-KR" sz="1500" dirty="0"/>
+              <a:t>, </a:t>
+            </a:r>
+            <a:r>
+              <a:rPr lang="ko-KR" altLang="en-US" sz="1500" dirty="0"/>
+              <a:t>재규어 등의 분류 비율이 보트나 쇼핑 카트의 분류 비율보다 높음</a:t>
+            </a:r>
+            <a:endParaRPr lang="en-US" altLang="ko-KR" sz="1500" dirty="0"/>
+          </a:p>
+          <a:p>
+            <a:pPr marL="742950" lvl="1" indent="-285750">
+              <a:lnSpc>
+                <a:spcPct val="150000"/>
+              </a:lnSpc>
+              <a:buFont typeface="Arial" panose="020B0604020202020204" pitchFamily="34" charset="0"/>
+              <a:buChar char="•"/>
+            </a:pPr>
+            <a:r>
+              <a:rPr lang="ko-KR" altLang="en-US" sz="1500" dirty="0"/>
+              <a:t>치타</a:t>
+            </a:r>
+            <a:r>
+              <a:rPr lang="en-US" altLang="ko-KR" sz="1500" dirty="0"/>
+              <a:t>, </a:t>
+            </a:r>
+            <a:r>
+              <a:rPr lang="ko-KR" altLang="en-US" sz="1500" dirty="0"/>
+              <a:t>래오파드</a:t>
+            </a:r>
+            <a:r>
+              <a:rPr lang="en-US" altLang="ko-KR" sz="1500" dirty="0"/>
+              <a:t>, </a:t>
+            </a:r>
+            <a:r>
+              <a:rPr lang="ko-KR" altLang="en-US" sz="1500" dirty="0"/>
+              <a:t>재규어 등에 유사한 </a:t>
+            </a:r>
+            <a:r>
+              <a:rPr lang="en-US" altLang="ko-KR" sz="1500" dirty="0"/>
+              <a:t>feature</a:t>
+            </a:r>
+            <a:r>
+              <a:rPr lang="ko-KR" altLang="en-US" sz="1500" dirty="0"/>
+              <a:t>가 작용하고 있음을 확인할 수 있으며</a:t>
+            </a:r>
+            <a:r>
+              <a:rPr lang="en-US" altLang="ko-KR" sz="1500" dirty="0"/>
+              <a:t>, </a:t>
+            </a:r>
+            <a:r>
+              <a:rPr lang="ko-KR" altLang="en-US" sz="1500" dirty="0"/>
+              <a:t>이렇게 잘 추출된 특징 값은 </a:t>
+            </a:r>
+            <a:r>
+              <a:rPr lang="en-US" altLang="ko-KR" sz="1500" dirty="0"/>
+              <a:t>instance</a:t>
+            </a:r>
+            <a:r>
+              <a:rPr lang="ko-KR" altLang="en-US" sz="1500" dirty="0"/>
+              <a:t>간의 유사도 정보를 가지고 있을 것이라는 가정으로 시작</a:t>
+            </a:r>
+            <a:r>
+              <a:rPr lang="en-US" altLang="ko-KR" sz="1500" dirty="0"/>
+              <a:t> </a:t>
             </a:r>
           </a:p>
         </p:txBody>
       </p:sp>
       <p:sp>
         <p:nvSpPr>
-          <p:cNvPr id="9" name="TextBox 8">
+          <p:cNvPr id="11" name="TextBox 10">
             <a:extLst>
               <a:ext uri="{FF2B5EF4-FFF2-40B4-BE49-F238E27FC236}">
-                <a16:creationId xmlns:a16="http://schemas.microsoft.com/office/drawing/2014/main" id="{4E262F7D-1CD2-9678-413C-EB257F68A044}"/>
+                <a16:creationId xmlns:a16="http://schemas.microsoft.com/office/drawing/2014/main" id="{692A49CF-82F5-E5ED-BD24-87952A03F3BF}"/>
               </a:ext>
             </a:extLst>
           </p:cNvPr>
@@ -12126,8 +13781,104 @@
         </p:nvSpPr>
         <p:spPr>
           <a:xfrm>
-            <a:off x="0" y="0"/>
-            <a:ext cx="10647544" cy="253916"/>
+            <a:off x="8956111" y="6611779"/>
+            <a:ext cx="3235890" cy="246221"/>
+          </a:xfrm>
+          <a:prstGeom prst="rect">
+            <a:avLst/>
+          </a:prstGeom>
+          <a:noFill/>
+        </p:spPr>
+        <p:txBody>
+          <a:bodyPr wrap="square">
+            <a:spAutoFit/>
+          </a:bodyPr>
+          <a:lstStyle/>
+          <a:p>
+            <a:pPr algn="r"/>
+            <a:r>
+              <a:rPr lang="en-US" altLang="ko-KR" sz="1000" dirty="0">
+                <a:solidFill>
+                  <a:schemeClr val="bg1">
+                    <a:lumMod val="65000"/>
+                  </a:schemeClr>
+                </a:solidFill>
+              </a:rPr>
+              <a:t>https://daeun-computer-uneasy.tistory.com/37</a:t>
+            </a:r>
+            <a:endParaRPr lang="ko-KR" altLang="en-US" sz="1000" dirty="0">
+              <a:solidFill>
+                <a:schemeClr val="bg1">
+                  <a:lumMod val="65000"/>
+                </a:schemeClr>
+              </a:solidFill>
+            </a:endParaRPr>
+          </a:p>
+        </p:txBody>
+      </p:sp>
+      <p:pic>
+        <p:nvPicPr>
+          <p:cNvPr id="1033" name="Picture 9">
+            <a:extLst>
+              <a:ext uri="{FF2B5EF4-FFF2-40B4-BE49-F238E27FC236}">
+                <a16:creationId xmlns:a16="http://schemas.microsoft.com/office/drawing/2014/main" id="{0DB506D9-41E2-24D4-B708-A95497C35C02}"/>
+              </a:ext>
+            </a:extLst>
+          </p:cNvPr>
+          <p:cNvPicPr>
+            <a:picLocks noChangeAspect="1" noChangeArrowheads="1"/>
+          </p:cNvPicPr>
+          <p:nvPr/>
+        </p:nvPicPr>
+        <p:blipFill>
+          <a:blip r:embed="rId3">
+            <a:extLst>
+              <a:ext uri="{28A0092B-C50C-407E-A947-70E740481C1C}">
+                <a14:useLocalDpi xmlns:a14="http://schemas.microsoft.com/office/drawing/2010/main" val="0"/>
+              </a:ext>
+            </a:extLst>
+          </a:blip>
+          <a:srcRect/>
+          <a:stretch>
+            <a:fillRect/>
+          </a:stretch>
+        </p:blipFill>
+        <p:spPr bwMode="auto">
+          <a:xfrm>
+            <a:off x="8183032" y="1141065"/>
+            <a:ext cx="3466702" cy="1332545"/>
+          </a:xfrm>
+          <a:prstGeom prst="rect">
+            <a:avLst/>
+          </a:prstGeom>
+          <a:noFill/>
+          <a:extLst>
+            <a:ext uri="{909E8E84-426E-40DD-AFC4-6F175D3DCCD1}">
+              <a14:hiddenFill xmlns:a14="http://schemas.microsoft.com/office/drawing/2010/main">
+                <a:solidFill>
+                  <a:srgbClr val="FFFFFF"/>
+                </a:solidFill>
+              </a14:hiddenFill>
+            </a:ext>
+          </a:extLst>
+        </p:spPr>
+      </p:pic>
+      <p:sp>
+        <p:nvSpPr>
+          <p:cNvPr id="25" name="TextBox 24">
+            <a:extLst>
+              <a:ext uri="{FF2B5EF4-FFF2-40B4-BE49-F238E27FC236}">
+                <a16:creationId xmlns:a16="http://schemas.microsoft.com/office/drawing/2014/main" id="{47A980A6-0472-6FF4-88B7-999D32420E59}"/>
+              </a:ext>
+            </a:extLst>
+          </p:cNvPr>
+          <p:cNvSpPr txBox="1"/>
+          <p:nvPr/>
+        </p:nvSpPr>
+        <p:spPr>
+          <a:xfrm>
+            <a:off x="542266" y="1115082"/>
+            <a:ext cx="8404965" cy="1891352"/>
           </a:xfrm>
           <a:prstGeom prst="rect">
             <a:avLst/>
@@ -12140,27 +13891,174 @@
           </a:bodyPr>
           <a:lstStyle/>
           <a:p>
-            <a:r>
-              <a:rPr lang="en-US" altLang="ko-KR" sz="1050" b="0" i="0" dirty="0">
-                <a:solidFill>
-                  <a:schemeClr val="bg1">
-                    <a:lumMod val="65000"/>
-                  </a:schemeClr>
-                </a:solidFill>
-                <a:effectLst/>
-                <a:latin typeface="Arial" panose="020B0604020202020204" pitchFamily="34" charset="0"/>
-              </a:rPr>
-              <a:t>Chen, Ting, et al. "A simple framework for contrastive learning of visual representations." International conference on machine learning. PMLR, 2020.</a:t>
-            </a:r>
+            <a:pPr marL="285750" indent="-285750">
+              <a:lnSpc>
+                <a:spcPct val="150000"/>
+              </a:lnSpc>
+              <a:buFont typeface="Wingdings" panose="05000000000000000000" pitchFamily="2" charset="2"/>
+              <a:buChar char="v"/>
+            </a:pPr>
+            <a:r>
+              <a:rPr lang="en-US" altLang="ko-KR" sz="1600" b="1" dirty="0"/>
+              <a:t>Self-supervised Learning</a:t>
+            </a:r>
+            <a:endParaRPr lang="en-US" altLang="ko-KR" sz="1600" dirty="0"/>
+          </a:p>
+          <a:p>
+            <a:pPr marL="285750" indent="-285750">
+              <a:lnSpc>
+                <a:spcPct val="150000"/>
+              </a:lnSpc>
+              <a:buFont typeface="Arial" panose="020B0604020202020204" pitchFamily="34" charset="0"/>
+              <a:buChar char="•"/>
+            </a:pPr>
+            <a:r>
+              <a:rPr lang="ko-KR" altLang="en-US" sz="1600" dirty="0"/>
+              <a:t>딥러닝 학습 </a:t>
+            </a:r>
+            <a:r>
+              <a:rPr lang="en-US" altLang="ko-KR" sz="1600" dirty="0"/>
+              <a:t>– </a:t>
+            </a:r>
+            <a:r>
+              <a:rPr lang="ko-KR" altLang="en-US" sz="1600" dirty="0"/>
+              <a:t>충분한 양질의 데이터 필요</a:t>
+            </a:r>
+            <a:endParaRPr lang="en-US" altLang="ko-KR" sz="1600" dirty="0"/>
+          </a:p>
+          <a:p>
+            <a:pPr marL="742950" lvl="1" indent="-285750">
+              <a:lnSpc>
+                <a:spcPct val="150000"/>
+              </a:lnSpc>
+              <a:buFont typeface="Arial" panose="020B0604020202020204" pitchFamily="34" charset="0"/>
+              <a:buChar char="•"/>
+            </a:pPr>
+            <a:r>
+              <a:rPr lang="en-US" altLang="ko-KR" sz="1600" dirty="0"/>
+              <a:t>Labeling </a:t>
+            </a:r>
+            <a:r>
+              <a:rPr lang="ko-KR" altLang="en-US" sz="1600" dirty="0"/>
+              <a:t>과정이 필수적 → 충분히 수집하기 어려움</a:t>
+            </a:r>
+            <a:endParaRPr lang="en-US" altLang="ko-KR" sz="1600" dirty="0"/>
+          </a:p>
+          <a:p>
+            <a:pPr marL="285750" indent="-285750">
+              <a:lnSpc>
+                <a:spcPct val="150000"/>
+              </a:lnSpc>
+              <a:buFont typeface="Arial" panose="020B0604020202020204" pitchFamily="34" charset="0"/>
+              <a:buChar char="•"/>
+            </a:pPr>
+            <a:r>
+              <a:rPr lang="en-US" altLang="ko-KR" sz="1600" dirty="0"/>
+              <a:t>Unsupervised</a:t>
+            </a:r>
+            <a:r>
+              <a:rPr lang="ko-KR" altLang="en-US" sz="1600" dirty="0"/>
+              <a:t>의 한 분야 </a:t>
+            </a:r>
+            <a:r>
+              <a:rPr lang="en-US" altLang="ko-KR" sz="1600" dirty="0"/>
+              <a:t>–</a:t>
+            </a:r>
+            <a:r>
+              <a:rPr lang="ko-KR" altLang="en-US" sz="1600" dirty="0"/>
+              <a:t> </a:t>
+            </a:r>
+            <a:r>
+              <a:rPr lang="en-US" altLang="ko-KR" sz="1600" dirty="0"/>
+              <a:t>Label</a:t>
+            </a:r>
+            <a:r>
+              <a:rPr lang="ko-KR" altLang="en-US" sz="1600" dirty="0"/>
+              <a:t>이 없는 데이터로 학습 진행</a:t>
+            </a:r>
+            <a:endParaRPr lang="en-US" altLang="ko-KR" sz="1600" dirty="0"/>
+          </a:p>
+          <a:p>
+            <a:pPr marL="285750" indent="-285750">
+              <a:lnSpc>
+                <a:spcPct val="150000"/>
+              </a:lnSpc>
+              <a:buFont typeface="Arial" panose="020B0604020202020204" pitchFamily="34" charset="0"/>
+              <a:buChar char="•"/>
+            </a:pPr>
+            <a:r>
+              <a:rPr lang="ko-KR" altLang="en-US" sz="1600" dirty="0"/>
+              <a:t>데이터에서 얻을 수 있는 정보를 사용해서 </a:t>
+            </a:r>
+            <a:r>
+              <a:rPr lang="ko-KR" altLang="en-US" sz="1600" b="1" dirty="0"/>
+              <a:t>자체적인 </a:t>
+            </a:r>
+            <a:r>
+              <a:rPr lang="en-US" altLang="ko-KR" sz="1600" b="1" dirty="0"/>
+              <a:t>label</a:t>
+            </a:r>
+            <a:r>
+              <a:rPr lang="ko-KR" altLang="en-US" sz="1600" dirty="0"/>
+              <a:t>을 얻기 위해 고안된 방법</a:t>
+            </a:r>
+            <a:endParaRPr lang="en-US" altLang="ko-KR" sz="1600" dirty="0"/>
           </a:p>
         </p:txBody>
       </p:sp>
+      <p:pic>
+        <p:nvPicPr>
+          <p:cNvPr id="1030" name="Picture 6">
+            <a:extLst>
+              <a:ext uri="{FF2B5EF4-FFF2-40B4-BE49-F238E27FC236}">
+                <a16:creationId xmlns:a16="http://schemas.microsoft.com/office/drawing/2014/main" id="{047F7BB5-0685-5380-191B-986AEDBEBB71}"/>
+              </a:ext>
+            </a:extLst>
+          </p:cNvPr>
+          <p:cNvPicPr>
+            <a:picLocks noChangeAspect="1" noChangeArrowheads="1"/>
+          </p:cNvPicPr>
+          <p:nvPr/>
+        </p:nvPicPr>
+        <p:blipFill>
+          <a:blip r:embed="rId4">
+            <a:extLst>
+              <a:ext uri="{28A0092B-C50C-407E-A947-70E740481C1C}">
+                <a14:useLocalDpi xmlns:a14="http://schemas.microsoft.com/office/drawing/2010/main" val="0"/>
+              </a:ext>
+            </a:extLst>
+          </a:blip>
+          <a:srcRect/>
+          <a:stretch>
+            <a:fillRect/>
+          </a:stretch>
+        </p:blipFill>
+        <p:spPr bwMode="auto">
+          <a:xfrm>
+            <a:off x="1153539" y="3169922"/>
+            <a:ext cx="4327676" cy="3550714"/>
+          </a:xfrm>
+          <a:prstGeom prst="rect">
+            <a:avLst/>
+          </a:prstGeom>
+          <a:noFill/>
+          <a:extLst>
+            <a:ext uri="{909E8E84-426E-40DD-AFC4-6F175D3DCCD1}">
+              <a14:hiddenFill xmlns:a14="http://schemas.microsoft.com/office/drawing/2010/main">
+                <a:solidFill>
+                  <a:srgbClr val="FFFFFF"/>
+                </a:solidFill>
+              </a14:hiddenFill>
+            </a:ext>
+          </a:extLst>
+        </p:spPr>
+      </p:pic>
       <p:sp>
         <p:nvSpPr>
-          <p:cNvPr id="11" name="TextBox 10">
+          <p:cNvPr id="27" name="TextBox 26">
             <a:extLst>
               <a:ext uri="{FF2B5EF4-FFF2-40B4-BE49-F238E27FC236}">
-                <a16:creationId xmlns:a16="http://schemas.microsoft.com/office/drawing/2014/main" id="{5481EF30-FFA6-F378-2E64-2114E0FFA5EF}"/>
+                <a16:creationId xmlns:a16="http://schemas.microsoft.com/office/drawing/2014/main" id="{5F411EFC-32CF-5B73-A2F9-9F46BC731DD3}"/>
               </a:ext>
             </a:extLst>
           </p:cNvPr>
@@ -12169,8 +14067,8 @@
         </p:nvSpPr>
         <p:spPr>
           <a:xfrm>
-            <a:off x="515937" y="2369147"/>
-            <a:ext cx="5424172" cy="3368679"/>
+            <a:off x="5914841" y="3169922"/>
+            <a:ext cx="3861256" cy="414024"/>
           </a:xfrm>
           <a:prstGeom prst="rect">
             <a:avLst/>
@@ -12188,145 +14086,29 @@
                 <a:spcPct val="150000"/>
               </a:lnSpc>
               <a:buFont typeface="Wingdings" panose="05000000000000000000" pitchFamily="2" charset="2"/>
-              <a:buChar char="§"/>
+              <a:buChar char="v"/>
             </a:pPr>
             <a:r>
-              <a:rPr lang="en-US" altLang="ko-KR" sz="1600" dirty="0"/>
-              <a:t>Major components</a:t>
-            </a:r>
-          </a:p>
-          <a:p>
-            <a:pPr marL="800100" lvl="1" indent="-342900">
-              <a:lnSpc>
-                <a:spcPct val="150000"/>
-              </a:lnSpc>
-              <a:buAutoNum type="arabicPeriod"/>
-            </a:pPr>
-            <a:r>
-              <a:rPr lang="ko-KR" altLang="en-US" sz="1600" dirty="0"/>
-              <a:t>간단한 몇 개의 </a:t>
-            </a:r>
-            <a:r>
-              <a:rPr lang="en-US" altLang="ko-KR" sz="1600" dirty="0"/>
-              <a:t>Data augmentation composition(</a:t>
-            </a:r>
-            <a:r>
-              <a:rPr lang="ko-KR" altLang="en-US" sz="1600" dirty="0"/>
-              <a:t>조합</a:t>
-            </a:r>
-            <a:r>
-              <a:rPr lang="en-US" altLang="ko-KR" sz="1600" dirty="0"/>
-              <a:t>)</a:t>
-            </a:r>
-            <a:r>
-              <a:rPr lang="ko-KR" altLang="en-US" sz="1600" dirty="0"/>
-              <a:t>이 </a:t>
-            </a:r>
-            <a:r>
-              <a:rPr lang="en-US" altLang="ko-KR" sz="1600" dirty="0"/>
-              <a:t>SimCLR </a:t>
-            </a:r>
-            <a:r>
-              <a:rPr lang="ko-KR" altLang="en-US" sz="1600" dirty="0"/>
-              <a:t>구조에서 중요한 역할을 한다</a:t>
-            </a:r>
-            <a:r>
-              <a:rPr lang="en-US" altLang="ko-KR" sz="1600" dirty="0"/>
-              <a:t>.</a:t>
-            </a:r>
-          </a:p>
-          <a:p>
-            <a:pPr marL="800100" lvl="1" indent="-342900">
-              <a:lnSpc>
-                <a:spcPct val="150000"/>
-              </a:lnSpc>
-              <a:buAutoNum type="arabicPeriod"/>
-            </a:pPr>
-            <a:r>
-              <a:rPr lang="en-US" altLang="ko-KR" sz="1600" dirty="0"/>
-              <a:t>Representation</a:t>
-            </a:r>
-            <a:r>
-              <a:rPr lang="ko-KR" altLang="en-US" sz="1600" dirty="0"/>
-              <a:t>과 </a:t>
-            </a:r>
-            <a:r>
-              <a:rPr lang="en-US" altLang="ko-KR" sz="1600" dirty="0"/>
-              <a:t>Contrastive loss </a:t>
-            </a:r>
-            <a:r>
-              <a:rPr lang="ko-KR" altLang="en-US" sz="1600" dirty="0"/>
-              <a:t>사이의 </a:t>
-            </a:r>
-            <a:r>
-              <a:rPr lang="en-US" altLang="ko-KR" sz="1600" dirty="0">
-                <a:solidFill>
-                  <a:srgbClr val="FF7575"/>
-                </a:solidFill>
-              </a:rPr>
-              <a:t>non-linear transformation</a:t>
-            </a:r>
-            <a:r>
-              <a:rPr lang="ko-KR" altLang="en-US" sz="1600" dirty="0"/>
-              <a:t>이 </a:t>
-            </a:r>
-            <a:r>
-              <a:rPr lang="en-US" altLang="ko-KR" sz="1600" dirty="0"/>
-              <a:t>representation </a:t>
-            </a:r>
-            <a:r>
-              <a:rPr lang="ko-KR" altLang="en-US" sz="1600" dirty="0"/>
-              <a:t>성능을 향상시킨다</a:t>
-            </a:r>
-            <a:r>
-              <a:rPr lang="en-US" altLang="ko-KR" sz="1600" dirty="0"/>
-              <a:t>.</a:t>
-            </a:r>
-          </a:p>
-          <a:p>
-            <a:pPr marL="800100" lvl="1" indent="-342900">
-              <a:lnSpc>
-                <a:spcPct val="150000"/>
-              </a:lnSpc>
-              <a:buAutoNum type="arabicPeriod"/>
-            </a:pPr>
-            <a:r>
-              <a:rPr lang="en-US" altLang="ko-KR" sz="1600" dirty="0"/>
-              <a:t>Contrastive learning</a:t>
-            </a:r>
-            <a:r>
-              <a:rPr lang="ko-KR" altLang="en-US" sz="1600" dirty="0"/>
-              <a:t>은 </a:t>
-            </a:r>
-            <a:r>
-              <a:rPr lang="en-US" altLang="ko-KR" sz="1600" dirty="0"/>
-              <a:t>batch size</a:t>
-            </a:r>
-            <a:r>
-              <a:rPr lang="ko-KR" altLang="en-US" sz="1600" dirty="0"/>
-              <a:t>와 </a:t>
-            </a:r>
-            <a:r>
-              <a:rPr lang="en-US" altLang="ko-KR" sz="1600" dirty="0"/>
-              <a:t>training step</a:t>
-            </a:r>
-            <a:r>
-              <a:rPr lang="ko-KR" altLang="en-US" sz="1600" dirty="0"/>
-              <a:t>이 클 때 효과적이다</a:t>
-            </a:r>
-            <a:r>
-              <a:rPr lang="en-US" altLang="ko-KR" sz="1600" dirty="0"/>
-              <a:t>.</a:t>
+              <a:rPr lang="en-US" altLang="ko-KR" sz="1600" b="1" dirty="0"/>
+              <a:t>Contrastive Learning</a:t>
+            </a:r>
+            <a:r>
+              <a:rPr lang="ko-KR" altLang="en-US" sz="1600" b="1" dirty="0"/>
+              <a:t>의</a:t>
+            </a:r>
+            <a:r>
+              <a:rPr lang="en-US" altLang="ko-KR" sz="1600" b="1" dirty="0"/>
+              <a:t> motivation</a:t>
             </a:r>
           </a:p>
         </p:txBody>
       </p:sp>
       <p:sp>
         <p:nvSpPr>
-          <p:cNvPr id="13" name="TextBox 12">
+          <p:cNvPr id="31" name="TextBox 30">
             <a:extLst>
               <a:ext uri="{FF2B5EF4-FFF2-40B4-BE49-F238E27FC236}">
-                <a16:creationId xmlns:a16="http://schemas.microsoft.com/office/drawing/2014/main" id="{05BC5614-7DFD-FAE5-2BEB-AF2F6A47D423}"/>
+                <a16:creationId xmlns:a16="http://schemas.microsoft.com/office/drawing/2014/main" id="{45376E96-04A9-CC89-35DC-3B74EC7DCD4B}"/>
               </a:ext>
             </a:extLst>
           </p:cNvPr>
@@ -12335,8 +14117,8 @@
         </p:nvSpPr>
         <p:spPr>
           <a:xfrm>
-            <a:off x="6952962" y="4881554"/>
-            <a:ext cx="5051386" cy="1075294"/>
+            <a:off x="5481215" y="6211669"/>
+            <a:ext cx="2246335" cy="523220"/>
           </a:xfrm>
           <a:prstGeom prst="rect">
             <a:avLst/>
@@ -12344,66 +14126,57 @@
           <a:noFill/>
         </p:spPr>
         <p:txBody>
-          <a:bodyPr wrap="square">
+          <a:bodyPr wrap="square" rtlCol="0">
             <a:spAutoFit/>
           </a:bodyPr>
           <a:lstStyle/>
           <a:p>
-            <a:pPr marL="171450" indent="-171450">
-              <a:lnSpc>
-                <a:spcPct val="150000"/>
-              </a:lnSpc>
-              <a:buFont typeface="맑은 고딕" panose="020B0503020000020004" pitchFamily="50" charset="-127"/>
-              <a:buChar char="&gt;"/>
-            </a:pPr>
-            <a:r>
-              <a:rPr lang="en-US" altLang="ko-KR" sz="1100" dirty="0">
+            <a:r>
+              <a:rPr lang="en-US" altLang="ko-KR" sz="1400" dirty="0">
                 <a:solidFill>
-                  <a:schemeClr val="tx1">
+                  <a:schemeClr val="bg1">
                     <a:lumMod val="50000"/>
-                    <a:lumOff val="50000"/>
                   </a:schemeClr>
                 </a:solidFill>
               </a:rPr>
-              <a:t>ImageNet Top-1 accuracy of linear classifiers trained on representations learned with different self-supervised methods (pretrained on ImageNet). Gray cross indicates supervised ResNet-50. Our method, SimCLR, is shown in bold. </a:t>
+              <a:t>&gt; </a:t>
+            </a:r>
+            <a:r>
+              <a:rPr lang="ko-KR" altLang="en-US" sz="1400" dirty="0">
+                <a:solidFill>
+                  <a:schemeClr val="bg1">
+                    <a:lumMod val="50000"/>
+                  </a:schemeClr>
+                </a:solidFill>
+              </a:rPr>
+              <a:t>지도학습 기반의 </a:t>
+            </a:r>
+            <a:endParaRPr lang="en-US" altLang="ko-KR" sz="1400" dirty="0">
+              <a:solidFill>
+                <a:schemeClr val="bg1">
+                  <a:lumMod val="50000"/>
+                </a:schemeClr>
+              </a:solidFill>
+            </a:endParaRPr>
+          </a:p>
+          <a:p>
+            <a:r>
+              <a:rPr lang="ko-KR" altLang="en-US" sz="1400" dirty="0">
+                <a:solidFill>
+                  <a:schemeClr val="bg1">
+                    <a:lumMod val="50000"/>
+                  </a:schemeClr>
+                </a:solidFill>
+              </a:rPr>
+              <a:t>   이미지분류 모델 결과</a:t>
             </a:r>
           </a:p>
         </p:txBody>
       </p:sp>
-      <p:pic>
-        <p:nvPicPr>
-          <p:cNvPr id="14" name="그림 13">
-            <a:extLst>
-              <a:ext uri="{FF2B5EF4-FFF2-40B4-BE49-F238E27FC236}">
-                <a16:creationId xmlns:a16="http://schemas.microsoft.com/office/drawing/2014/main" id="{3550B59F-30E4-08DC-0645-D07F8750CACD}"/>
-              </a:ext>
-            </a:extLst>
-          </p:cNvPr>
-          <p:cNvPicPr>
-            <a:picLocks noChangeAspect="1"/>
-          </p:cNvPicPr>
-          <p:nvPr/>
-        </p:nvPicPr>
-        <p:blipFill>
-          <a:blip r:embed="rId3"/>
-          <a:stretch>
-            <a:fillRect/>
-          </a:stretch>
-        </p:blipFill>
-        <p:spPr>
-          <a:xfrm>
-            <a:off x="6952962" y="1312537"/>
-            <a:ext cx="4723101" cy="3569017"/>
-          </a:xfrm>
-          <a:prstGeom prst="rect">
-            <a:avLst/>
-          </a:prstGeom>
-        </p:spPr>
-      </p:pic>
     </p:spTree>
     <p:extLst>
       <p:ext uri="{BB962C8B-B14F-4D97-AF65-F5344CB8AC3E}">
-        <p14:creationId xmlns:p14="http://schemas.microsoft.com/office/powerpoint/2010/main" val="2351987689"/>
+        <p14:creationId xmlns:p14="http://schemas.microsoft.com/office/powerpoint/2010/main" val="1064256564"/>
       </p:ext>
     </p:extLst>
   </p:cSld>
@@ -12458,6 +14231,1207 @@
           </a:bodyPr>
           <a:lstStyle/>
           <a:p>
+            <a:pPr marL="342900" indent="-342900">
+              <a:buFont typeface="맑은 고딕" panose="020B0503020000020004" pitchFamily="50" charset="-127"/>
+              <a:buChar char="◇"/>
+            </a:pPr>
+            <a:r>
+              <a:rPr lang="en-US" altLang="ko-KR" sz="2400" b="1" u="sng" dirty="0"/>
+              <a:t> Background</a:t>
+            </a:r>
+            <a:endParaRPr lang="ko-KR" altLang="en-US" sz="2400" b="1" u="sng" dirty="0"/>
+          </a:p>
+        </p:txBody>
+      </p:sp>
+      <p:sp>
+        <p:nvSpPr>
+          <p:cNvPr id="6" name="TextBox 5">
+            <a:extLst>
+              <a:ext uri="{FF2B5EF4-FFF2-40B4-BE49-F238E27FC236}">
+                <a16:creationId xmlns:a16="http://schemas.microsoft.com/office/drawing/2014/main" id="{2188782E-44BF-062E-224B-C021A5C826FC}"/>
+              </a:ext>
+            </a:extLst>
+          </p:cNvPr>
+          <p:cNvSpPr txBox="1"/>
+          <p:nvPr/>
+        </p:nvSpPr>
+        <p:spPr>
+          <a:xfrm>
+            <a:off x="515938" y="1632159"/>
+            <a:ext cx="7130544" cy="4895186"/>
+          </a:xfrm>
+          <a:prstGeom prst="rect">
+            <a:avLst/>
+          </a:prstGeom>
+          <a:noFill/>
+        </p:spPr>
+        <p:txBody>
+          <a:bodyPr wrap="square" rtlCol="0">
+            <a:spAutoFit/>
+          </a:bodyPr>
+          <a:lstStyle/>
+          <a:p>
+            <a:pPr marL="285750" indent="-285750">
+              <a:lnSpc>
+                <a:spcPct val="150000"/>
+              </a:lnSpc>
+              <a:buFont typeface="Arial" panose="020B0604020202020204" pitchFamily="34" charset="0"/>
+              <a:buChar char="•"/>
+            </a:pPr>
+            <a:r>
+              <a:rPr lang="en-US" altLang="ko-KR" sz="1500" dirty="0"/>
+              <a:t>Representation learning</a:t>
+            </a:r>
+            <a:r>
+              <a:rPr lang="ko-KR" altLang="en-US" sz="1500" dirty="0"/>
+              <a:t>을 수행하기 위한 하나의 방법</a:t>
+            </a:r>
+            <a:endParaRPr lang="en-US" altLang="ko-KR" sz="1500" dirty="0"/>
+          </a:p>
+          <a:p>
+            <a:pPr marL="285750" indent="-285750">
+              <a:lnSpc>
+                <a:spcPct val="150000"/>
+              </a:lnSpc>
+              <a:buFont typeface="Arial" panose="020B0604020202020204" pitchFamily="34" charset="0"/>
+              <a:buChar char="•"/>
+            </a:pPr>
+            <a:r>
+              <a:rPr lang="en-US" altLang="ko-KR" sz="1500" b="1" dirty="0"/>
+              <a:t>Self-supervised learning</a:t>
+            </a:r>
+            <a:r>
+              <a:rPr lang="ko-KR" altLang="en-US" sz="1500" dirty="0"/>
+              <a:t>에</a:t>
+            </a:r>
+            <a:r>
+              <a:rPr lang="en-US" altLang="ko-KR" sz="1500" dirty="0"/>
+              <a:t> </a:t>
+            </a:r>
+            <a:r>
+              <a:rPr lang="ko-KR" altLang="en-US" sz="1500" dirty="0"/>
+              <a:t>사용되는 접근법 중 하나</a:t>
+            </a:r>
+            <a:endParaRPr lang="en-US" altLang="ko-KR" sz="1500" dirty="0"/>
+          </a:p>
+          <a:p>
+            <a:pPr marL="285750" indent="-285750">
+              <a:lnSpc>
+                <a:spcPct val="150000"/>
+              </a:lnSpc>
+              <a:buFont typeface="Symbol" panose="05050102010706020507" pitchFamily="18" charset="2"/>
+              <a:buChar char="Þ"/>
+            </a:pPr>
+            <a:r>
+              <a:rPr lang="ko-KR" altLang="en-US" sz="1500" dirty="0"/>
+              <a:t>입력 샘플 간의 </a:t>
+            </a:r>
+            <a:r>
+              <a:rPr lang="ko-KR" altLang="en-US" sz="1500" b="1" dirty="0"/>
+              <a:t>비교</a:t>
+            </a:r>
+            <a:r>
+              <a:rPr lang="ko-KR" altLang="en-US" sz="1500" dirty="0"/>
+              <a:t>를 통해 학습을 하는 것</a:t>
+            </a:r>
+            <a:endParaRPr lang="en-US" altLang="ko-KR" sz="1500" dirty="0"/>
+          </a:p>
+          <a:p>
+            <a:pPr marL="742950" lvl="1" indent="-285750">
+              <a:lnSpc>
+                <a:spcPct val="150000"/>
+              </a:lnSpc>
+              <a:buFont typeface="Arial" panose="020B0604020202020204" pitchFamily="34" charset="0"/>
+              <a:buChar char="•"/>
+            </a:pPr>
+            <a:r>
+              <a:rPr lang="en-US" altLang="ko-KR" sz="1500" dirty="0"/>
+              <a:t>Positive pair</a:t>
+            </a:r>
+            <a:r>
+              <a:rPr lang="ko-KR" altLang="en-US" sz="1500" dirty="0"/>
+              <a:t>와 </a:t>
+            </a:r>
+            <a:r>
+              <a:rPr lang="en-US" altLang="ko-KR" sz="1500" dirty="0"/>
+              <a:t>Negative pair</a:t>
+            </a:r>
+            <a:r>
+              <a:rPr lang="ko-KR" altLang="en-US" sz="1500" dirty="0"/>
+              <a:t>로 구성</a:t>
+            </a:r>
+            <a:endParaRPr lang="en-US" altLang="ko-KR" sz="1500" dirty="0"/>
+          </a:p>
+          <a:p>
+            <a:pPr marL="742950" lvl="1" indent="-285750">
+              <a:lnSpc>
+                <a:spcPct val="150000"/>
+              </a:lnSpc>
+              <a:buFont typeface="Arial" panose="020B0604020202020204" pitchFamily="34" charset="0"/>
+              <a:buChar char="•"/>
+            </a:pPr>
+            <a:r>
+              <a:rPr lang="en-US" altLang="ko-KR" sz="1500" dirty="0"/>
+              <a:t>Positive pair - </a:t>
+            </a:r>
+            <a:r>
+              <a:rPr lang="ko-KR" altLang="en-US" sz="1500" dirty="0"/>
+              <a:t>거리를 좁히고</a:t>
+            </a:r>
+            <a:r>
+              <a:rPr lang="en-US" altLang="ko-KR" sz="1500" dirty="0"/>
+              <a:t>, Negative pair -</a:t>
+            </a:r>
+            <a:r>
+              <a:rPr lang="ko-KR" altLang="en-US" sz="1500" dirty="0"/>
+              <a:t> 거리를 멀리 띄워 놓는 것</a:t>
+            </a:r>
+            <a:endParaRPr lang="en-US" altLang="ko-KR" sz="1500" dirty="0"/>
+          </a:p>
+          <a:p>
+            <a:pPr marL="742950" lvl="1" indent="-285750">
+              <a:lnSpc>
+                <a:spcPct val="150000"/>
+              </a:lnSpc>
+              <a:buFont typeface="Arial" panose="020B0604020202020204" pitchFamily="34" charset="0"/>
+              <a:buChar char="•"/>
+            </a:pPr>
+            <a:r>
+              <a:rPr lang="ko-KR" altLang="en-US" sz="1500" dirty="0"/>
+              <a:t>학습된 표현공간 상에서 </a:t>
+            </a:r>
+            <a:r>
+              <a:rPr lang="en-US" altLang="ko-KR" sz="1500" dirty="0">
+                <a:solidFill>
+                  <a:srgbClr val="5C5CD6"/>
+                </a:solidFill>
+              </a:rPr>
+              <a:t>“</a:t>
+            </a:r>
+            <a:r>
+              <a:rPr lang="ko-KR" altLang="en-US" sz="1500" dirty="0">
+                <a:solidFill>
+                  <a:srgbClr val="5C5CD6"/>
+                </a:solidFill>
+              </a:rPr>
+              <a:t>비슷한</a:t>
+            </a:r>
+            <a:r>
+              <a:rPr lang="en-US" altLang="ko-KR" sz="1500" dirty="0">
+                <a:solidFill>
+                  <a:srgbClr val="5C5CD6"/>
+                </a:solidFill>
+              </a:rPr>
+              <a:t>” </a:t>
+            </a:r>
+            <a:r>
+              <a:rPr lang="ko-KR" altLang="en-US" sz="1500" dirty="0">
+                <a:solidFill>
+                  <a:srgbClr val="5C5CD6"/>
+                </a:solidFill>
+              </a:rPr>
+              <a:t>데이터를 가깝게</a:t>
+            </a:r>
+            <a:r>
+              <a:rPr lang="en-US" altLang="ko-KR" sz="1500" dirty="0"/>
+              <a:t>, </a:t>
+            </a:r>
+            <a:br>
+              <a:rPr lang="en-US" altLang="ko-KR" sz="1500" dirty="0"/>
+            </a:br>
+            <a:r>
+              <a:rPr lang="en-US" altLang="ko-KR" sz="1500" dirty="0">
+                <a:solidFill>
+                  <a:srgbClr val="FF7575"/>
+                </a:solidFill>
+              </a:rPr>
+              <a:t>“</a:t>
+            </a:r>
+            <a:r>
+              <a:rPr lang="ko-KR" altLang="en-US" sz="1500" dirty="0">
+                <a:solidFill>
+                  <a:srgbClr val="FF7575"/>
+                </a:solidFill>
+              </a:rPr>
+              <a:t>다른</a:t>
+            </a:r>
+            <a:r>
+              <a:rPr lang="en-US" altLang="ko-KR" sz="1500" dirty="0">
+                <a:solidFill>
+                  <a:srgbClr val="FF7575"/>
+                </a:solidFill>
+              </a:rPr>
+              <a:t>” </a:t>
+            </a:r>
+            <a:r>
+              <a:rPr lang="ko-KR" altLang="en-US" sz="1500" dirty="0">
+                <a:solidFill>
+                  <a:srgbClr val="FF7575"/>
+                </a:solidFill>
+              </a:rPr>
+              <a:t>데이터는 멀게 </a:t>
+            </a:r>
+            <a:r>
+              <a:rPr lang="ko-KR" altLang="en-US" sz="1500" dirty="0"/>
+              <a:t>존재하도록 표현 공간을 학습</a:t>
+            </a:r>
+            <a:endParaRPr lang="en-US" altLang="ko-KR" sz="1500" dirty="0"/>
+          </a:p>
+          <a:p>
+            <a:pPr marL="285750" indent="-285750">
+              <a:lnSpc>
+                <a:spcPct val="150000"/>
+              </a:lnSpc>
+              <a:buFont typeface="Arial" panose="020B0604020202020204" pitchFamily="34" charset="0"/>
+              <a:buChar char="•"/>
+            </a:pPr>
+            <a:r>
+              <a:rPr lang="ko-KR" altLang="en-US" sz="1500" dirty="0"/>
+              <a:t>장점 </a:t>
+            </a:r>
+            <a:r>
+              <a:rPr lang="en-US" altLang="ko-KR" sz="1500" dirty="0"/>
+              <a:t>: </a:t>
+            </a:r>
+            <a:r>
+              <a:rPr lang="ko-KR" altLang="en-US" sz="1500" dirty="0"/>
+              <a:t>데이터 구축비용이 들지 않고</a:t>
+            </a:r>
+            <a:r>
+              <a:rPr lang="en-US" altLang="ko-KR" sz="1500" dirty="0"/>
+              <a:t>, </a:t>
+            </a:r>
+            <a:r>
+              <a:rPr lang="ko-KR" altLang="en-US" sz="1500" dirty="0"/>
+              <a:t>학습과정에서 보다 용이함</a:t>
+            </a:r>
+            <a:endParaRPr lang="en-US" altLang="ko-KR" sz="1500" dirty="0"/>
+          </a:p>
+          <a:p>
+            <a:pPr marL="742950" lvl="1" indent="-285750">
+              <a:lnSpc>
+                <a:spcPct val="150000"/>
+              </a:lnSpc>
+              <a:buFont typeface="Arial" panose="020B0604020202020204" pitchFamily="34" charset="0"/>
+              <a:buChar char="•"/>
+            </a:pPr>
+            <a:r>
+              <a:rPr lang="en-US" altLang="ko-KR" sz="1500" b="1" dirty="0"/>
+              <a:t>Label</a:t>
+            </a:r>
+            <a:r>
+              <a:rPr lang="ko-KR" altLang="en-US" sz="1500" b="1" dirty="0"/>
+              <a:t>이 없는 데이터 사용 </a:t>
+            </a:r>
+            <a:r>
+              <a:rPr lang="en-US" altLang="ko-KR" sz="1500" dirty="0"/>
+              <a:t>-&gt; </a:t>
+            </a:r>
+            <a:r>
+              <a:rPr lang="ko-KR" altLang="en-US" sz="1500" dirty="0"/>
+              <a:t>보다 일반적인 </a:t>
+            </a:r>
+            <a:r>
+              <a:rPr lang="en-US" altLang="ko-KR" sz="1500" dirty="0"/>
+              <a:t>feature representation, </a:t>
+            </a:r>
+            <a:br>
+              <a:rPr lang="en-US" altLang="ko-KR" sz="1500" dirty="0"/>
+            </a:br>
+            <a:r>
+              <a:rPr lang="ko-KR" altLang="en-US" sz="1500" dirty="0"/>
+              <a:t>새로운 </a:t>
+            </a:r>
+            <a:r>
+              <a:rPr lang="en-US" altLang="ko-KR" sz="1500" dirty="0"/>
+              <a:t>class</a:t>
+            </a:r>
+            <a:r>
+              <a:rPr lang="ko-KR" altLang="en-US" sz="1500" dirty="0"/>
+              <a:t>가 들어와도 대응이 가능</a:t>
+            </a:r>
+            <a:r>
+              <a:rPr lang="en-US" altLang="ko-KR" sz="1500" dirty="0"/>
+              <a:t> </a:t>
+            </a:r>
+          </a:p>
+          <a:p>
+            <a:pPr marL="285750" indent="-285750">
+              <a:lnSpc>
+                <a:spcPct val="150000"/>
+              </a:lnSpc>
+              <a:buFont typeface="Arial" panose="020B0604020202020204" pitchFamily="34" charset="0"/>
+              <a:buChar char="•"/>
+            </a:pPr>
+            <a:r>
+              <a:rPr lang="ko-KR" altLang="en-US" sz="1500" dirty="0"/>
+              <a:t>이후</a:t>
+            </a:r>
+            <a:r>
+              <a:rPr lang="en-US" altLang="ko-KR" sz="1500" dirty="0"/>
+              <a:t>, classification </a:t>
+            </a:r>
+            <a:r>
+              <a:rPr lang="ko-KR" altLang="en-US" sz="1500" dirty="0"/>
+              <a:t>등 다양한 </a:t>
+            </a:r>
+            <a:r>
+              <a:rPr lang="en-US" altLang="ko-KR" sz="1500" dirty="0"/>
+              <a:t>downstream task</a:t>
+            </a:r>
+            <a:r>
+              <a:rPr lang="ko-KR" altLang="en-US" sz="1500" dirty="0"/>
+              <a:t>에 대해서 네트워크를 </a:t>
+            </a:r>
+            <a:r>
+              <a:rPr lang="en-US" altLang="ko-KR" sz="1500" dirty="0"/>
+              <a:t>fine-tuning </a:t>
+            </a:r>
+            <a:r>
+              <a:rPr lang="ko-KR" altLang="en-US" sz="1500" dirty="0"/>
+              <a:t>시키는 방향으로 활용</a:t>
+            </a:r>
+            <a:endParaRPr lang="en-US" altLang="ko-KR" sz="1500" dirty="0"/>
+          </a:p>
+          <a:p>
+            <a:pPr marL="742950" lvl="1" indent="-285750">
+              <a:lnSpc>
+                <a:spcPct val="150000"/>
+              </a:lnSpc>
+              <a:buFont typeface="Arial" panose="020B0604020202020204" pitchFamily="34" charset="0"/>
+              <a:buChar char="•"/>
+            </a:pPr>
+            <a:r>
+              <a:rPr lang="ko-KR" altLang="en-US" sz="1500" dirty="0"/>
+              <a:t>다른 </a:t>
+            </a:r>
+            <a:r>
+              <a:rPr lang="en-US" altLang="ko-KR" sz="1500" dirty="0"/>
+              <a:t>task</a:t>
+            </a:r>
+            <a:r>
+              <a:rPr lang="ko-KR" altLang="en-US" sz="1500" dirty="0"/>
+              <a:t>로 </a:t>
+            </a:r>
+            <a:r>
+              <a:rPr lang="en-US" altLang="ko-KR" sz="1500" dirty="0"/>
+              <a:t>fine-tuning</a:t>
+            </a:r>
+            <a:r>
+              <a:rPr lang="ko-KR" altLang="en-US" sz="1500" dirty="0"/>
+              <a:t>을 수행할 때에 모델 구조 수정없이 이루어질 수 있다는 점에서 훨씬 간편함</a:t>
+            </a:r>
+            <a:endParaRPr lang="en-US" altLang="ko-KR" sz="1500" dirty="0"/>
+          </a:p>
+        </p:txBody>
+      </p:sp>
+      <p:sp>
+        <p:nvSpPr>
+          <p:cNvPr id="11" name="TextBox 10">
+            <a:extLst>
+              <a:ext uri="{FF2B5EF4-FFF2-40B4-BE49-F238E27FC236}">
+                <a16:creationId xmlns:a16="http://schemas.microsoft.com/office/drawing/2014/main" id="{692A49CF-82F5-E5ED-BD24-87952A03F3BF}"/>
+              </a:ext>
+            </a:extLst>
+          </p:cNvPr>
+          <p:cNvSpPr txBox="1"/>
+          <p:nvPr/>
+        </p:nvSpPr>
+        <p:spPr>
+          <a:xfrm>
+            <a:off x="10135701" y="6455752"/>
+            <a:ext cx="2056299" cy="246221"/>
+          </a:xfrm>
+          <a:prstGeom prst="rect">
+            <a:avLst/>
+          </a:prstGeom>
+          <a:noFill/>
+        </p:spPr>
+        <p:txBody>
+          <a:bodyPr wrap="square">
+            <a:spAutoFit/>
+          </a:bodyPr>
+          <a:lstStyle/>
+          <a:p>
+            <a:pPr algn="r"/>
+            <a:r>
+              <a:rPr lang="ko-KR" altLang="en-US" sz="1000" dirty="0">
+                <a:solidFill>
+                  <a:schemeClr val="bg1">
+                    <a:lumMod val="65000"/>
+                  </a:schemeClr>
+                </a:solidFill>
+              </a:rPr>
+              <a:t>https://daebaq27.tistory.com/97</a:t>
+            </a:r>
+          </a:p>
+        </p:txBody>
+      </p:sp>
+      <p:sp>
+        <p:nvSpPr>
+          <p:cNvPr id="15" name="TextBox 14">
+            <a:extLst>
+              <a:ext uri="{FF2B5EF4-FFF2-40B4-BE49-F238E27FC236}">
+                <a16:creationId xmlns:a16="http://schemas.microsoft.com/office/drawing/2014/main" id="{6DC795D6-09CE-978F-EC2A-5C9177EF5518}"/>
+              </a:ext>
+            </a:extLst>
+          </p:cNvPr>
+          <p:cNvSpPr txBox="1"/>
+          <p:nvPr/>
+        </p:nvSpPr>
+        <p:spPr>
+          <a:xfrm>
+            <a:off x="515938" y="1166437"/>
+            <a:ext cx="3412635" cy="454292"/>
+          </a:xfrm>
+          <a:prstGeom prst="rect">
+            <a:avLst/>
+          </a:prstGeom>
+          <a:noFill/>
+        </p:spPr>
+        <p:txBody>
+          <a:bodyPr wrap="square">
+            <a:spAutoFit/>
+          </a:bodyPr>
+          <a:lstStyle/>
+          <a:p>
+            <a:pPr marL="285750" indent="-285750">
+              <a:lnSpc>
+                <a:spcPct val="150000"/>
+              </a:lnSpc>
+              <a:buFont typeface="Wingdings" panose="05000000000000000000" pitchFamily="2" charset="2"/>
+              <a:buChar char="v"/>
+            </a:pPr>
+            <a:r>
+              <a:rPr lang="en-US" altLang="ko-KR" b="1" dirty="0"/>
+              <a:t>Contrastive Learning</a:t>
+            </a:r>
+          </a:p>
+        </p:txBody>
+      </p:sp>
+      <p:pic>
+        <p:nvPicPr>
+          <p:cNvPr id="17" name="Picture 2">
+            <a:extLst>
+              <a:ext uri="{FF2B5EF4-FFF2-40B4-BE49-F238E27FC236}">
+                <a16:creationId xmlns:a16="http://schemas.microsoft.com/office/drawing/2014/main" id="{664990BE-BE18-F3E0-E881-4B144DE1D668}"/>
+              </a:ext>
+            </a:extLst>
+          </p:cNvPr>
+          <p:cNvPicPr>
+            <a:picLocks noChangeAspect="1" noChangeArrowheads="1"/>
+          </p:cNvPicPr>
+          <p:nvPr/>
+        </p:nvPicPr>
+        <p:blipFill>
+          <a:blip r:embed="rId3">
+            <a:extLst>
+              <a:ext uri="{28A0092B-C50C-407E-A947-70E740481C1C}">
+                <a14:useLocalDpi xmlns:a14="http://schemas.microsoft.com/office/drawing/2010/main" val="0"/>
+              </a:ext>
+            </a:extLst>
+          </a:blip>
+          <a:srcRect/>
+          <a:stretch>
+            <a:fillRect/>
+          </a:stretch>
+        </p:blipFill>
+        <p:spPr bwMode="auto">
+          <a:xfrm>
+            <a:off x="7667018" y="678776"/>
+            <a:ext cx="4235051" cy="2357420"/>
+          </a:xfrm>
+          <a:prstGeom prst="rect">
+            <a:avLst/>
+          </a:prstGeom>
+          <a:noFill/>
+          <a:extLst>
+            <a:ext uri="{909E8E84-426E-40DD-AFC4-6F175D3DCCD1}">
+              <a14:hiddenFill xmlns:a14="http://schemas.microsoft.com/office/drawing/2010/main">
+                <a:solidFill>
+                  <a:srgbClr val="FFFFFF"/>
+                </a:solidFill>
+              </a14:hiddenFill>
+            </a:ext>
+          </a:extLst>
+        </p:spPr>
+      </p:pic>
+      <p:pic>
+        <p:nvPicPr>
+          <p:cNvPr id="18" name="Picture 2">
+            <a:extLst>
+              <a:ext uri="{FF2B5EF4-FFF2-40B4-BE49-F238E27FC236}">
+                <a16:creationId xmlns:a16="http://schemas.microsoft.com/office/drawing/2014/main" id="{F1B2036E-F098-0577-2822-E85506392335}"/>
+              </a:ext>
+            </a:extLst>
+          </p:cNvPr>
+          <p:cNvPicPr>
+            <a:picLocks noChangeAspect="1" noChangeArrowheads="1"/>
+          </p:cNvPicPr>
+          <p:nvPr/>
+        </p:nvPicPr>
+        <p:blipFill>
+          <a:blip r:embed="rId4">
+            <a:extLst>
+              <a:ext uri="{28A0092B-C50C-407E-A947-70E740481C1C}">
+                <a14:useLocalDpi xmlns:a14="http://schemas.microsoft.com/office/drawing/2010/main" val="0"/>
+              </a:ext>
+            </a:extLst>
+          </a:blip>
+          <a:srcRect/>
+          <a:stretch>
+            <a:fillRect/>
+          </a:stretch>
+        </p:blipFill>
+        <p:spPr bwMode="auto">
+          <a:xfrm>
+            <a:off x="7691193" y="3210182"/>
+            <a:ext cx="3941212" cy="2999346"/>
+          </a:xfrm>
+          <a:prstGeom prst="rect">
+            <a:avLst/>
+          </a:prstGeom>
+          <a:noFill/>
+          <a:extLst>
+            <a:ext uri="{909E8E84-426E-40DD-AFC4-6F175D3DCCD1}">
+              <a14:hiddenFill xmlns:a14="http://schemas.microsoft.com/office/drawing/2010/main">
+                <a:solidFill>
+                  <a:srgbClr val="FFFFFF"/>
+                </a:solidFill>
+              </a14:hiddenFill>
+            </a:ext>
+          </a:extLst>
+        </p:spPr>
+      </p:pic>
+      <p:sp>
+        <p:nvSpPr>
+          <p:cNvPr id="19" name="TextBox 18">
+            <a:extLst>
+              <a:ext uri="{FF2B5EF4-FFF2-40B4-BE49-F238E27FC236}">
+                <a16:creationId xmlns:a16="http://schemas.microsoft.com/office/drawing/2014/main" id="{D4ED7685-AA9C-08AA-228F-73ED4C10EB57}"/>
+              </a:ext>
+            </a:extLst>
+          </p:cNvPr>
+          <p:cNvSpPr txBox="1"/>
+          <p:nvPr/>
+        </p:nvSpPr>
+        <p:spPr>
+          <a:xfrm>
+            <a:off x="7811145" y="6055639"/>
+            <a:ext cx="2980526" cy="307777"/>
+          </a:xfrm>
+          <a:prstGeom prst="rect">
+            <a:avLst/>
+          </a:prstGeom>
+          <a:noFill/>
+        </p:spPr>
+        <p:txBody>
+          <a:bodyPr wrap="square" rtlCol="0">
+            <a:spAutoFit/>
+          </a:bodyPr>
+          <a:lstStyle/>
+          <a:p>
+            <a:r>
+              <a:rPr lang="en-US" altLang="ko-KR" sz="1400" dirty="0">
+                <a:solidFill>
+                  <a:schemeClr val="bg1">
+                    <a:lumMod val="50000"/>
+                  </a:schemeClr>
+                </a:solidFill>
+              </a:rPr>
+              <a:t>&gt; Pretext task </a:t>
+            </a:r>
+            <a:r>
+              <a:rPr lang="ko-KR" altLang="en-US" sz="1400" dirty="0">
+                <a:solidFill>
+                  <a:schemeClr val="bg1">
+                    <a:lumMod val="50000"/>
+                  </a:schemeClr>
+                </a:solidFill>
+              </a:rPr>
+              <a:t>사용 학습</a:t>
+            </a:r>
+          </a:p>
+        </p:txBody>
+      </p:sp>
+      <p:sp>
+        <p:nvSpPr>
+          <p:cNvPr id="20" name="TextBox 19">
+            <a:extLst>
+              <a:ext uri="{FF2B5EF4-FFF2-40B4-BE49-F238E27FC236}">
+                <a16:creationId xmlns:a16="http://schemas.microsoft.com/office/drawing/2014/main" id="{61F044A9-CBE9-58B6-C6E5-267D70176858}"/>
+              </a:ext>
+            </a:extLst>
+          </p:cNvPr>
+          <p:cNvSpPr txBox="1"/>
+          <p:nvPr/>
+        </p:nvSpPr>
+        <p:spPr>
+          <a:xfrm>
+            <a:off x="5456153" y="6622693"/>
+            <a:ext cx="6735847" cy="246221"/>
+          </a:xfrm>
+          <a:prstGeom prst="rect">
+            <a:avLst/>
+          </a:prstGeom>
+          <a:noFill/>
+        </p:spPr>
+        <p:txBody>
+          <a:bodyPr wrap="square">
+            <a:spAutoFit/>
+          </a:bodyPr>
+          <a:lstStyle/>
+          <a:p>
+            <a:pPr algn="r"/>
+            <a:r>
+              <a:rPr lang="en-US" altLang="ko-KR" sz="1000" dirty="0">
+                <a:solidFill>
+                  <a:schemeClr val="bg1">
+                    <a:lumMod val="65000"/>
+                  </a:schemeClr>
+                </a:solidFill>
+              </a:rPr>
+              <a:t>https://velog.io/@jhlee508/</a:t>
+            </a:r>
+            <a:r>
+              <a:rPr lang="ko-KR" altLang="en-US" sz="1000" dirty="0">
+                <a:solidFill>
+                  <a:schemeClr val="bg1">
+                    <a:lumMod val="65000"/>
+                  </a:schemeClr>
+                </a:solidFill>
+              </a:rPr>
+              <a:t>논문</a:t>
+            </a:r>
+            <a:r>
+              <a:rPr lang="en-US" altLang="ko-KR" sz="1000" dirty="0">
+                <a:solidFill>
+                  <a:schemeClr val="bg1">
+                    <a:lumMod val="65000"/>
+                  </a:schemeClr>
+                </a:solidFill>
+              </a:rPr>
+              <a:t>-</a:t>
+            </a:r>
+            <a:r>
+              <a:rPr lang="ko-KR" altLang="en-US" sz="1000" dirty="0">
+                <a:solidFill>
+                  <a:schemeClr val="bg1">
+                    <a:lumMod val="65000"/>
+                  </a:schemeClr>
+                </a:solidFill>
+              </a:rPr>
+              <a:t>정리</a:t>
+            </a:r>
+            <a:r>
+              <a:rPr lang="en-US" altLang="ko-KR" sz="1000" dirty="0">
+                <a:solidFill>
+                  <a:schemeClr val="bg1">
+                    <a:lumMod val="65000"/>
+                  </a:schemeClr>
+                </a:solidFill>
+              </a:rPr>
+              <a:t>-A-Simple-Framework-for-Contrastive-Learning-of-Visual-Representations</a:t>
+            </a:r>
+          </a:p>
+        </p:txBody>
+      </p:sp>
+    </p:spTree>
+    <p:extLst>
+      <p:ext uri="{BB962C8B-B14F-4D97-AF65-F5344CB8AC3E}">
+        <p14:creationId xmlns:p14="http://schemas.microsoft.com/office/powerpoint/2010/main" val="3227677691"/>
+      </p:ext>
+    </p:extLst>
+  </p:cSld>
+  <p:clrMapOvr>
+    <a:masterClrMapping/>
+  </p:clrMapOvr>
+</p:sld>
+</file>
+
+<file path=ppt/slides/slide5.xml><?xml version="1.0" encoding="utf-8"?>
+<p:sld xmlns:a="http://schemas.openxmlformats.org/drawingml/2006/main" xmlns:r="http://schemas.openxmlformats.org/officeDocument/2006/relationships" xmlns:p="http://schemas.openxmlformats.org/presentationml/2006/main">
+  <p:cSld>
+    <p:spTree>
+      <p:nvGrpSpPr>
+        <p:cNvPr id="1" name=""/>
+        <p:cNvGrpSpPr/>
+        <p:nvPr/>
+      </p:nvGrpSpPr>
+      <p:grpSpPr>
+        <a:xfrm>
+          <a:off x="0" y="0"/>
+          <a:ext cx="0" cy="0"/>
+          <a:chOff x="0" y="0"/>
+          <a:chExt cx="0" cy="0"/>
+        </a:xfrm>
+      </p:grpSpPr>
+      <p:sp>
+        <p:nvSpPr>
+          <p:cNvPr id="2" name="제목 1">
+            <a:extLst>
+              <a:ext uri="{FF2B5EF4-FFF2-40B4-BE49-F238E27FC236}">
+                <a16:creationId xmlns:a16="http://schemas.microsoft.com/office/drawing/2014/main" id="{5C386871-B092-6B43-A8DA-B84A6CCCC7F5}"/>
+              </a:ext>
+            </a:extLst>
+          </p:cNvPr>
+          <p:cNvSpPr>
+            <a:spLocks noGrp="1"/>
+          </p:cNvSpPr>
+          <p:nvPr>
+            <p:ph type="title"/>
+          </p:nvPr>
+        </p:nvSpPr>
+        <p:spPr>
+          <a:xfrm>
+            <a:off x="472541" y="401947"/>
+            <a:ext cx="3412635" cy="665876"/>
+          </a:xfrm>
+        </p:spPr>
+        <p:txBody>
+          <a:bodyPr>
+            <a:normAutofit/>
+          </a:bodyPr>
+          <a:lstStyle/>
+          <a:p>
+            <a:r>
+              <a:rPr lang="en-US" altLang="ko-KR" sz="2400" b="1" u="sng" dirty="0"/>
+              <a:t>1. Introduction</a:t>
+            </a:r>
+            <a:endParaRPr lang="ko-KR" altLang="en-US" sz="2400" b="1" u="sng" dirty="0"/>
+          </a:p>
+        </p:txBody>
+      </p:sp>
+      <p:sp>
+        <p:nvSpPr>
+          <p:cNvPr id="6" name="TextBox 5">
+            <a:extLst>
+              <a:ext uri="{FF2B5EF4-FFF2-40B4-BE49-F238E27FC236}">
+                <a16:creationId xmlns:a16="http://schemas.microsoft.com/office/drawing/2014/main" id="{2188782E-44BF-062E-224B-C021A5C826FC}"/>
+              </a:ext>
+            </a:extLst>
+          </p:cNvPr>
+          <p:cNvSpPr txBox="1"/>
+          <p:nvPr/>
+        </p:nvSpPr>
+        <p:spPr>
+          <a:xfrm>
+            <a:off x="515937" y="1312537"/>
+            <a:ext cx="6191989" cy="1983685"/>
+          </a:xfrm>
+          <a:prstGeom prst="rect">
+            <a:avLst/>
+          </a:prstGeom>
+          <a:noFill/>
+        </p:spPr>
+        <p:txBody>
+          <a:bodyPr wrap="square" rtlCol="0">
+            <a:spAutoFit/>
+          </a:bodyPr>
+          <a:lstStyle/>
+          <a:p>
+            <a:pPr marL="285750" indent="-285750">
+              <a:lnSpc>
+                <a:spcPct val="150000"/>
+              </a:lnSpc>
+              <a:buFont typeface="Wingdings" panose="05000000000000000000" pitchFamily="2" charset="2"/>
+              <a:buChar char="v"/>
+            </a:pPr>
+            <a:r>
+              <a:rPr lang="en-US" altLang="ko-KR" b="1" dirty="0"/>
+              <a:t>SimCLR -</a:t>
+            </a:r>
+            <a:r>
+              <a:rPr lang="en-US" altLang="ko-KR" dirty="0"/>
+              <a:t> a simple framework for </a:t>
+            </a:r>
+            <a:r>
+              <a:rPr lang="en-US" altLang="ko-KR" dirty="0">
+                <a:solidFill>
+                  <a:srgbClr val="5C5CD6"/>
+                </a:solidFill>
+              </a:rPr>
+              <a:t>contrastive learning </a:t>
+            </a:r>
+            <a:r>
+              <a:rPr lang="en-US" altLang="ko-KR" dirty="0"/>
+              <a:t>of visual representations</a:t>
+            </a:r>
+          </a:p>
+          <a:p>
+            <a:pPr marL="742950" lvl="1" indent="-285750">
+              <a:lnSpc>
+                <a:spcPct val="150000"/>
+              </a:lnSpc>
+              <a:buFont typeface="Arial" panose="020B0604020202020204" pitchFamily="34" charset="0"/>
+              <a:buChar char="•"/>
+            </a:pPr>
+            <a:r>
+              <a:rPr lang="en-US" altLang="ko-KR" sz="1600" dirty="0"/>
+              <a:t>Outperforms previous work</a:t>
+            </a:r>
+          </a:p>
+          <a:p>
+            <a:pPr marL="742950" lvl="1" indent="-285750">
+              <a:lnSpc>
+                <a:spcPct val="150000"/>
+              </a:lnSpc>
+              <a:buFont typeface="Arial" panose="020B0604020202020204" pitchFamily="34" charset="0"/>
+              <a:buChar char="•"/>
+            </a:pPr>
+            <a:r>
+              <a:rPr lang="en-US" altLang="ko-KR" sz="1600" dirty="0"/>
+              <a:t>Simpler, requiring neither specialized architectures nor a memory bank</a:t>
+            </a:r>
+          </a:p>
+        </p:txBody>
+      </p:sp>
+      <p:sp>
+        <p:nvSpPr>
+          <p:cNvPr id="9" name="TextBox 8">
+            <a:extLst>
+              <a:ext uri="{FF2B5EF4-FFF2-40B4-BE49-F238E27FC236}">
+                <a16:creationId xmlns:a16="http://schemas.microsoft.com/office/drawing/2014/main" id="{4E262F7D-1CD2-9678-413C-EB257F68A044}"/>
+              </a:ext>
+            </a:extLst>
+          </p:cNvPr>
+          <p:cNvSpPr txBox="1"/>
+          <p:nvPr/>
+        </p:nvSpPr>
+        <p:spPr>
+          <a:xfrm>
+            <a:off x="0" y="0"/>
+            <a:ext cx="10647544" cy="253916"/>
+          </a:xfrm>
+          <a:prstGeom prst="rect">
+            <a:avLst/>
+          </a:prstGeom>
+          <a:noFill/>
+        </p:spPr>
+        <p:txBody>
+          <a:bodyPr wrap="square" rtlCol="0">
+            <a:spAutoFit/>
+          </a:bodyPr>
+          <a:lstStyle/>
+          <a:p>
+            <a:r>
+              <a:rPr lang="en-US" altLang="ko-KR" sz="1050" b="0" i="0" dirty="0">
+                <a:solidFill>
+                  <a:schemeClr val="bg1">
+                    <a:lumMod val="65000"/>
+                  </a:schemeClr>
+                </a:solidFill>
+                <a:effectLst/>
+                <a:latin typeface="Arial" panose="020B0604020202020204" pitchFamily="34" charset="0"/>
+              </a:rPr>
+              <a:t>Chen, Ting, et al. "A simple framework for contrastive learning of visual representations." International conference on machine learning. PMLR, 2020.</a:t>
+            </a:r>
+          </a:p>
+        </p:txBody>
+      </p:sp>
+      <p:sp>
+        <p:nvSpPr>
+          <p:cNvPr id="11" name="TextBox 10">
+            <a:extLst>
+              <a:ext uri="{FF2B5EF4-FFF2-40B4-BE49-F238E27FC236}">
+                <a16:creationId xmlns:a16="http://schemas.microsoft.com/office/drawing/2014/main" id="{5481EF30-FFA6-F378-2E64-2114E0FFA5EF}"/>
+              </a:ext>
+            </a:extLst>
+          </p:cNvPr>
+          <p:cNvSpPr txBox="1"/>
+          <p:nvPr/>
+        </p:nvSpPr>
+        <p:spPr>
+          <a:xfrm>
+            <a:off x="515938" y="3400347"/>
+            <a:ext cx="6191989" cy="2962414"/>
+          </a:xfrm>
+          <a:prstGeom prst="rect">
+            <a:avLst/>
+          </a:prstGeom>
+          <a:noFill/>
+        </p:spPr>
+        <p:txBody>
+          <a:bodyPr wrap="square">
+            <a:spAutoFit/>
+          </a:bodyPr>
+          <a:lstStyle/>
+          <a:p>
+            <a:pPr marL="285750" indent="-285750">
+              <a:lnSpc>
+                <a:spcPct val="170000"/>
+              </a:lnSpc>
+              <a:buFont typeface="Wingdings" panose="05000000000000000000" pitchFamily="2" charset="2"/>
+              <a:buChar char="§"/>
+            </a:pPr>
+            <a:r>
+              <a:rPr lang="en-US" altLang="ko-KR" sz="1600" dirty="0"/>
+              <a:t>Major components</a:t>
+            </a:r>
+          </a:p>
+          <a:p>
+            <a:pPr marL="800100" lvl="1" indent="-342900">
+              <a:lnSpc>
+                <a:spcPct val="170000"/>
+              </a:lnSpc>
+              <a:buAutoNum type="arabicPeriod"/>
+            </a:pPr>
+            <a:r>
+              <a:rPr lang="ko-KR" altLang="en-US" sz="1600" dirty="0"/>
+              <a:t>간단한 몇 개의 </a:t>
+            </a:r>
+            <a:r>
+              <a:rPr lang="en-US" altLang="ko-KR" sz="1600" dirty="0"/>
+              <a:t>data augmentation composition(</a:t>
+            </a:r>
+            <a:r>
+              <a:rPr lang="ko-KR" altLang="en-US" sz="1600" dirty="0"/>
+              <a:t>조합</a:t>
+            </a:r>
+            <a:r>
+              <a:rPr lang="en-US" altLang="ko-KR" sz="1600" dirty="0"/>
+              <a:t>)</a:t>
+            </a:r>
+            <a:r>
+              <a:rPr lang="ko-KR" altLang="en-US" sz="1600" dirty="0"/>
+              <a:t>이 </a:t>
+            </a:r>
+            <a:r>
+              <a:rPr lang="en-US" altLang="ko-KR" sz="1600" dirty="0"/>
+              <a:t>SimCLR </a:t>
+            </a:r>
+            <a:r>
+              <a:rPr lang="ko-KR" altLang="en-US" sz="1600" dirty="0"/>
+              <a:t>구조에서 중요한 역할을 한다</a:t>
+            </a:r>
+            <a:r>
+              <a:rPr lang="en-US" altLang="ko-KR" sz="1600" dirty="0"/>
+              <a:t>.</a:t>
+            </a:r>
+          </a:p>
+          <a:p>
+            <a:pPr marL="800100" lvl="1" indent="-342900">
+              <a:lnSpc>
+                <a:spcPct val="170000"/>
+              </a:lnSpc>
+              <a:buAutoNum type="arabicPeriod"/>
+            </a:pPr>
+            <a:r>
+              <a:rPr lang="en-US" altLang="ko-KR" sz="1600" dirty="0"/>
+              <a:t>Representation</a:t>
+            </a:r>
+            <a:r>
+              <a:rPr lang="ko-KR" altLang="en-US" sz="1600" dirty="0"/>
+              <a:t>과 </a:t>
+            </a:r>
+            <a:r>
+              <a:rPr lang="en-US" altLang="ko-KR" sz="1600" dirty="0"/>
+              <a:t>Contrastive loss </a:t>
+            </a:r>
+            <a:r>
+              <a:rPr lang="ko-KR" altLang="en-US" sz="1600" dirty="0"/>
+              <a:t>사이의 </a:t>
+            </a:r>
+            <a:r>
+              <a:rPr lang="en-US" altLang="ko-KR" sz="1600" dirty="0">
+                <a:solidFill>
+                  <a:srgbClr val="FF7575"/>
+                </a:solidFill>
+              </a:rPr>
+              <a:t>non-linear transformation</a:t>
+            </a:r>
+            <a:r>
+              <a:rPr lang="ko-KR" altLang="en-US" sz="1600" dirty="0"/>
+              <a:t>이 </a:t>
+            </a:r>
+            <a:r>
+              <a:rPr lang="en-US" altLang="ko-KR" sz="1600" dirty="0"/>
+              <a:t>representation </a:t>
+            </a:r>
+            <a:r>
+              <a:rPr lang="ko-KR" altLang="en-US" sz="1600" dirty="0"/>
+              <a:t>성능을 향상시킨다</a:t>
+            </a:r>
+            <a:r>
+              <a:rPr lang="en-US" altLang="ko-KR" sz="1600" dirty="0"/>
+              <a:t>.</a:t>
+            </a:r>
+          </a:p>
+          <a:p>
+            <a:pPr marL="800100" lvl="1" indent="-342900">
+              <a:lnSpc>
+                <a:spcPct val="170000"/>
+              </a:lnSpc>
+              <a:buAutoNum type="arabicPeriod"/>
+            </a:pPr>
+            <a:r>
+              <a:rPr lang="en-US" altLang="ko-KR" sz="1600" dirty="0"/>
+              <a:t>Contrastive learning</a:t>
+            </a:r>
+            <a:r>
+              <a:rPr lang="ko-KR" altLang="en-US" sz="1600" dirty="0"/>
+              <a:t>은 </a:t>
+            </a:r>
+            <a:r>
+              <a:rPr lang="en-US" altLang="ko-KR" sz="1600" dirty="0"/>
+              <a:t>batch size</a:t>
+            </a:r>
+            <a:r>
+              <a:rPr lang="ko-KR" altLang="en-US" sz="1600" dirty="0"/>
+              <a:t>와 </a:t>
+            </a:r>
+            <a:r>
+              <a:rPr lang="en-US" altLang="ko-KR" sz="1600" dirty="0"/>
+              <a:t>training step</a:t>
+            </a:r>
+            <a:r>
+              <a:rPr lang="ko-KR" altLang="en-US" sz="1600" dirty="0"/>
+              <a:t>이 클 때 효과적이다</a:t>
+            </a:r>
+            <a:r>
+              <a:rPr lang="en-US" altLang="ko-KR" sz="1600" dirty="0"/>
+              <a:t>.</a:t>
+            </a:r>
+          </a:p>
+        </p:txBody>
+      </p:sp>
+      <p:sp>
+        <p:nvSpPr>
+          <p:cNvPr id="13" name="TextBox 12">
+            <a:extLst>
+              <a:ext uri="{FF2B5EF4-FFF2-40B4-BE49-F238E27FC236}">
+                <a16:creationId xmlns:a16="http://schemas.microsoft.com/office/drawing/2014/main" id="{05BC5614-7DFD-FAE5-2BEB-AF2F6A47D423}"/>
+              </a:ext>
+            </a:extLst>
+          </p:cNvPr>
+          <p:cNvSpPr txBox="1"/>
+          <p:nvPr/>
+        </p:nvSpPr>
+        <p:spPr>
+          <a:xfrm>
+            <a:off x="6952962" y="4881554"/>
+            <a:ext cx="5051386" cy="1075294"/>
+          </a:xfrm>
+          <a:prstGeom prst="rect">
+            <a:avLst/>
+          </a:prstGeom>
+          <a:noFill/>
+        </p:spPr>
+        <p:txBody>
+          <a:bodyPr wrap="square">
+            <a:spAutoFit/>
+          </a:bodyPr>
+          <a:lstStyle/>
+          <a:p>
+            <a:pPr marL="171450" indent="-171450">
+              <a:lnSpc>
+                <a:spcPct val="150000"/>
+              </a:lnSpc>
+              <a:buFont typeface="맑은 고딕" panose="020B0503020000020004" pitchFamily="50" charset="-127"/>
+              <a:buChar char="&gt;"/>
+            </a:pPr>
+            <a:r>
+              <a:rPr lang="en-US" altLang="ko-KR" sz="1100" dirty="0">
+                <a:solidFill>
+                  <a:schemeClr val="tx1">
+                    <a:lumMod val="50000"/>
+                    <a:lumOff val="50000"/>
+                  </a:schemeClr>
+                </a:solidFill>
+              </a:rPr>
+              <a:t>ImageNet Top-1 accuracy of linear classifiers trained on representations learned with different self-supervised methods (pretrained on ImageNet). Gray cross indicates supervised ResNet-50. Our method, SimCLR, is shown in bold. </a:t>
+            </a:r>
+          </a:p>
+        </p:txBody>
+      </p:sp>
+      <p:pic>
+        <p:nvPicPr>
+          <p:cNvPr id="14" name="그림 13">
+            <a:extLst>
+              <a:ext uri="{FF2B5EF4-FFF2-40B4-BE49-F238E27FC236}">
+                <a16:creationId xmlns:a16="http://schemas.microsoft.com/office/drawing/2014/main" id="{3550B59F-30E4-08DC-0645-D07F8750CACD}"/>
+              </a:ext>
+            </a:extLst>
+          </p:cNvPr>
+          <p:cNvPicPr>
+            <a:picLocks noChangeAspect="1"/>
+          </p:cNvPicPr>
+          <p:nvPr/>
+        </p:nvPicPr>
+        <p:blipFill>
+          <a:blip r:embed="rId3"/>
+          <a:stretch>
+            <a:fillRect/>
+          </a:stretch>
+        </p:blipFill>
+        <p:spPr>
+          <a:xfrm>
+            <a:off x="6952962" y="1312537"/>
+            <a:ext cx="4723101" cy="3569017"/>
+          </a:xfrm>
+          <a:prstGeom prst="rect">
+            <a:avLst/>
+          </a:prstGeom>
+        </p:spPr>
+      </p:pic>
+    </p:spTree>
+    <p:extLst>
+      <p:ext uri="{BB962C8B-B14F-4D97-AF65-F5344CB8AC3E}">
+        <p14:creationId xmlns:p14="http://schemas.microsoft.com/office/powerpoint/2010/main" val="2351987689"/>
+      </p:ext>
+    </p:extLst>
+  </p:cSld>
+  <p:clrMapOvr>
+    <a:masterClrMapping/>
+  </p:clrMapOvr>
+</p:sld>
+</file>
+
+<file path=ppt/slides/slide6.xml><?xml version="1.0" encoding="utf-8"?>
+<p:sld xmlns:a="http://schemas.openxmlformats.org/drawingml/2006/main" xmlns:r="http://schemas.openxmlformats.org/officeDocument/2006/relationships" xmlns:p="http://schemas.openxmlformats.org/presentationml/2006/main">
+  <p:cSld>
+    <p:spTree>
+      <p:nvGrpSpPr>
+        <p:cNvPr id="1" name=""/>
+        <p:cNvGrpSpPr/>
+        <p:nvPr/>
+      </p:nvGrpSpPr>
+      <p:grpSpPr>
+        <a:xfrm>
+          <a:off x="0" y="0"/>
+          <a:ext cx="0" cy="0"/>
+          <a:chOff x="0" y="0"/>
+          <a:chExt cx="0" cy="0"/>
+        </a:xfrm>
+      </p:grpSpPr>
+      <p:sp>
+        <p:nvSpPr>
+          <p:cNvPr id="2" name="제목 1">
+            <a:extLst>
+              <a:ext uri="{FF2B5EF4-FFF2-40B4-BE49-F238E27FC236}">
+                <a16:creationId xmlns:a16="http://schemas.microsoft.com/office/drawing/2014/main" id="{5C386871-B092-6B43-A8DA-B84A6CCCC7F5}"/>
+              </a:ext>
+            </a:extLst>
+          </p:cNvPr>
+          <p:cNvSpPr>
+            <a:spLocks noGrp="1"/>
+          </p:cNvSpPr>
+          <p:nvPr>
+            <p:ph type="title"/>
+          </p:nvPr>
+        </p:nvSpPr>
+        <p:spPr>
+          <a:xfrm>
+            <a:off x="472541" y="401947"/>
+            <a:ext cx="3412635" cy="665876"/>
+          </a:xfrm>
+        </p:spPr>
+        <p:txBody>
+          <a:bodyPr>
+            <a:normAutofit/>
+          </a:bodyPr>
+          <a:lstStyle/>
+          <a:p>
             <a:r>
               <a:rPr lang="en-US" altLang="ko-KR" sz="2400" b="1" u="sng" dirty="0"/>
               <a:t>2. Method</a:t>
@@ -12552,8 +15526,8 @@
           </a:p>
         </p:txBody>
       </p:sp>
-      <mc:AlternateContent xmlns:mc="http://schemas.openxmlformats.org/markup-compatibility/2006" xmlns:a14="http://schemas.microsoft.com/office/drawing/2010/main">
-        <mc:Choice Requires="a14">
+      <mc:AlternateContent xmlns:mc="http://schemas.openxmlformats.org/markup-compatibility/2006">
+        <mc:Choice xmlns:a14="http://schemas.microsoft.com/office/drawing/2010/main" Requires="a14">
           <p:sp>
             <p:nvSpPr>
               <p:cNvPr id="11" name="TextBox 10">
@@ -12568,8 +15542,8 @@
             </p:nvSpPr>
             <p:spPr>
               <a:xfrm>
-                <a:off x="5812734" y="1482038"/>
-                <a:ext cx="5863328" cy="4256358"/>
+                <a:off x="5542350" y="1245954"/>
+                <a:ext cx="6086040" cy="4619021"/>
               </a:xfrm>
               <a:prstGeom prst="rect">
                 <a:avLst/>
@@ -12583,6 +15557,30 @@
               <a:lstStyle/>
               <a:p>
                 <a:pPr marL="285750" indent="-285750">
+                  <a:lnSpc>
+                    <a:spcPct val="150000"/>
+                  </a:lnSpc>
+                  <a:buFont typeface="Wingdings" panose="05000000000000000000" pitchFamily="2" charset="2"/>
+                  <a:buChar char="§"/>
+                </a:pPr>
+                <a:r>
+                  <a:rPr lang="en-US" altLang="ko-KR" sz="1600" b="1" dirty="0"/>
+                  <a:t>Data augmentation </a:t>
+                </a:r>
+                <a:r>
+                  <a:rPr lang="en-US" altLang="ko-KR" sz="1600" dirty="0"/>
+                  <a:t>module</a:t>
+                </a:r>
+                <a:endParaRPr lang="en-US" altLang="ko-KR" sz="1600" b="0" i="1" dirty="0">
+                  <a:solidFill>
+                    <a:srgbClr val="212529"/>
+                  </a:solidFill>
+                  <a:effectLst/>
+                  <a:latin typeface="Cambria Math" panose="02040503050406030204" pitchFamily="18" charset="0"/>
+                </a:endParaRPr>
+              </a:p>
+              <a:p>
+                <a:pPr marL="742950" lvl="1" indent="-285750">
                   <a:lnSpc>
                     <a:spcPct val="150000"/>
                   </a:lnSpc>
@@ -12648,7 +15646,7 @@
                 </a:r>
               </a:p>
               <a:p>
-                <a:pPr marL="285750" indent="-285750">
+                <a:pPr marL="742950" lvl="1" indent="-285750">
                   <a:lnSpc>
                     <a:spcPct val="150000"/>
                   </a:lnSpc>
@@ -12753,7 +15751,7 @@
                 </a:endParaRPr>
               </a:p>
               <a:p>
-                <a:pPr marL="285750" indent="-285750">
+                <a:pPr marL="742950" lvl="1" indent="-285750">
                   <a:lnSpc>
                     <a:spcPct val="150000"/>
                   </a:lnSpc>
@@ -12887,6 +15885,15 @@
                   <a:buFont typeface="Arial" panose="020B0604020202020204" pitchFamily="34" charset="0"/>
                   <a:buChar char="•"/>
                 </a:pPr>
+                <a:r>
+                  <a:rPr lang="en-US" altLang="ko-KR" sz="1600" b="1" dirty="0">
+                    <a:solidFill>
+                      <a:srgbClr val="212529"/>
+                    </a:solidFill>
+                    <a:cs typeface="Calibri" panose="020F0502020204030204" pitchFamily="34" charset="0"/>
+                  </a:rPr>
+                  <a:t>Base Encoder </a:t>
+                </a:r>
                 <a14:m>
                   <m:oMath xmlns:m="http://schemas.openxmlformats.org/officeDocument/2006/math">
                     <m:r>
@@ -12920,11 +15927,32 @@
                     <a:latin typeface="Calibri" panose="020F0502020204030204" pitchFamily="34" charset="0"/>
                     <a:cs typeface="Calibri" panose="020F0502020204030204" pitchFamily="34" charset="0"/>
                   </a:rPr>
-                  <a:t> : Base Encoder (ResNet-50)</a:t>
+                  <a:t> : </a:t>
+                </a:r>
+                <a:r>
+                  <a:rPr lang="en-US" altLang="ko-KR" sz="1600" dirty="0">
+                    <a:solidFill>
+                      <a:srgbClr val="212529"/>
+                    </a:solidFill>
+                    <a:latin typeface="Calibri" panose="020F0502020204030204" pitchFamily="34" charset="0"/>
+                    <a:cs typeface="Calibri" panose="020F0502020204030204" pitchFamily="34" charset="0"/>
+                  </a:rPr>
+                  <a:t>R</a:t>
+                </a:r>
+                <a:r>
+                  <a:rPr lang="en-US" altLang="ko-KR" sz="1600" b="0" i="0" dirty="0">
+                    <a:solidFill>
+                      <a:srgbClr val="212529"/>
+                    </a:solidFill>
+                    <a:effectLst/>
+                    <a:latin typeface="Calibri" panose="020F0502020204030204" pitchFamily="34" charset="0"/>
+                    <a:cs typeface="Calibri" panose="020F0502020204030204" pitchFamily="34" charset="0"/>
+                  </a:rPr>
+                  <a:t>esNet-50</a:t>
                 </a:r>
               </a:p>
               <a:p>
-                <a:pPr marL="285750" indent="-285750">
+                <a:pPr marL="742950" lvl="1" indent="-285750">
                   <a:lnSpc>
                     <a:spcPct val="150000"/>
                   </a:lnSpc>
@@ -13038,29 +16066,7 @@
                     <a:latin typeface="Calibri" panose="020F0502020204030204" pitchFamily="34" charset="0"/>
                     <a:cs typeface="Calibri" panose="020F0502020204030204" pitchFamily="34" charset="0"/>
                   </a:rPr>
-                  <a:t>​ : ResNet-50 output</a:t>
-                </a:r>
-                <a:r>
-                  <a:rPr lang="ko-KR" altLang="en-US" sz="1600" b="0" i="0" dirty="0">
-                    <a:solidFill>
-                      <a:srgbClr val="212529"/>
-                    </a:solidFill>
-                    <a:effectLst/>
-                    <a:latin typeface="Calibri" panose="020F0502020204030204" pitchFamily="34" charset="0"/>
-                    <a:cs typeface="Calibri" panose="020F0502020204030204" pitchFamily="34" charset="0"/>
-                  </a:rPr>
-                  <a:t>에서 </a:t>
-                </a:r>
-                <a:r>
-                  <a:rPr lang="en-US" altLang="ko-KR" sz="1600" b="0" i="0" dirty="0">
-                    <a:solidFill>
-                      <a:srgbClr val="212529"/>
-                    </a:solidFill>
-                    <a:effectLst/>
-                    <a:latin typeface="Calibri" panose="020F0502020204030204" pitchFamily="34" charset="0"/>
-                    <a:cs typeface="Calibri" panose="020F0502020204030204" pitchFamily="34" charset="0"/>
-                  </a:rPr>
-                  <a:t>Global Average Pooling </a:t>
+                  <a:t>​ : Global Average Pooling </a:t>
                 </a:r>
                 <a:r>
                   <a:rPr lang="ko-KR" altLang="en-US" sz="1600" b="0" i="0" dirty="0">
@@ -13082,7 +16088,7 @@
                     <a:latin typeface="Calibri" panose="020F0502020204030204" pitchFamily="34" charset="0"/>
                     <a:cs typeface="Calibri" panose="020F0502020204030204" pitchFamily="34" charset="0"/>
                   </a:rPr>
-                  <a:t>vector</a:t>
+                  <a:t>representation vector</a:t>
                 </a:r>
               </a:p>
               <a:p>
@@ -13093,6 +16099,15 @@
                   <a:buFont typeface="Arial" panose="020B0604020202020204" pitchFamily="34" charset="0"/>
                   <a:buChar char="•"/>
                 </a:pPr>
+                <a:r>
+                  <a:rPr lang="en-US" altLang="ko-KR" sz="1600" b="1" dirty="0">
+                    <a:solidFill>
+                      <a:srgbClr val="212529"/>
+                    </a:solidFill>
+                    <a:cs typeface="Calibri" panose="020F0502020204030204" pitchFamily="34" charset="0"/>
+                  </a:rPr>
+                  <a:t>Projection head </a:t>
+                </a:r>
                 <a14:m>
                   <m:oMath xmlns:m="http://schemas.openxmlformats.org/officeDocument/2006/math">
                     <m:r>
@@ -13148,8 +16163,34 @@
                     <a:latin typeface="Calibri" panose="020F0502020204030204" pitchFamily="34" charset="0"/>
                     <a:cs typeface="Calibri" panose="020F0502020204030204" pitchFamily="34" charset="0"/>
                   </a:rPr>
-                  <a:t>을 적용하는 </a:t>
+                  <a:t>을 </a:t>
                 </a:r>
+                <a:r>
+                  <a:rPr lang="ko-KR" altLang="en-US" sz="1600" dirty="0">
+                    <a:solidFill>
+                      <a:srgbClr val="212529"/>
+                    </a:solidFill>
+                    <a:latin typeface="Calibri" panose="020F0502020204030204" pitchFamily="34" charset="0"/>
+                    <a:cs typeface="Calibri" panose="020F0502020204030204" pitchFamily="34" charset="0"/>
+                  </a:rPr>
+                  <a:t>적용</a:t>
+                </a:r>
+                <a:endParaRPr lang="en-US" altLang="ko-KR" sz="1600" b="1" i="0" dirty="0">
+                  <a:solidFill>
+                    <a:srgbClr val="212529"/>
+                  </a:solidFill>
+                  <a:effectLst/>
+                  <a:cs typeface="Calibri" panose="020F0502020204030204" pitchFamily="34" charset="0"/>
+                </a:endParaRPr>
+              </a:p>
+              <a:p>
+                <a:pPr marL="742950" lvl="1" indent="-285750">
+                  <a:lnSpc>
+                    <a:spcPct val="150000"/>
+                  </a:lnSpc>
+                  <a:buFont typeface="Arial" panose="020B0604020202020204" pitchFamily="34" charset="0"/>
+                  <a:buChar char="•"/>
+                </a:pPr>
                 <a:r>
                   <a:rPr lang="en-US" altLang="ko-KR" sz="1600" b="0" i="0" dirty="0">
                     <a:solidFill>
@@ -13159,11 +16200,11 @@
                     <a:latin typeface="Calibri" panose="020F0502020204030204" pitchFamily="34" charset="0"/>
                     <a:cs typeface="Calibri" panose="020F0502020204030204" pitchFamily="34" charset="0"/>
                   </a:rPr>
-                  <a:t>Projection head (Two-layer MLP)</a:t>
+                  <a:t>Two-layer MLP</a:t>
                 </a:r>
               </a:p>
               <a:p>
-                <a:pPr marL="285750" indent="-285750">
+                <a:pPr marL="742950" lvl="1" indent="-285750">
                   <a:lnSpc>
                     <a:spcPct val="150000"/>
                   </a:lnSpc>
@@ -13311,149 +16352,15 @@
                   <a:buChar char="•"/>
                 </a:pPr>
                 <a:r>
-                  <a:rPr lang="en-US" altLang="ko-KR" sz="1600" dirty="0">
-                    <a:latin typeface="Calibri" panose="020F0502020204030204" pitchFamily="34" charset="0"/>
+                  <a:rPr lang="en-US" altLang="ko-KR" sz="1600" b="1" i="0" dirty="0">
+                    <a:solidFill>
+                      <a:srgbClr val="212529"/>
+                    </a:solidFill>
+                    <a:effectLst/>
                     <a:cs typeface="Calibri" panose="020F0502020204030204" pitchFamily="34" charset="0"/>
                   </a:rPr>
-                  <a:t>Similarity (cosine) : </a:t>
+                  <a:t>Contrastive loss function </a:t>
                 </a:r>
-                <a14:m>
-                  <m:oMath xmlns:m="http://schemas.openxmlformats.org/officeDocument/2006/math">
-                    <m:r>
-                      <a:rPr lang="en-US" altLang="ko-KR" sz="1600" b="0" i="1" smtClean="0">
-                        <a:latin typeface="Cambria Math" panose="02040503050406030204" pitchFamily="18" charset="0"/>
-                      </a:rPr>
-                      <m:t>𝑠𝑖𝑚</m:t>
-                    </m:r>
-                    <m:d>
-                      <m:dPr>
-                        <m:ctrlPr>
-                          <a:rPr lang="en-US" altLang="ko-KR" sz="1600" b="0" i="1" smtClean="0">
-                            <a:latin typeface="Cambria Math" panose="02040503050406030204" pitchFamily="18" charset="0"/>
-                          </a:rPr>
-                        </m:ctrlPr>
-                      </m:dPr>
-                      <m:e>
-                        <m:r>
-                          <a:rPr lang="en-US" altLang="ko-KR" sz="1600" b="0" i="1" smtClean="0">
-                            <a:latin typeface="Cambria Math" panose="02040503050406030204" pitchFamily="18" charset="0"/>
-                          </a:rPr>
-                          <m:t>𝑢</m:t>
-                        </m:r>
-                        <m:r>
-                          <a:rPr lang="en-US" altLang="ko-KR" sz="1600" b="0" i="1" smtClean="0">
-                            <a:latin typeface="Cambria Math" panose="02040503050406030204" pitchFamily="18" charset="0"/>
-                          </a:rPr>
-                          <m:t>,</m:t>
-                        </m:r>
-                        <m:r>
-                          <a:rPr lang="en-US" altLang="ko-KR" sz="1600" b="0" i="1" smtClean="0">
-                            <a:latin typeface="Cambria Math" panose="02040503050406030204" pitchFamily="18" charset="0"/>
-                          </a:rPr>
-                          <m:t>𝑣</m:t>
-                        </m:r>
-                      </m:e>
-                    </m:d>
-                    <m:r>
-                      <a:rPr lang="en-US" altLang="ko-KR" sz="1600" b="0" i="1" smtClean="0">
-                        <a:latin typeface="Cambria Math" panose="02040503050406030204" pitchFamily="18" charset="0"/>
-                      </a:rPr>
-                      <m:t>=</m:t>
-                    </m:r>
-                    <m:sSup>
-                      <m:sSupPr>
-                        <m:ctrlPr>
-                          <a:rPr lang="en-US" altLang="ko-KR" sz="1600" b="0" i="1" smtClean="0">
-                            <a:latin typeface="Cambria Math" panose="02040503050406030204" pitchFamily="18" charset="0"/>
-                          </a:rPr>
-                        </m:ctrlPr>
-                      </m:sSupPr>
-                      <m:e>
-                        <m:r>
-                          <a:rPr lang="en-US" altLang="ko-KR" sz="1600" b="0" i="1" smtClean="0">
-                            <a:latin typeface="Cambria Math" panose="02040503050406030204" pitchFamily="18" charset="0"/>
-                          </a:rPr>
-                          <m:t>𝑢</m:t>
-                        </m:r>
-                      </m:e>
-                      <m:sup>
-                        <m:r>
-                          <a:rPr lang="en-US" altLang="ko-KR" sz="1600" b="0" i="1" smtClean="0">
-                            <a:latin typeface="Cambria Math" panose="02040503050406030204" pitchFamily="18" charset="0"/>
-                          </a:rPr>
-                          <m:t>𝑇</m:t>
-                        </m:r>
-                      </m:sup>
-                    </m:sSup>
-                    <m:r>
-                      <a:rPr lang="en-US" altLang="ko-KR" sz="1600" b="0" i="1" smtClean="0">
-                        <a:latin typeface="Cambria Math" panose="02040503050406030204" pitchFamily="18" charset="0"/>
-                      </a:rPr>
-                      <m:t>𝑣</m:t>
-                    </m:r>
-                    <m:r>
-                      <a:rPr lang="en-US" altLang="ko-KR" sz="1600" b="0" i="1" smtClean="0">
-                        <a:latin typeface="Cambria Math" panose="02040503050406030204" pitchFamily="18" charset="0"/>
-                      </a:rPr>
-                      <m:t>/</m:t>
-                    </m:r>
-                    <m:d>
-                      <m:dPr>
-                        <m:begChr m:val="‖"/>
-                        <m:endChr m:val="‖"/>
-                        <m:ctrlPr>
-                          <a:rPr lang="en-US" altLang="ko-KR" sz="1600" b="0" i="1" smtClean="0">
-                            <a:latin typeface="Cambria Math" panose="02040503050406030204" pitchFamily="18" charset="0"/>
-                          </a:rPr>
-                        </m:ctrlPr>
-                      </m:dPr>
-                      <m:e>
-                        <m:r>
-                          <a:rPr lang="en-US" altLang="ko-KR" sz="1600" b="0" i="1" smtClean="0">
-                            <a:latin typeface="Cambria Math" panose="02040503050406030204" pitchFamily="18" charset="0"/>
-                          </a:rPr>
-                          <m:t>𝑢</m:t>
-                        </m:r>
-                      </m:e>
-                    </m:d>
-                    <m:d>
-                      <m:dPr>
-                        <m:begChr m:val="‖"/>
-                        <m:endChr m:val="‖"/>
-                        <m:ctrlPr>
-                          <a:rPr lang="en-US" altLang="ko-KR" sz="1600" b="0" i="1" smtClean="0">
-                            <a:latin typeface="Cambria Math" panose="02040503050406030204" pitchFamily="18" charset="0"/>
-                          </a:rPr>
-                        </m:ctrlPr>
-                      </m:dPr>
-                      <m:e>
-                        <m:r>
-                          <a:rPr lang="en-US" altLang="ko-KR" sz="1600" b="0" i="1" smtClean="0">
-                            <a:latin typeface="Cambria Math" panose="02040503050406030204" pitchFamily="18" charset="0"/>
-                          </a:rPr>
-                          <m:t>𝑣</m:t>
-                        </m:r>
-                      </m:e>
-                    </m:d>
-                  </m:oMath>
-                </a14:m>
-                <a:endParaRPr lang="en-US" altLang="ko-KR" sz="1600" b="0" i="0" dirty="0">
-                  <a:solidFill>
-                    <a:srgbClr val="212529"/>
-                  </a:solidFill>
-                  <a:effectLst/>
-                  <a:latin typeface="Calibri" panose="020F0502020204030204" pitchFamily="34" charset="0"/>
-                  <a:cs typeface="Calibri" panose="020F0502020204030204" pitchFamily="34" charset="0"/>
-                </a:endParaRPr>
-              </a:p>
-              <a:p>
-                <a:pPr marL="285750" indent="-285750">
-                  <a:lnSpc>
-                    <a:spcPct val="150000"/>
-                  </a:lnSpc>
-                  <a:buFont typeface="Arial" panose="020B0604020202020204" pitchFamily="34" charset="0"/>
-                  <a:buChar char="•"/>
-                </a:pPr>
                 <a:r>
                   <a:rPr lang="en-US" altLang="ko-KR" sz="1600" b="0" i="0" dirty="0">
                     <a:solidFill>
@@ -13463,7 +16370,7 @@
                     <a:latin typeface="Calibri" panose="020F0502020204030204" pitchFamily="34" charset="0"/>
                     <a:cs typeface="Calibri" panose="020F0502020204030204" pitchFamily="34" charset="0"/>
                   </a:rPr>
-                  <a:t>Contrastive loss function : </a:t>
+                  <a:t>: </a:t>
                 </a:r>
                 <a:r>
                   <a:rPr lang="en-US" altLang="ko-KR" sz="1600" b="0" dirty="0">
@@ -13608,7 +16515,147 @@
                   </a:rPr>
                   <a:t> Loss</a:t>
                 </a:r>
-                <a:endParaRPr lang="en-US" altLang="ko-KR" sz="1600" dirty="0">
+              </a:p>
+              <a:p>
+                <a:pPr marL="742950" lvl="1" indent="-285750">
+                  <a:lnSpc>
+                    <a:spcPct val="150000"/>
+                  </a:lnSpc>
+                  <a:buFont typeface="Arial" panose="020B0604020202020204" pitchFamily="34" charset="0"/>
+                  <a:buChar char="•"/>
+                </a:pPr>
+                <a:r>
+                  <a:rPr lang="en-US" altLang="ko-KR" sz="1600" dirty="0">
+                    <a:latin typeface="Calibri" panose="020F0502020204030204" pitchFamily="34" charset="0"/>
+                    <a:cs typeface="Calibri" panose="020F0502020204030204" pitchFamily="34" charset="0"/>
+                  </a:rPr>
+                  <a:t>Cosine similarity  : </a:t>
+                </a:r>
+                <a14:m>
+                  <m:oMath xmlns:m="http://schemas.openxmlformats.org/officeDocument/2006/math">
+                    <m:r>
+                      <a:rPr lang="en-US" altLang="ko-KR" sz="1600" b="0" i="1" smtClean="0">
+                        <a:latin typeface="Cambria Math" panose="02040503050406030204" pitchFamily="18" charset="0"/>
+                      </a:rPr>
+                      <m:t>𝑠𝑖𝑚</m:t>
+                    </m:r>
+                    <m:d>
+                      <m:dPr>
+                        <m:ctrlPr>
+                          <a:rPr lang="en-US" altLang="ko-KR" sz="1600" b="0" i="1" smtClean="0">
+                            <a:latin typeface="Cambria Math" panose="02040503050406030204" pitchFamily="18" charset="0"/>
+                          </a:rPr>
+                        </m:ctrlPr>
+                      </m:dPr>
+                      <m:e>
+                        <m:r>
+                          <a:rPr lang="en-US" altLang="ko-KR" sz="1600" b="0" i="1" smtClean="0">
+                            <a:latin typeface="Cambria Math" panose="02040503050406030204" pitchFamily="18" charset="0"/>
+                          </a:rPr>
+                          <m:t>𝑢</m:t>
+                        </m:r>
+                        <m:r>
+                          <a:rPr lang="en-US" altLang="ko-KR" sz="1600" b="0" i="1" smtClean="0">
+                            <a:latin typeface="Cambria Math" panose="02040503050406030204" pitchFamily="18" charset="0"/>
+                          </a:rPr>
+                          <m:t>,</m:t>
+                        </m:r>
+                        <m:r>
+                          <a:rPr lang="en-US" altLang="ko-KR" sz="1600" b="0" i="1" smtClean="0">
+                            <a:latin typeface="Cambria Math" panose="02040503050406030204" pitchFamily="18" charset="0"/>
+                          </a:rPr>
+                          <m:t>𝑣</m:t>
+                        </m:r>
+                      </m:e>
+                    </m:d>
+                    <m:r>
+                      <a:rPr lang="en-US" altLang="ko-KR" sz="1600" b="0" i="1" smtClean="0">
+                        <a:latin typeface="Cambria Math" panose="02040503050406030204" pitchFamily="18" charset="0"/>
+                      </a:rPr>
+                      <m:t>=</m:t>
+                    </m:r>
+                    <m:sSup>
+                      <m:sSupPr>
+                        <m:ctrlPr>
+                          <a:rPr lang="en-US" altLang="ko-KR" sz="1600" b="0" i="1" smtClean="0">
+                            <a:latin typeface="Cambria Math" panose="02040503050406030204" pitchFamily="18" charset="0"/>
+                          </a:rPr>
+                        </m:ctrlPr>
+                      </m:sSupPr>
+                      <m:e>
+                        <m:r>
+                          <a:rPr lang="en-US" altLang="ko-KR" sz="1600" b="0" i="1" smtClean="0">
+                            <a:latin typeface="Cambria Math" panose="02040503050406030204" pitchFamily="18" charset="0"/>
+                          </a:rPr>
+                          <m:t>𝑢</m:t>
+                        </m:r>
+                      </m:e>
+                      <m:sup>
+                        <m:r>
+                          <a:rPr lang="en-US" altLang="ko-KR" sz="1600" b="0" i="1" smtClean="0">
+                            <a:latin typeface="Cambria Math" panose="02040503050406030204" pitchFamily="18" charset="0"/>
+                          </a:rPr>
+                          <m:t>𝑇</m:t>
+                        </m:r>
+                      </m:sup>
+                    </m:sSup>
+                    <m:r>
+                      <a:rPr lang="en-US" altLang="ko-KR" sz="1600" b="0" i="1" smtClean="0">
+                        <a:latin typeface="Cambria Math" panose="02040503050406030204" pitchFamily="18" charset="0"/>
+                      </a:rPr>
+                      <m:t>𝑣</m:t>
+                    </m:r>
+                    <m:r>
+                      <a:rPr lang="en-US" altLang="ko-KR" sz="1600" b="0" i="1" smtClean="0">
+                        <a:latin typeface="Cambria Math" panose="02040503050406030204" pitchFamily="18" charset="0"/>
+                      </a:rPr>
+                      <m:t>/</m:t>
+                    </m:r>
+                    <m:d>
+                      <m:dPr>
+                        <m:begChr m:val="‖"/>
+                        <m:endChr m:val="‖"/>
+                        <m:ctrlPr>
+                          <a:rPr lang="en-US" altLang="ko-KR" sz="1600" b="0" i="1" smtClean="0">
+                            <a:latin typeface="Cambria Math" panose="02040503050406030204" pitchFamily="18" charset="0"/>
+                          </a:rPr>
+                        </m:ctrlPr>
+                      </m:dPr>
+                      <m:e>
+                        <m:r>
+                          <a:rPr lang="en-US" altLang="ko-KR" sz="1600" b="0" i="1" smtClean="0">
+                            <a:latin typeface="Cambria Math" panose="02040503050406030204" pitchFamily="18" charset="0"/>
+                          </a:rPr>
+                          <m:t>𝑢</m:t>
+                        </m:r>
+                      </m:e>
+                    </m:d>
+                    <m:d>
+                      <m:dPr>
+                        <m:begChr m:val="‖"/>
+                        <m:endChr m:val="‖"/>
+                        <m:ctrlPr>
+                          <a:rPr lang="en-US" altLang="ko-KR" sz="1600" b="0" i="1" smtClean="0">
+                            <a:latin typeface="Cambria Math" panose="02040503050406030204" pitchFamily="18" charset="0"/>
+                          </a:rPr>
+                        </m:ctrlPr>
+                      </m:dPr>
+                      <m:e>
+                        <m:r>
+                          <a:rPr lang="en-US" altLang="ko-KR" sz="1600" b="0" i="1" smtClean="0">
+                            <a:latin typeface="Cambria Math" panose="02040503050406030204" pitchFamily="18" charset="0"/>
+                          </a:rPr>
+                          <m:t>𝑣</m:t>
+                        </m:r>
+                      </m:e>
+                    </m:d>
+                  </m:oMath>
+                </a14:m>
+                <a:endParaRPr lang="en-US" altLang="ko-KR" sz="1600" b="0" i="0" dirty="0">
+                  <a:solidFill>
+                    <a:srgbClr val="212529"/>
+                  </a:solidFill>
+                  <a:effectLst/>
                   <a:latin typeface="Calibri" panose="020F0502020204030204" pitchFamily="34" charset="0"/>
                   <a:cs typeface="Calibri" panose="020F0502020204030204" pitchFamily="34" charset="0"/>
                 </a:endParaRPr>
@@ -13616,7 +16663,7 @@
             </p:txBody>
           </p:sp>
         </mc:Choice>
-        <mc:Fallback xmlns="">
+        <mc:Fallback>
           <p:sp>
             <p:nvSpPr>
               <p:cNvPr id="11" name="TextBox 10">
@@ -13633,8 +16680,8 @@
             </p:nvSpPr>
             <p:spPr>
               <a:xfrm>
-                <a:off x="5812734" y="1482038"/>
-                <a:ext cx="5863328" cy="4256358"/>
+                <a:off x="5542350" y="1245954"/>
+                <a:ext cx="6086040" cy="4619021"/>
               </a:xfrm>
               <a:prstGeom prst="rect">
                 <a:avLst/>
@@ -13642,7 +16689,7 @@
               <a:blipFill>
                 <a:blip r:embed="rId3"/>
                 <a:stretch>
-                  <a:fillRect l="-416" b="-573"/>
+                  <a:fillRect l="-400" r="-400" b="-792"/>
                 </a:stretch>
               </a:blipFill>
             </p:spPr>
@@ -14033,8 +17080,8 @@
         </p:blipFill>
         <p:spPr>
           <a:xfrm>
-            <a:off x="6521330" y="5784372"/>
-            <a:ext cx="3997759" cy="711929"/>
+            <a:off x="5965498" y="5859960"/>
+            <a:ext cx="3428852" cy="610616"/>
           </a:xfrm>
           <a:prstGeom prst="rect">
             <a:avLst/>
@@ -14055,8 +17102,8 @@
         </p:nvSpPr>
         <p:spPr>
           <a:xfrm>
-            <a:off x="1347316" y="5673827"/>
-            <a:ext cx="3098731" cy="697050"/>
+            <a:off x="9394350" y="5859960"/>
+            <a:ext cx="2797650" cy="610616"/>
           </a:xfrm>
           <a:prstGeom prst="rect">
             <a:avLst/>
@@ -14073,11 +17120,11 @@
               <a:lnSpc>
                 <a:spcPct val="150000"/>
               </a:lnSpc>
-              <a:buFont typeface="Arial" panose="020B0604020202020204" pitchFamily="34" charset="0"/>
-              <a:buChar char="•"/>
+              <a:buFont typeface="Wingdings" panose="05000000000000000000" pitchFamily="2" charset="2"/>
+              <a:buChar char="Ø"/>
             </a:pPr>
             <a:r>
-              <a:rPr lang="ko-KR" altLang="en-US" sz="1400" dirty="0">
+              <a:rPr lang="ko-KR" altLang="en-US" sz="1200" dirty="0">
                 <a:solidFill>
                   <a:schemeClr val="bg1">
                     <a:lumMod val="50000"/>
@@ -14087,7 +17134,7 @@
               <a:t>같은 이미지 → </a:t>
             </a:r>
             <a:r>
-              <a:rPr lang="en-US" altLang="ko-KR" sz="1400" dirty="0">
+              <a:rPr lang="en-US" altLang="ko-KR" sz="1200" dirty="0">
                 <a:solidFill>
                   <a:schemeClr val="bg1">
                     <a:lumMod val="50000"/>
@@ -14097,7 +17144,7 @@
               <a:t>similarity</a:t>
             </a:r>
             <a:r>
-              <a:rPr lang="ko-KR" altLang="en-US" sz="1400" dirty="0">
+              <a:rPr lang="ko-KR" altLang="en-US" sz="1200" dirty="0">
                 <a:solidFill>
                   <a:schemeClr val="bg1">
                     <a:lumMod val="50000"/>
@@ -14106,7 +17153,7 @@
               </a:rPr>
               <a:t>가 높음</a:t>
             </a:r>
-            <a:endParaRPr lang="en-US" altLang="ko-KR" sz="1400" dirty="0">
+            <a:endParaRPr lang="en-US" altLang="ko-KR" sz="1200" dirty="0">
               <a:solidFill>
                 <a:schemeClr val="bg1">
                   <a:lumMod val="50000"/>
@@ -14114,6 +17161,74 @@
               </a:solidFill>
             </a:endParaRPr>
           </a:p>
+          <a:p>
+            <a:pPr marL="285750" indent="-285750">
+              <a:lnSpc>
+                <a:spcPct val="150000"/>
+              </a:lnSpc>
+              <a:buFont typeface="Wingdings" panose="05000000000000000000" pitchFamily="2" charset="2"/>
+              <a:buChar char="Ø"/>
+            </a:pPr>
+            <a:r>
+              <a:rPr lang="ko-KR" altLang="en-US" sz="1200" dirty="0">
+                <a:solidFill>
+                  <a:schemeClr val="bg1">
+                    <a:lumMod val="50000"/>
+                  </a:schemeClr>
+                </a:solidFill>
+              </a:rPr>
+              <a:t>다른 이미지 → </a:t>
+            </a:r>
+            <a:r>
+              <a:rPr lang="en-US" altLang="ko-KR" sz="1200" dirty="0">
+                <a:solidFill>
+                  <a:schemeClr val="bg1">
+                    <a:lumMod val="50000"/>
+                  </a:schemeClr>
+                </a:solidFill>
+              </a:rPr>
+              <a:t>similarity</a:t>
+            </a:r>
+            <a:r>
+              <a:rPr lang="ko-KR" altLang="en-US" sz="1200" dirty="0">
+                <a:solidFill>
+                  <a:schemeClr val="bg1">
+                    <a:lumMod val="50000"/>
+                  </a:schemeClr>
+                </a:solidFill>
+              </a:rPr>
+              <a:t>가 낮음</a:t>
+            </a:r>
+          </a:p>
+        </p:txBody>
+      </p:sp>
+      <p:sp>
+        <p:nvSpPr>
+          <p:cNvPr id="18" name="TextBox 17">
+            <a:extLst>
+              <a:ext uri="{FF2B5EF4-FFF2-40B4-BE49-F238E27FC236}">
+                <a16:creationId xmlns:a16="http://schemas.microsoft.com/office/drawing/2014/main" id="{DAB8BE4D-DDBA-A94C-C478-D113BE247FB2}"/>
+              </a:ext>
+            </a:extLst>
+          </p:cNvPr>
+          <p:cNvSpPr txBox="1"/>
+          <p:nvPr/>
+        </p:nvSpPr>
+        <p:spPr>
+          <a:xfrm>
+            <a:off x="1166666" y="5527951"/>
+            <a:ext cx="4179783" cy="1020216"/>
+          </a:xfrm>
+          <a:prstGeom prst="rect">
+            <a:avLst/>
+          </a:prstGeom>
+          <a:noFill/>
+        </p:spPr>
+        <p:txBody>
+          <a:bodyPr wrap="square" rtlCol="0">
+            <a:spAutoFit/>
+          </a:bodyPr>
+          <a:lstStyle/>
           <a:p>
             <a:pPr marL="285750" indent="-285750">
               <a:lnSpc>
@@ -14123,35 +17238,96 @@
               <a:buChar char="•"/>
             </a:pPr>
             <a:r>
-              <a:rPr lang="ko-KR" altLang="en-US" sz="1400" dirty="0">
-                <a:solidFill>
-                  <a:schemeClr val="bg1">
-                    <a:lumMod val="50000"/>
-                  </a:schemeClr>
-                </a:solidFill>
-              </a:rPr>
-              <a:t>다른 이미지 → </a:t>
-            </a:r>
-            <a:r>
-              <a:rPr lang="en-US" altLang="ko-KR" sz="1400" dirty="0">
-                <a:solidFill>
-                  <a:schemeClr val="bg1">
-                    <a:lumMod val="50000"/>
-                  </a:schemeClr>
-                </a:solidFill>
-              </a:rPr>
-              <a:t>similarity</a:t>
-            </a:r>
-            <a:r>
-              <a:rPr lang="ko-KR" altLang="en-US" sz="1400" dirty="0">
-                <a:solidFill>
-                  <a:schemeClr val="bg1">
-                    <a:lumMod val="50000"/>
-                  </a:schemeClr>
-                </a:solidFill>
-              </a:rPr>
-              <a:t>가 낮음</a:t>
-            </a:r>
+              <a:rPr lang="en-US" altLang="ko-KR" sz="1400" dirty="0"/>
+              <a:t>No</a:t>
+            </a:r>
+            <a:r>
+              <a:rPr lang="ko-KR" altLang="en-US" sz="1400" dirty="0"/>
+              <a:t> </a:t>
+            </a:r>
+            <a:r>
+              <a:rPr lang="en-US" altLang="ko-KR" sz="1400" dirty="0"/>
+              <a:t>explicit</a:t>
+            </a:r>
+            <a:r>
+              <a:rPr lang="ko-KR" altLang="en-US" sz="1400" dirty="0"/>
+              <a:t> </a:t>
+            </a:r>
+            <a:r>
+              <a:rPr lang="en-US" altLang="ko-KR" sz="1400" dirty="0"/>
+              <a:t>negative</a:t>
+            </a:r>
+            <a:r>
+              <a:rPr lang="ko-KR" altLang="en-US" sz="1400" dirty="0"/>
+              <a:t> </a:t>
+            </a:r>
+            <a:r>
+              <a:rPr lang="en-US" altLang="ko-KR" sz="1400" dirty="0"/>
+              <a:t>sampling</a:t>
+            </a:r>
+          </a:p>
+          <a:p>
+            <a:pPr marL="742950" lvl="1" indent="-285750">
+              <a:lnSpc>
+                <a:spcPct val="150000"/>
+              </a:lnSpc>
+              <a:buFont typeface="Arial" panose="020B0604020202020204" pitchFamily="34" charset="0"/>
+              <a:buChar char="•"/>
+            </a:pPr>
+            <a:r>
+              <a:rPr lang="en-US" altLang="ko-KR" sz="1400" dirty="0"/>
+              <a:t>Minibatch(N</a:t>
+            </a:r>
+            <a:r>
+              <a:rPr lang="ko-KR" altLang="en-US" sz="1400" dirty="0"/>
+              <a:t>개</a:t>
+            </a:r>
+            <a:r>
+              <a:rPr lang="en-US" altLang="ko-KR" sz="1400" dirty="0"/>
+              <a:t>) </a:t>
+            </a:r>
+            <a:r>
+              <a:rPr lang="ko-KR" altLang="en-US" sz="1400" dirty="0"/>
+              <a:t>→</a:t>
+            </a:r>
+            <a:r>
+              <a:rPr lang="en-US" altLang="ko-KR" sz="1400" dirty="0"/>
+              <a:t> 2N</a:t>
+            </a:r>
+            <a:r>
+              <a:rPr lang="ko-KR" altLang="en-US" sz="1400" dirty="0"/>
+              <a:t> </a:t>
+            </a:r>
+            <a:r>
+              <a:rPr lang="en-US" altLang="ko-KR" sz="1400" dirty="0"/>
+              <a:t>data</a:t>
+            </a:r>
+            <a:r>
+              <a:rPr lang="ko-KR" altLang="en-US" sz="1400" dirty="0"/>
+              <a:t> </a:t>
+            </a:r>
+            <a:r>
+              <a:rPr lang="en-US" altLang="ko-KR" sz="1400" dirty="0"/>
+              <a:t>points</a:t>
+            </a:r>
+          </a:p>
+          <a:p>
+            <a:pPr marL="742950" lvl="1" indent="-285750">
+              <a:lnSpc>
+                <a:spcPct val="150000"/>
+              </a:lnSpc>
+              <a:buFont typeface="Arial" panose="020B0604020202020204" pitchFamily="34" charset="0"/>
+              <a:buChar char="•"/>
+            </a:pPr>
+            <a:r>
+              <a:rPr lang="en-US" altLang="ko-KR" sz="1400" dirty="0"/>
+              <a:t>Negative sample :  2(N-1)</a:t>
+            </a:r>
+            <a:r>
+              <a:rPr lang="ko-KR" altLang="en-US" sz="1400" dirty="0"/>
+              <a:t>개</a:t>
+            </a:r>
+            <a:endParaRPr lang="en-US" altLang="ko-KR" sz="1400" dirty="0"/>
           </a:p>
         </p:txBody>
       </p:sp>
@@ -14168,7 +17344,7 @@
 </p:sld>
 </file>
 
-<file path=ppt/slides/slide5.xml><?xml version="1.0" encoding="utf-8"?>
+<file path=ppt/slides/slide7.xml><?xml version="1.0" encoding="utf-8"?>
 <p:sld xmlns:a="http://schemas.openxmlformats.org/drawingml/2006/main" xmlns:r="http://schemas.openxmlformats.org/officeDocument/2006/relationships" xmlns:p="http://schemas.openxmlformats.org/presentationml/2006/main">
   <p:cSld>
     <p:spTree>
@@ -14307,599 +17483,6 @@
           </a:p>
         </p:txBody>
       </p:sp>
-      <p:pic>
-        <p:nvPicPr>
-          <p:cNvPr id="4" name="그림 3">
-            <a:extLst>
-              <a:ext uri="{FF2B5EF4-FFF2-40B4-BE49-F238E27FC236}">
-                <a16:creationId xmlns:a16="http://schemas.microsoft.com/office/drawing/2014/main" id="{DAA39A6E-FD07-BFB0-77C6-D5834F1AA695}"/>
-              </a:ext>
-            </a:extLst>
-          </p:cNvPr>
-          <p:cNvPicPr>
-            <a:picLocks noGrp="1" noRot="1" noChangeAspect="1" noMove="1" noResize="1" noEditPoints="1" noAdjustHandles="1" noChangeArrowheads="1" noChangeShapeType="1" noCrop="1"/>
-          </p:cNvPicPr>
-          <p:nvPr/>
-        </p:nvPicPr>
-        <p:blipFill>
-          <a:blip r:embed="rId3"/>
-          <a:stretch>
-            <a:fillRect/>
-          </a:stretch>
-        </p:blipFill>
-        <p:spPr>
-          <a:xfrm>
-            <a:off x="730591" y="1952007"/>
-            <a:ext cx="4546834" cy="3422826"/>
-          </a:xfrm>
-          <a:prstGeom prst="rect">
-            <a:avLst/>
-          </a:prstGeom>
-        </p:spPr>
-      </p:pic>
-      <p:sp>
-        <p:nvSpPr>
-          <p:cNvPr id="5" name="TextBox 4">
-            <a:extLst>
-              <a:ext uri="{FF2B5EF4-FFF2-40B4-BE49-F238E27FC236}">
-                <a16:creationId xmlns:a16="http://schemas.microsoft.com/office/drawing/2014/main" id="{24DA0997-B92A-747D-4206-9DEFB0356AFD}"/>
-              </a:ext>
-            </a:extLst>
-          </p:cNvPr>
-          <p:cNvSpPr txBox="1"/>
-          <p:nvPr/>
-        </p:nvSpPr>
-        <p:spPr>
-          <a:xfrm rot="20198723">
-            <a:off x="3300115" y="4849425"/>
-            <a:ext cx="1627452" cy="276999"/>
-          </a:xfrm>
-          <a:prstGeom prst="rect">
-            <a:avLst/>
-          </a:prstGeom>
-          <a:noFill/>
-        </p:spPr>
-        <p:txBody>
-          <a:bodyPr wrap="square" rtlCol="0">
-            <a:spAutoFit/>
-          </a:bodyPr>
-          <a:lstStyle/>
-          <a:p>
-            <a:r>
-              <a:rPr lang="en-US" altLang="ko-KR" sz="1200" dirty="0">
-                <a:solidFill>
-                  <a:srgbClr val="92D050"/>
-                </a:solidFill>
-              </a:rPr>
-              <a:t>Data augmentation</a:t>
-            </a:r>
-            <a:endParaRPr lang="ko-KR" altLang="en-US" sz="1200" dirty="0">
-              <a:solidFill>
-                <a:srgbClr val="92D050"/>
-              </a:solidFill>
-            </a:endParaRPr>
-          </a:p>
-        </p:txBody>
-      </p:sp>
-      <p:cxnSp>
-        <p:nvCxnSpPr>
-          <p:cNvPr id="8" name="직선 연결선 7">
-            <a:extLst>
-              <a:ext uri="{FF2B5EF4-FFF2-40B4-BE49-F238E27FC236}">
-                <a16:creationId xmlns:a16="http://schemas.microsoft.com/office/drawing/2014/main" id="{450BE0E2-44E3-0895-C714-B9C57F5B8E25}"/>
-              </a:ext>
-            </a:extLst>
-          </p:cNvPr>
-          <p:cNvCxnSpPr>
-            <a:cxnSpLocks/>
-          </p:cNvCxnSpPr>
-          <p:nvPr/>
-        </p:nvCxnSpPr>
-        <p:spPr>
-          <a:xfrm>
-            <a:off x="2387212" y="3280672"/>
-            <a:ext cx="1305289" cy="0"/>
-          </a:xfrm>
-          <a:prstGeom prst="line">
-            <a:avLst/>
-          </a:prstGeom>
-          <a:ln w="38100">
-            <a:solidFill>
-              <a:srgbClr val="FFC000">
-                <a:alpha val="60000"/>
-              </a:srgbClr>
-            </a:solidFill>
-          </a:ln>
-        </p:spPr>
-        <p:style>
-          <a:lnRef idx="1">
-            <a:schemeClr val="accent1"/>
-          </a:lnRef>
-          <a:fillRef idx="0">
-            <a:schemeClr val="accent1"/>
-          </a:fillRef>
-          <a:effectRef idx="0">
-            <a:schemeClr val="accent1"/>
-          </a:effectRef>
-          <a:fontRef idx="minor">
-            <a:schemeClr val="tx1"/>
-          </a:fontRef>
-        </p:style>
-      </p:cxnSp>
-      <p:sp>
-        <p:nvSpPr>
-          <p:cNvPr id="15" name="직사각형 14">
-            <a:extLst>
-              <a:ext uri="{FF2B5EF4-FFF2-40B4-BE49-F238E27FC236}">
-                <a16:creationId xmlns:a16="http://schemas.microsoft.com/office/drawing/2014/main" id="{B770780B-C5B7-E047-A823-FA8D84EFBCD2}"/>
-              </a:ext>
-            </a:extLst>
-          </p:cNvPr>
-          <p:cNvSpPr/>
-          <p:nvPr/>
-        </p:nvSpPr>
-        <p:spPr>
-          <a:xfrm>
-            <a:off x="4465524" y="3012440"/>
-            <a:ext cx="392236" cy="317087"/>
-          </a:xfrm>
-          <a:prstGeom prst="rect">
-            <a:avLst/>
-          </a:prstGeom>
-          <a:ln w="38100">
-            <a:solidFill>
-              <a:srgbClr val="FFC000">
-                <a:alpha val="60000"/>
-              </a:srgbClr>
-            </a:solidFill>
-          </a:ln>
-        </p:spPr>
-        <p:style>
-          <a:lnRef idx="1">
-            <a:schemeClr val="accent1"/>
-          </a:lnRef>
-          <a:fillRef idx="0">
-            <a:schemeClr val="accent1"/>
-          </a:fillRef>
-          <a:effectRef idx="0">
-            <a:schemeClr val="accent1"/>
-          </a:effectRef>
-          <a:fontRef idx="minor">
-            <a:schemeClr val="tx1"/>
-          </a:fontRef>
-        </p:style>
-        <p:txBody>
-          <a:bodyPr rtlCol="0" anchor="ctr"/>
-          <a:lstStyle/>
-          <a:p>
-            <a:pPr algn="ctr"/>
-            <a:endParaRPr lang="ko-KR" altLang="en-US"/>
-          </a:p>
-        </p:txBody>
-      </p:sp>
-      <p:sp>
-        <p:nvSpPr>
-          <p:cNvPr id="10" name="직사각형 9">
-            <a:extLst>
-              <a:ext uri="{FF2B5EF4-FFF2-40B4-BE49-F238E27FC236}">
-                <a16:creationId xmlns:a16="http://schemas.microsoft.com/office/drawing/2014/main" id="{B0AB050B-B991-465F-2E16-1A469CA5D388}"/>
-              </a:ext>
-            </a:extLst>
-          </p:cNvPr>
-          <p:cNvSpPr/>
-          <p:nvPr/>
-        </p:nvSpPr>
-        <p:spPr>
-          <a:xfrm>
-            <a:off x="1166666" y="3012440"/>
-            <a:ext cx="392236" cy="317087"/>
-          </a:xfrm>
-          <a:prstGeom prst="rect">
-            <a:avLst/>
-          </a:prstGeom>
-          <a:ln w="38100">
-            <a:solidFill>
-              <a:srgbClr val="FFC000">
-                <a:alpha val="60000"/>
-              </a:srgbClr>
-            </a:solidFill>
-          </a:ln>
-        </p:spPr>
-        <p:style>
-          <a:lnRef idx="1">
-            <a:schemeClr val="accent1"/>
-          </a:lnRef>
-          <a:fillRef idx="0">
-            <a:schemeClr val="accent1"/>
-          </a:fillRef>
-          <a:effectRef idx="0">
-            <a:schemeClr val="accent1"/>
-          </a:effectRef>
-          <a:fontRef idx="minor">
-            <a:schemeClr val="tx1"/>
-          </a:fontRef>
-        </p:style>
-        <p:txBody>
-          <a:bodyPr rtlCol="0" anchor="ctr"/>
-          <a:lstStyle/>
-          <a:p>
-            <a:pPr algn="ctr"/>
-            <a:endParaRPr lang="ko-KR" altLang="en-US"/>
-          </a:p>
-        </p:txBody>
-      </p:sp>
-      <p:sp>
-        <p:nvSpPr>
-          <p:cNvPr id="12" name="TextBox 11">
-            <a:extLst>
-              <a:ext uri="{FF2B5EF4-FFF2-40B4-BE49-F238E27FC236}">
-                <a16:creationId xmlns:a16="http://schemas.microsoft.com/office/drawing/2014/main" id="{65019E8B-8A3F-C319-1082-C904FCE012C2}"/>
-              </a:ext>
-            </a:extLst>
-          </p:cNvPr>
-          <p:cNvSpPr txBox="1"/>
-          <p:nvPr/>
-        </p:nvSpPr>
-        <p:spPr>
-          <a:xfrm>
-            <a:off x="1362783" y="3568397"/>
-            <a:ext cx="947647" cy="461665"/>
-          </a:xfrm>
-          <a:prstGeom prst="rect">
-            <a:avLst/>
-          </a:prstGeom>
-          <a:noFill/>
-        </p:spPr>
-        <p:txBody>
-          <a:bodyPr wrap="square" rtlCol="0">
-            <a:spAutoFit/>
-          </a:bodyPr>
-          <a:lstStyle/>
-          <a:p>
-            <a:r>
-              <a:rPr lang="en-US" altLang="ko-KR" sz="1200" dirty="0">
-                <a:solidFill>
-                  <a:srgbClr val="92D050"/>
-                </a:solidFill>
-              </a:rPr>
-              <a:t>Encoding</a:t>
-            </a:r>
-          </a:p>
-          <a:p>
-            <a:r>
-              <a:rPr lang="en-US" altLang="ko-KR" sz="1200" dirty="0">
-                <a:solidFill>
-                  <a:srgbClr val="92D050"/>
-                </a:solidFill>
-              </a:rPr>
-              <a:t>(ResNet50)</a:t>
-            </a:r>
-            <a:endParaRPr lang="ko-KR" altLang="en-US" sz="1200" dirty="0">
-              <a:solidFill>
-                <a:srgbClr val="92D050"/>
-              </a:solidFill>
-            </a:endParaRPr>
-          </a:p>
-        </p:txBody>
-      </p:sp>
-      <p:sp>
-        <p:nvSpPr>
-          <p:cNvPr id="13" name="TextBox 12">
-            <a:extLst>
-              <a:ext uri="{FF2B5EF4-FFF2-40B4-BE49-F238E27FC236}">
-                <a16:creationId xmlns:a16="http://schemas.microsoft.com/office/drawing/2014/main" id="{149E48E9-A829-BECD-FC9E-7DA93463AA6E}"/>
-              </a:ext>
-            </a:extLst>
-          </p:cNvPr>
-          <p:cNvSpPr txBox="1"/>
-          <p:nvPr/>
-        </p:nvSpPr>
-        <p:spPr>
-          <a:xfrm>
-            <a:off x="1362784" y="2643879"/>
-            <a:ext cx="528497" cy="276999"/>
-          </a:xfrm>
-          <a:prstGeom prst="rect">
-            <a:avLst/>
-          </a:prstGeom>
-          <a:noFill/>
-        </p:spPr>
-        <p:txBody>
-          <a:bodyPr wrap="square" rtlCol="0">
-            <a:spAutoFit/>
-          </a:bodyPr>
-          <a:lstStyle/>
-          <a:p>
-            <a:r>
-              <a:rPr lang="en-US" altLang="ko-KR" sz="1200" dirty="0">
-                <a:solidFill>
-                  <a:srgbClr val="92D050"/>
-                </a:solidFill>
-              </a:rPr>
-              <a:t>MLP</a:t>
-            </a:r>
-            <a:endParaRPr lang="ko-KR" altLang="en-US" sz="1200" dirty="0">
-              <a:solidFill>
-                <a:srgbClr val="92D050"/>
-              </a:solidFill>
-            </a:endParaRPr>
-          </a:p>
-        </p:txBody>
-      </p:sp>
-      <p:pic>
-        <p:nvPicPr>
-          <p:cNvPr id="16" name="그림 15">
-            <a:extLst>
-              <a:ext uri="{FF2B5EF4-FFF2-40B4-BE49-F238E27FC236}">
-                <a16:creationId xmlns:a16="http://schemas.microsoft.com/office/drawing/2014/main" id="{E72890E1-170E-FF92-E495-B3118D165A57}"/>
-              </a:ext>
-            </a:extLst>
-          </p:cNvPr>
-          <p:cNvPicPr>
-            <a:picLocks noChangeAspect="1"/>
-          </p:cNvPicPr>
-          <p:nvPr/>
-        </p:nvPicPr>
-        <p:blipFill>
-          <a:blip r:embed="rId4"/>
-          <a:stretch>
-            <a:fillRect/>
-          </a:stretch>
-        </p:blipFill>
-        <p:spPr>
-          <a:xfrm>
-            <a:off x="6337887" y="1206905"/>
-            <a:ext cx="4608268" cy="5365157"/>
-          </a:xfrm>
-          <a:prstGeom prst="rect">
-            <a:avLst/>
-          </a:prstGeom>
-        </p:spPr>
-      </p:pic>
-      <p:sp>
-        <p:nvSpPr>
-          <p:cNvPr id="18" name="TextBox 17">
-            <a:extLst>
-              <a:ext uri="{FF2B5EF4-FFF2-40B4-BE49-F238E27FC236}">
-                <a16:creationId xmlns:a16="http://schemas.microsoft.com/office/drawing/2014/main" id="{DF2D7F8E-05ED-31C6-AA6B-FFEF7827CCE1}"/>
-              </a:ext>
-            </a:extLst>
-          </p:cNvPr>
-          <p:cNvSpPr txBox="1"/>
-          <p:nvPr/>
-        </p:nvSpPr>
-        <p:spPr>
-          <a:xfrm>
-            <a:off x="1362783" y="5613703"/>
-            <a:ext cx="4179783" cy="697050"/>
-          </a:xfrm>
-          <a:prstGeom prst="rect">
-            <a:avLst/>
-          </a:prstGeom>
-          <a:noFill/>
-        </p:spPr>
-        <p:txBody>
-          <a:bodyPr wrap="square" rtlCol="0">
-            <a:spAutoFit/>
-          </a:bodyPr>
-          <a:lstStyle/>
-          <a:p>
-            <a:pPr marL="285750" indent="-285750">
-              <a:lnSpc>
-                <a:spcPct val="150000"/>
-              </a:lnSpc>
-              <a:buFont typeface="Arial" panose="020B0604020202020204" pitchFamily="34" charset="0"/>
-              <a:buChar char="•"/>
-            </a:pPr>
-            <a:r>
-              <a:rPr lang="en-US" altLang="ko-KR" sz="1400" dirty="0"/>
-              <a:t>No</a:t>
-            </a:r>
-            <a:r>
-              <a:rPr lang="ko-KR" altLang="en-US" sz="1400" dirty="0"/>
-              <a:t> </a:t>
-            </a:r>
-            <a:r>
-              <a:rPr lang="en-US" altLang="ko-KR" sz="1400" dirty="0"/>
-              <a:t>explicit</a:t>
-            </a:r>
-            <a:r>
-              <a:rPr lang="ko-KR" altLang="en-US" sz="1400" dirty="0"/>
-              <a:t> </a:t>
-            </a:r>
-            <a:r>
-              <a:rPr lang="en-US" altLang="ko-KR" sz="1400" dirty="0"/>
-              <a:t>negative</a:t>
-            </a:r>
-            <a:r>
-              <a:rPr lang="ko-KR" altLang="en-US" sz="1400" dirty="0"/>
-              <a:t> </a:t>
-            </a:r>
-            <a:r>
-              <a:rPr lang="en-US" altLang="ko-KR" sz="1400" dirty="0"/>
-              <a:t>sampling</a:t>
-            </a:r>
-          </a:p>
-          <a:p>
-            <a:pPr marL="742950" lvl="1" indent="-285750">
-              <a:lnSpc>
-                <a:spcPct val="150000"/>
-              </a:lnSpc>
-              <a:buFont typeface="Arial" panose="020B0604020202020204" pitchFamily="34" charset="0"/>
-              <a:buChar char="•"/>
-            </a:pPr>
-            <a:r>
-              <a:rPr lang="en-US" altLang="ko-KR" sz="1400" dirty="0"/>
-              <a:t>Minibatch </a:t>
-            </a:r>
-            <a:r>
-              <a:rPr lang="ko-KR" altLang="en-US" sz="1400" dirty="0"/>
-              <a:t>안에서 사용 </a:t>
-            </a:r>
-            <a:r>
-              <a:rPr lang="en-US" altLang="ko-KR" sz="1400" dirty="0"/>
-              <a:t>- 2(N-1)</a:t>
-            </a:r>
-            <a:r>
-              <a:rPr lang="ko-KR" altLang="en-US" sz="1400" dirty="0"/>
-              <a:t>개</a:t>
-            </a:r>
-            <a:endParaRPr lang="en-US" altLang="ko-KR" sz="1400" dirty="0"/>
-          </a:p>
-        </p:txBody>
-      </p:sp>
-    </p:spTree>
-    <p:extLst>
-      <p:ext uri="{BB962C8B-B14F-4D97-AF65-F5344CB8AC3E}">
-        <p14:creationId xmlns:p14="http://schemas.microsoft.com/office/powerpoint/2010/main" val="2116673439"/>
-      </p:ext>
-    </p:extLst>
-  </p:cSld>
-  <p:clrMapOvr>
-    <a:masterClrMapping/>
-  </p:clrMapOvr>
-</p:sld>
-</file>
-
-<file path=ppt/slides/slide6.xml><?xml version="1.0" encoding="utf-8"?>
-<p:sld xmlns:a="http://schemas.openxmlformats.org/drawingml/2006/main" xmlns:r="http://schemas.openxmlformats.org/officeDocument/2006/relationships" xmlns:p="http://schemas.openxmlformats.org/presentationml/2006/main">
-  <p:cSld>
-    <p:spTree>
-      <p:nvGrpSpPr>
-        <p:cNvPr id="1" name=""/>
-        <p:cNvGrpSpPr/>
-        <p:nvPr/>
-      </p:nvGrpSpPr>
-      <p:grpSpPr>
-        <a:xfrm>
-          <a:off x="0" y="0"/>
-          <a:ext cx="0" cy="0"/>
-          <a:chOff x="0" y="0"/>
-          <a:chExt cx="0" cy="0"/>
-        </a:xfrm>
-      </p:grpSpPr>
-      <p:sp>
-        <p:nvSpPr>
-          <p:cNvPr id="2" name="제목 1">
-            <a:extLst>
-              <a:ext uri="{FF2B5EF4-FFF2-40B4-BE49-F238E27FC236}">
-                <a16:creationId xmlns:a16="http://schemas.microsoft.com/office/drawing/2014/main" id="{5C386871-B092-6B43-A8DA-B84A6CCCC7F5}"/>
-              </a:ext>
-            </a:extLst>
-          </p:cNvPr>
-          <p:cNvSpPr>
-            <a:spLocks noGrp="1"/>
-          </p:cNvSpPr>
-          <p:nvPr>
-            <p:ph type="title"/>
-          </p:nvPr>
-        </p:nvSpPr>
-        <p:spPr>
-          <a:xfrm>
-            <a:off x="472541" y="401947"/>
-            <a:ext cx="3412635" cy="665876"/>
-          </a:xfrm>
-        </p:spPr>
-        <p:txBody>
-          <a:bodyPr>
-            <a:normAutofit/>
-          </a:bodyPr>
-          <a:lstStyle/>
-          <a:p>
-            <a:r>
-              <a:rPr lang="en-US" altLang="ko-KR" sz="2400" b="1" u="sng" dirty="0"/>
-              <a:t>2. Method</a:t>
-            </a:r>
-            <a:endParaRPr lang="ko-KR" altLang="en-US" sz="2400" b="1" u="sng" dirty="0"/>
-          </a:p>
-        </p:txBody>
-      </p:sp>
-      <p:sp>
-        <p:nvSpPr>
-          <p:cNvPr id="6" name="TextBox 5">
-            <a:extLst>
-              <a:ext uri="{FF2B5EF4-FFF2-40B4-BE49-F238E27FC236}">
-                <a16:creationId xmlns:a16="http://schemas.microsoft.com/office/drawing/2014/main" id="{2188782E-44BF-062E-224B-C021A5C826FC}"/>
-              </a:ext>
-            </a:extLst>
-          </p:cNvPr>
-          <p:cNvSpPr txBox="1"/>
-          <p:nvPr/>
-        </p:nvSpPr>
-        <p:spPr>
-          <a:xfrm>
-            <a:off x="515937" y="1120345"/>
-            <a:ext cx="6191989" cy="454292"/>
-          </a:xfrm>
-          <a:prstGeom prst="rect">
-            <a:avLst/>
-          </a:prstGeom>
-          <a:noFill/>
-        </p:spPr>
-        <p:txBody>
-          <a:bodyPr wrap="square" rtlCol="0">
-            <a:spAutoFit/>
-          </a:bodyPr>
-          <a:lstStyle/>
-          <a:p>
-            <a:pPr marL="342900" indent="-342900">
-              <a:lnSpc>
-                <a:spcPct val="150000"/>
-              </a:lnSpc>
-              <a:buFont typeface="Wingdings" panose="05000000000000000000" pitchFamily="2" charset="2"/>
-              <a:buChar char="v"/>
-            </a:pPr>
-            <a:r>
-              <a:rPr lang="en-US" altLang="ko-KR" b="1" dirty="0"/>
-              <a:t>The Contrastive Learning Framework</a:t>
-            </a:r>
-            <a:endParaRPr lang="en-US" altLang="ko-KR" dirty="0"/>
-          </a:p>
-        </p:txBody>
-      </p:sp>
-      <p:sp>
-        <p:nvSpPr>
-          <p:cNvPr id="9" name="TextBox 8">
-            <a:extLst>
-              <a:ext uri="{FF2B5EF4-FFF2-40B4-BE49-F238E27FC236}">
-                <a16:creationId xmlns:a16="http://schemas.microsoft.com/office/drawing/2014/main" id="{4E262F7D-1CD2-9678-413C-EB257F68A044}"/>
-              </a:ext>
-            </a:extLst>
-          </p:cNvPr>
-          <p:cNvSpPr txBox="1"/>
-          <p:nvPr/>
-        </p:nvSpPr>
-        <p:spPr>
-          <a:xfrm>
-            <a:off x="0" y="0"/>
-            <a:ext cx="10647544" cy="253916"/>
-          </a:xfrm>
-          <a:prstGeom prst="rect">
-            <a:avLst/>
-          </a:prstGeom>
-          <a:noFill/>
-        </p:spPr>
-        <p:txBody>
-          <a:bodyPr wrap="square" rtlCol="0">
-            <a:spAutoFit/>
-          </a:bodyPr>
-          <a:lstStyle/>
-          <a:p>
-            <a:r>
-              <a:rPr lang="en-US" altLang="ko-KR" sz="1050" b="0" i="0" dirty="0">
-                <a:solidFill>
-                  <a:schemeClr val="bg1">
-                    <a:lumMod val="65000"/>
-                  </a:schemeClr>
-                </a:solidFill>
-                <a:effectLst/>
-                <a:latin typeface="Arial" panose="020B0604020202020204" pitchFamily="34" charset="0"/>
-              </a:rPr>
-              <a:t>Chen, Ting, et al. "A simple framework for contrastive learning of visual representations." International conference on machine learning. PMLR, 2020.</a:t>
-            </a:r>
-          </a:p>
-        </p:txBody>
-      </p:sp>
       <p:sp>
         <p:nvSpPr>
           <p:cNvPr id="28" name="TextBox 27">
@@ -14970,8 +17553,8 @@
         </p:blipFill>
         <p:spPr bwMode="auto">
           <a:xfrm>
-            <a:off x="1965335" y="1934252"/>
-            <a:ext cx="8261330" cy="3970639"/>
+            <a:off x="1650141" y="1934252"/>
+            <a:ext cx="8891718" cy="4273622"/>
           </a:xfrm>
           <a:prstGeom prst="rect">
             <a:avLst/>
@@ -15001,7 +17584,7 @@
 </p:sld>
 </file>
 
-<file path=ppt/slides/slide7.xml><?xml version="1.0" encoding="utf-8"?>
+<file path=ppt/slides/slide8.xml><?xml version="1.0" encoding="utf-8"?>
 <p:sld xmlns:a="http://schemas.openxmlformats.org/drawingml/2006/main" xmlns:r="http://schemas.openxmlformats.org/officeDocument/2006/relationships" xmlns:p="http://schemas.openxmlformats.org/presentationml/2006/main">
   <p:cSld>
     <p:spTree>
@@ -15665,7 +18248,7 @@
         </p:blipFill>
         <p:spPr>
           <a:xfrm>
-            <a:off x="7253232" y="5975615"/>
+            <a:off x="7119599" y="5975615"/>
             <a:ext cx="2693486" cy="527542"/>
           </a:xfrm>
           <a:prstGeom prst="rect">
@@ -15736,7 +18319,7 @@
         </p:blipFill>
         <p:spPr>
           <a:xfrm>
-            <a:off x="9427044" y="3163349"/>
+            <a:off x="9320463" y="3172084"/>
             <a:ext cx="2142792" cy="579608"/>
           </a:xfrm>
           <a:prstGeom prst="rect">
@@ -15748,356 +18331,6 @@
     <p:extLst>
       <p:ext uri="{BB962C8B-B14F-4D97-AF65-F5344CB8AC3E}">
         <p14:creationId xmlns:p14="http://schemas.microsoft.com/office/powerpoint/2010/main" val="893567842"/>
-      </p:ext>
-    </p:extLst>
-  </p:cSld>
-  <p:clrMapOvr>
-    <a:masterClrMapping/>
-  </p:clrMapOvr>
-</p:sld>
-</file>
-
-<file path=ppt/slides/slide8.xml><?xml version="1.0" encoding="utf-8"?>
-<p:sld xmlns:a="http://schemas.openxmlformats.org/drawingml/2006/main" xmlns:r="http://schemas.openxmlformats.org/officeDocument/2006/relationships" xmlns:p="http://schemas.openxmlformats.org/presentationml/2006/main">
-  <p:cSld>
-    <p:spTree>
-      <p:nvGrpSpPr>
-        <p:cNvPr id="1" name=""/>
-        <p:cNvGrpSpPr/>
-        <p:nvPr/>
-      </p:nvGrpSpPr>
-      <p:grpSpPr>
-        <a:xfrm>
-          <a:off x="0" y="0"/>
-          <a:ext cx="0" cy="0"/>
-          <a:chOff x="0" y="0"/>
-          <a:chExt cx="0" cy="0"/>
-        </a:xfrm>
-      </p:grpSpPr>
-      <p:sp>
-        <p:nvSpPr>
-          <p:cNvPr id="2" name="제목 1">
-            <a:extLst>
-              <a:ext uri="{FF2B5EF4-FFF2-40B4-BE49-F238E27FC236}">
-                <a16:creationId xmlns:a16="http://schemas.microsoft.com/office/drawing/2014/main" id="{5C386871-B092-6B43-A8DA-B84A6CCCC7F5}"/>
-              </a:ext>
-            </a:extLst>
-          </p:cNvPr>
-          <p:cNvSpPr>
-            <a:spLocks noGrp="1"/>
-          </p:cNvSpPr>
-          <p:nvPr>
-            <p:ph type="title"/>
-          </p:nvPr>
-        </p:nvSpPr>
-        <p:spPr>
-          <a:xfrm>
-            <a:off x="472541" y="401947"/>
-            <a:ext cx="3412635" cy="665876"/>
-          </a:xfrm>
-        </p:spPr>
-        <p:txBody>
-          <a:bodyPr>
-            <a:normAutofit/>
-          </a:bodyPr>
-          <a:lstStyle/>
-          <a:p>
-            <a:r>
-              <a:rPr lang="en-US" altLang="ko-KR" sz="2400" b="1" u="sng" dirty="0"/>
-              <a:t>2. Method</a:t>
-            </a:r>
-            <a:endParaRPr lang="ko-KR" altLang="en-US" sz="2400" b="1" u="sng" dirty="0"/>
-          </a:p>
-        </p:txBody>
-      </p:sp>
-      <p:sp>
-        <p:nvSpPr>
-          <p:cNvPr id="9" name="TextBox 8">
-            <a:extLst>
-              <a:ext uri="{FF2B5EF4-FFF2-40B4-BE49-F238E27FC236}">
-                <a16:creationId xmlns:a16="http://schemas.microsoft.com/office/drawing/2014/main" id="{4E262F7D-1CD2-9678-413C-EB257F68A044}"/>
-              </a:ext>
-            </a:extLst>
-          </p:cNvPr>
-          <p:cNvSpPr txBox="1"/>
-          <p:nvPr/>
-        </p:nvSpPr>
-        <p:spPr>
-          <a:xfrm>
-            <a:off x="0" y="0"/>
-            <a:ext cx="10647544" cy="253916"/>
-          </a:xfrm>
-          <a:prstGeom prst="rect">
-            <a:avLst/>
-          </a:prstGeom>
-          <a:noFill/>
-        </p:spPr>
-        <p:txBody>
-          <a:bodyPr wrap="square" rtlCol="0">
-            <a:spAutoFit/>
-          </a:bodyPr>
-          <a:lstStyle/>
-          <a:p>
-            <a:r>
-              <a:rPr lang="en-US" altLang="ko-KR" sz="1050" b="0" i="0" dirty="0">
-                <a:solidFill>
-                  <a:schemeClr val="bg1">
-                    <a:lumMod val="65000"/>
-                  </a:schemeClr>
-                </a:solidFill>
-                <a:effectLst/>
-                <a:latin typeface="Arial" panose="020B0604020202020204" pitchFamily="34" charset="0"/>
-              </a:rPr>
-              <a:t>Chen, Ting, et al. "A simple framework for contrastive learning of visual representations." International conference on machine learning. PMLR, 2020.</a:t>
-            </a:r>
-          </a:p>
-        </p:txBody>
-      </p:sp>
-      <p:sp>
-        <p:nvSpPr>
-          <p:cNvPr id="11" name="TextBox 10">
-            <a:extLst>
-              <a:ext uri="{FF2B5EF4-FFF2-40B4-BE49-F238E27FC236}">
-                <a16:creationId xmlns:a16="http://schemas.microsoft.com/office/drawing/2014/main" id="{5481EF30-FFA6-F378-2E64-2114E0FFA5EF}"/>
-              </a:ext>
-            </a:extLst>
-          </p:cNvPr>
-          <p:cNvSpPr txBox="1"/>
-          <p:nvPr/>
-        </p:nvSpPr>
-        <p:spPr>
-          <a:xfrm>
-            <a:off x="885018" y="1744660"/>
-            <a:ext cx="10421963" cy="3799566"/>
-          </a:xfrm>
-          <a:prstGeom prst="rect">
-            <a:avLst/>
-          </a:prstGeom>
-          <a:noFill/>
-        </p:spPr>
-        <p:txBody>
-          <a:bodyPr wrap="square">
-            <a:spAutoFit/>
-          </a:bodyPr>
-          <a:lstStyle/>
-          <a:p>
-            <a:pPr marL="285750" indent="-285750">
-              <a:lnSpc>
-                <a:spcPct val="170000"/>
-              </a:lnSpc>
-              <a:buFont typeface="Arial" panose="020B0604020202020204" pitchFamily="34" charset="0"/>
-              <a:buChar char="•"/>
-            </a:pPr>
-            <a:r>
-              <a:rPr lang="en-US" altLang="ko-KR" sz="1600" b="1" dirty="0"/>
-              <a:t>Training</a:t>
-            </a:r>
-          </a:p>
-          <a:p>
-            <a:pPr marL="742950" lvl="1" indent="-285750">
-              <a:lnSpc>
-                <a:spcPct val="170000"/>
-              </a:lnSpc>
-              <a:buFont typeface="Arial" panose="020B0604020202020204" pitchFamily="34" charset="0"/>
-              <a:buChar char="•"/>
-            </a:pPr>
-            <a:r>
-              <a:rPr lang="en-US" altLang="ko-KR" sz="1600" dirty="0"/>
-              <a:t>Batch size: 256 ~ 8192</a:t>
-            </a:r>
-          </a:p>
-          <a:p>
-            <a:pPr marL="742950" lvl="1" indent="-285750">
-              <a:lnSpc>
-                <a:spcPct val="170000"/>
-              </a:lnSpc>
-              <a:buFont typeface="Arial" panose="020B0604020202020204" pitchFamily="34" charset="0"/>
-              <a:buChar char="•"/>
-            </a:pPr>
-            <a:r>
-              <a:rPr lang="en-US" altLang="ko-KR" sz="1600" dirty="0"/>
-              <a:t>LARS optimizer </a:t>
-            </a:r>
-            <a:r>
-              <a:rPr lang="ko-KR" altLang="en-US" sz="1600" dirty="0"/>
-              <a:t>사용 </a:t>
-            </a:r>
-            <a:r>
-              <a:rPr lang="en-US" altLang="ko-KR" sz="1600" dirty="0"/>
-              <a:t>: </a:t>
-            </a:r>
-            <a:r>
-              <a:rPr lang="ko-KR" altLang="en-US" sz="1600" dirty="0"/>
-              <a:t>많은 </a:t>
-            </a:r>
-            <a:r>
-              <a:rPr lang="en-US" altLang="ko-KR" sz="1600" dirty="0"/>
-              <a:t>Batch size </a:t>
-            </a:r>
-            <a:r>
-              <a:rPr lang="ko-KR" altLang="en-US" sz="1600" dirty="0"/>
-              <a:t>학습을 감당하기 위해</a:t>
-            </a:r>
-          </a:p>
-          <a:p>
-            <a:pPr marL="742950" lvl="1" indent="-285750">
-              <a:lnSpc>
-                <a:spcPct val="170000"/>
-              </a:lnSpc>
-              <a:buFont typeface="Arial" panose="020B0604020202020204" pitchFamily="34" charset="0"/>
-              <a:buChar char="•"/>
-            </a:pPr>
-            <a:r>
-              <a:rPr lang="en-US" altLang="ko-KR" sz="1600" dirty="0"/>
-              <a:t>Aggregating BN mean and variance over all devices</a:t>
-            </a:r>
-          </a:p>
-          <a:p>
-            <a:pPr marL="285750" indent="-285750">
-              <a:lnSpc>
-                <a:spcPct val="170000"/>
-              </a:lnSpc>
-              <a:buFont typeface="Arial" panose="020B0604020202020204" pitchFamily="34" charset="0"/>
-              <a:buChar char="•"/>
-            </a:pPr>
-            <a:r>
-              <a:rPr lang="en-US" altLang="ko-KR" sz="1600" b="1" dirty="0"/>
-              <a:t>Dataset</a:t>
-            </a:r>
-          </a:p>
-          <a:p>
-            <a:pPr marL="742950" lvl="1" indent="-285750">
-              <a:lnSpc>
-                <a:spcPct val="170000"/>
-              </a:lnSpc>
-              <a:buFont typeface="Arial" panose="020B0604020202020204" pitchFamily="34" charset="0"/>
-              <a:buChar char="•"/>
-            </a:pPr>
-            <a:r>
-              <a:rPr lang="en-US" altLang="ko-KR" sz="1600" dirty="0"/>
-              <a:t>ImageNet 2012 – unsupervised pretraining</a:t>
-            </a:r>
-          </a:p>
-          <a:p>
-            <a:pPr marL="285750" indent="-285750">
-              <a:lnSpc>
-                <a:spcPct val="170000"/>
-              </a:lnSpc>
-              <a:buFont typeface="Arial" panose="020B0604020202020204" pitchFamily="34" charset="0"/>
-              <a:buChar char="•"/>
-            </a:pPr>
-            <a:r>
-              <a:rPr lang="en-US" altLang="ko-KR" sz="1600" b="1" dirty="0"/>
-              <a:t>Evaluation</a:t>
-            </a:r>
-          </a:p>
-          <a:p>
-            <a:pPr marL="742950" lvl="1" indent="-285750">
-              <a:lnSpc>
-                <a:spcPct val="170000"/>
-              </a:lnSpc>
-              <a:buFont typeface="Arial" panose="020B0604020202020204" pitchFamily="34" charset="0"/>
-              <a:buChar char="•"/>
-            </a:pPr>
-            <a:r>
-              <a:rPr lang="en-US" altLang="ko-KR" sz="1600" dirty="0"/>
-              <a:t>Linear Evaluation Protocol : representation</a:t>
-            </a:r>
-            <a:r>
-              <a:rPr lang="ko-KR" altLang="en-US" sz="1600" dirty="0"/>
-              <a:t>까지의 </a:t>
-            </a:r>
-            <a:r>
-              <a:rPr lang="en-US" altLang="ko-KR" sz="1600" dirty="0"/>
-              <a:t>parameter</a:t>
-            </a:r>
-            <a:r>
-              <a:rPr lang="ko-KR" altLang="en-US" sz="1600" dirty="0"/>
-              <a:t>를 </a:t>
-            </a:r>
-            <a:r>
-              <a:rPr lang="en-US" altLang="ko-KR" sz="1600" dirty="0"/>
-              <a:t>freeze</a:t>
-            </a:r>
-            <a:r>
-              <a:rPr lang="ko-KR" altLang="en-US" sz="1600" dirty="0"/>
-              <a:t>하고</a:t>
-            </a:r>
-            <a:r>
-              <a:rPr lang="en-US" altLang="ko-KR" sz="1600" dirty="0"/>
-              <a:t>,</a:t>
-            </a:r>
-            <a:r>
-              <a:rPr lang="ko-KR" altLang="en-US" sz="1600" dirty="0"/>
-              <a:t> </a:t>
-            </a:r>
-            <a:r>
-              <a:rPr lang="en-US" altLang="ko-KR" sz="1600" dirty="0"/>
-              <a:t>linear layer </a:t>
-            </a:r>
-            <a:r>
-              <a:rPr lang="ko-KR" altLang="en-US" sz="1600" dirty="0"/>
-              <a:t>하나만 추가하여 </a:t>
-            </a:r>
-            <a:r>
-              <a:rPr lang="en-US" altLang="ko-KR" sz="1600" dirty="0"/>
-              <a:t>supervised learning, evaluation </a:t>
-            </a:r>
-            <a:r>
-              <a:rPr lang="ko-KR" altLang="en-US" sz="1600" dirty="0"/>
-              <a:t>진행</a:t>
-            </a:r>
-            <a:endParaRPr lang="en-US" altLang="ko-KR" sz="1600" dirty="0"/>
-          </a:p>
-        </p:txBody>
-      </p:sp>
-      <p:sp>
-        <p:nvSpPr>
-          <p:cNvPr id="7" name="TextBox 6">
-            <a:extLst>
-              <a:ext uri="{FF2B5EF4-FFF2-40B4-BE49-F238E27FC236}">
-                <a16:creationId xmlns:a16="http://schemas.microsoft.com/office/drawing/2014/main" id="{CC716C3F-F2B1-F760-045E-029309F50BD4}"/>
-              </a:ext>
-            </a:extLst>
-          </p:cNvPr>
-          <p:cNvSpPr txBox="1"/>
-          <p:nvPr/>
-        </p:nvSpPr>
-        <p:spPr>
-          <a:xfrm>
-            <a:off x="515937" y="1120345"/>
-            <a:ext cx="6191989" cy="454292"/>
-          </a:xfrm>
-          <a:prstGeom prst="rect">
-            <a:avLst/>
-          </a:prstGeom>
-          <a:noFill/>
-        </p:spPr>
-        <p:txBody>
-          <a:bodyPr wrap="square" rtlCol="0">
-            <a:spAutoFit/>
-          </a:bodyPr>
-          <a:lstStyle/>
-          <a:p>
-            <a:pPr marL="342900" indent="-342900">
-              <a:lnSpc>
-                <a:spcPct val="150000"/>
-              </a:lnSpc>
-              <a:buFont typeface="Wingdings" panose="05000000000000000000" pitchFamily="2" charset="2"/>
-              <a:buChar char="v"/>
-            </a:pPr>
-            <a:r>
-              <a:rPr lang="en-US" altLang="ko-KR" b="1" dirty="0"/>
-              <a:t>Overview</a:t>
-            </a:r>
-            <a:endParaRPr lang="en-US" altLang="ko-KR" dirty="0"/>
-          </a:p>
-        </p:txBody>
-      </p:sp>
-    </p:spTree>
-    <p:extLst>
-      <p:ext uri="{BB962C8B-B14F-4D97-AF65-F5344CB8AC3E}">
-        <p14:creationId xmlns:p14="http://schemas.microsoft.com/office/powerpoint/2010/main" val="2288350488"/>
       </p:ext>
     </p:extLst>
   </p:cSld>
@@ -16586,10 +18819,10 @@
         </p:nvGrpSpPr>
         <p:grpSpPr>
           <a:xfrm>
-            <a:off x="4491168" y="1920024"/>
-            <a:ext cx="7202873" cy="2953088"/>
-            <a:chOff x="4473190" y="1524212"/>
-            <a:chExt cx="7202873" cy="2953088"/>
+            <a:off x="4732095" y="1920024"/>
+            <a:ext cx="6802062" cy="2953088"/>
+            <a:chOff x="4714117" y="1524212"/>
+            <a:chExt cx="6802062" cy="2953088"/>
           </a:xfrm>
         </p:grpSpPr>
         <p:pic>
@@ -16608,13 +18841,13 @@
           </p:nvPicPr>
           <p:blipFill rotWithShape="1">
             <a:blip r:embed="rId4"/>
-            <a:srcRect b="16886"/>
+            <a:srcRect l="3344" r="2221" b="16886"/>
             <a:stretch/>
           </p:blipFill>
           <p:spPr>
             <a:xfrm>
-              <a:off x="4473190" y="1524212"/>
-              <a:ext cx="7202873" cy="2953088"/>
+              <a:off x="4714117" y="1524212"/>
+              <a:ext cx="6802062" cy="2953088"/>
             </a:xfrm>
             <a:prstGeom prst="rect">
               <a:avLst/>
